--- a/Quiz presentation.pptx
+++ b/Quiz presentation.pptx
@@ -2,7 +2,7 @@
 <file path=ppt/presentation.xml><?xml version="1.0" encoding="utf-8"?>
 <p:presentation xmlns:a="http://schemas.openxmlformats.org/drawingml/2006/main" xmlns:r="http://schemas.openxmlformats.org/officeDocument/2006/relationships" xmlns:p="http://schemas.openxmlformats.org/presentationml/2006/main" saveSubsetFonts="1">
   <p:sldMasterIdLst>
-    <p:sldMasterId id="2147483648" r:id="rId1"/>
+    <p:sldMasterId id="2147483660" r:id="rId1"/>
   </p:sldMasterIdLst>
   <p:sldIdLst>
     <p:sldId id="256" r:id="rId2"/>
@@ -22,9 +22,9 @@
   <p:notesSz cx="6858000" cy="9144000"/>
   <p:defaultTextStyle>
     <a:defPPr>
-      <a:defRPr lang="hu-HU"/>
+      <a:defRPr lang="en-US"/>
     </a:defPPr>
-    <a:lvl1pPr marL="0" algn="l" defTabSz="914400" rtl="0" eaLnBrk="1" latinLnBrk="0" hangingPunct="1">
+    <a:lvl1pPr marL="0" algn="l" defTabSz="457200" rtl="0" eaLnBrk="1" latinLnBrk="0" hangingPunct="1">
       <a:defRPr sz="1800" kern="1200">
         <a:solidFill>
           <a:schemeClr val="tx1"/>
@@ -34,7 +34,7 @@
         <a:cs typeface="+mn-cs"/>
       </a:defRPr>
     </a:lvl1pPr>
-    <a:lvl2pPr marL="457200" algn="l" defTabSz="914400" rtl="0" eaLnBrk="1" latinLnBrk="0" hangingPunct="1">
+    <a:lvl2pPr marL="457200" algn="l" defTabSz="457200" rtl="0" eaLnBrk="1" latinLnBrk="0" hangingPunct="1">
       <a:defRPr sz="1800" kern="1200">
         <a:solidFill>
           <a:schemeClr val="tx1"/>
@@ -44,7 +44,7 @@
         <a:cs typeface="+mn-cs"/>
       </a:defRPr>
     </a:lvl2pPr>
-    <a:lvl3pPr marL="914400" algn="l" defTabSz="914400" rtl="0" eaLnBrk="1" latinLnBrk="0" hangingPunct="1">
+    <a:lvl3pPr marL="914400" algn="l" defTabSz="457200" rtl="0" eaLnBrk="1" latinLnBrk="0" hangingPunct="1">
       <a:defRPr sz="1800" kern="1200">
         <a:solidFill>
           <a:schemeClr val="tx1"/>
@@ -54,7 +54,7 @@
         <a:cs typeface="+mn-cs"/>
       </a:defRPr>
     </a:lvl3pPr>
-    <a:lvl4pPr marL="1371600" algn="l" defTabSz="914400" rtl="0" eaLnBrk="1" latinLnBrk="0" hangingPunct="1">
+    <a:lvl4pPr marL="1371600" algn="l" defTabSz="457200" rtl="0" eaLnBrk="1" latinLnBrk="0" hangingPunct="1">
       <a:defRPr sz="1800" kern="1200">
         <a:solidFill>
           <a:schemeClr val="tx1"/>
@@ -64,7 +64,7 @@
         <a:cs typeface="+mn-cs"/>
       </a:defRPr>
     </a:lvl4pPr>
-    <a:lvl5pPr marL="1828800" algn="l" defTabSz="914400" rtl="0" eaLnBrk="1" latinLnBrk="0" hangingPunct="1">
+    <a:lvl5pPr marL="1828800" algn="l" defTabSz="457200" rtl="0" eaLnBrk="1" latinLnBrk="0" hangingPunct="1">
       <a:defRPr sz="1800" kern="1200">
         <a:solidFill>
           <a:schemeClr val="tx1"/>
@@ -74,7 +74,7 @@
         <a:cs typeface="+mn-cs"/>
       </a:defRPr>
     </a:lvl5pPr>
-    <a:lvl6pPr marL="2286000" algn="l" defTabSz="914400" rtl="0" eaLnBrk="1" latinLnBrk="0" hangingPunct="1">
+    <a:lvl6pPr marL="2286000" algn="l" defTabSz="457200" rtl="0" eaLnBrk="1" latinLnBrk="0" hangingPunct="1">
       <a:defRPr sz="1800" kern="1200">
         <a:solidFill>
           <a:schemeClr val="tx1"/>
@@ -84,7 +84,7 @@
         <a:cs typeface="+mn-cs"/>
       </a:defRPr>
     </a:lvl6pPr>
-    <a:lvl7pPr marL="2743200" algn="l" defTabSz="914400" rtl="0" eaLnBrk="1" latinLnBrk="0" hangingPunct="1">
+    <a:lvl7pPr marL="2743200" algn="l" defTabSz="457200" rtl="0" eaLnBrk="1" latinLnBrk="0" hangingPunct="1">
       <a:defRPr sz="1800" kern="1200">
         <a:solidFill>
           <a:schemeClr val="tx1"/>
@@ -94,7 +94,7 @@
         <a:cs typeface="+mn-cs"/>
       </a:defRPr>
     </a:lvl7pPr>
-    <a:lvl8pPr marL="3200400" algn="l" defTabSz="914400" rtl="0" eaLnBrk="1" latinLnBrk="0" hangingPunct="1">
+    <a:lvl8pPr marL="3200400" algn="l" defTabSz="457200" rtl="0" eaLnBrk="1" latinLnBrk="0" hangingPunct="1">
       <a:defRPr sz="1800" kern="1200">
         <a:solidFill>
           <a:schemeClr val="tx1"/>
@@ -104,7 +104,7 @@
         <a:cs typeface="+mn-cs"/>
       </a:defRPr>
     </a:lvl8pPr>
-    <a:lvl9pPr marL="3657600" algn="l" defTabSz="914400" rtl="0" eaLnBrk="1" latinLnBrk="0" hangingPunct="1">
+    <a:lvl9pPr marL="3657600" algn="l" defTabSz="457200" rtl="0" eaLnBrk="1" latinLnBrk="0" hangingPunct="1">
       <a:defRPr sz="1800" kern="1200">
         <a:solidFill>
           <a:schemeClr val="tx1"/>
@@ -124,7 +124,7 @@
 </file>
 
 <file path=ppt/slideLayouts/slideLayout1.xml><?xml version="1.0" encoding="utf-8"?>
-<p:sldLayout xmlns:a="http://schemas.openxmlformats.org/drawingml/2006/main" xmlns:r="http://schemas.openxmlformats.org/officeDocument/2006/relationships" xmlns:p="http://schemas.openxmlformats.org/presentationml/2006/main" type="title" preserve="1">
+<p:sldLayout xmlns:a="http://schemas.openxmlformats.org/drawingml/2006/main" xmlns:r="http://schemas.openxmlformats.org/officeDocument/2006/relationships" xmlns:p="http://schemas.openxmlformats.org/presentationml/2006/main" showMasterSp="0" type="title" preserve="1">
   <p:cSld name="Címdia">
     <p:spTree>
       <p:nvGrpSpPr>
@@ -142,13 +142,7 @@
       </p:grpSpPr>
       <p:sp>
         <p:nvSpPr>
-          <p:cNvPr id="2" name="Cím 1">
-            <a:extLst>
-              <a:ext uri="{FF2B5EF4-FFF2-40B4-BE49-F238E27FC236}">
-                <a16:creationId xmlns:a16="http://schemas.microsoft.com/office/drawing/2014/main" id="{BF4ECE5C-A6DC-4C52-A22B-45A0859CB301}"/>
-              </a:ext>
-            </a:extLst>
-          </p:cNvPr>
+          <p:cNvPr id="2" name="Title 1"/>
           <p:cNvSpPr>
             <a:spLocks noGrp="1"/>
           </p:cNvSpPr>
@@ -158,15 +152,19 @@
         </p:nvSpPr>
         <p:spPr>
           <a:xfrm>
-            <a:off x="1524000" y="1122363"/>
-            <a:ext cx="9144000" cy="2387600"/>
+            <a:off x="684212" y="685799"/>
+            <a:ext cx="8001000" cy="2971801"/>
           </a:xfrm>
         </p:spPr>
         <p:txBody>
-          <a:bodyPr anchor="b"/>
+          <a:bodyPr anchor="b">
+            <a:normAutofit/>
+          </a:bodyPr>
           <a:lstStyle>
-            <a:lvl1pPr algn="ctr">
-              <a:defRPr sz="6000"/>
+            <a:lvl1pPr algn="l">
+              <a:defRPr sz="4800">
+                <a:effectLst/>
+              </a:defRPr>
             </a:lvl1pPr>
           </a:lstStyle>
           <a:p>
@@ -174,18 +172,13 @@
               <a:rPr lang="hu-HU"/>
               <a:t>Mintacím szerkesztése</a:t>
             </a:r>
-          </a:p>
-        </p:txBody>
-      </p:sp>
-      <p:sp>
-        <p:nvSpPr>
-          <p:cNvPr id="3" name="Alcím 2">
-            <a:extLst>
-              <a:ext uri="{FF2B5EF4-FFF2-40B4-BE49-F238E27FC236}">
-                <a16:creationId xmlns:a16="http://schemas.microsoft.com/office/drawing/2014/main" id="{C2B511EA-6CDF-452D-A947-D5A05B129347}"/>
-              </a:ext>
-            </a:extLst>
-          </p:cNvPr>
+            <a:endParaRPr lang="en-US" dirty="0"/>
+          </a:p>
+        </p:txBody>
+      </p:sp>
+      <p:sp>
+        <p:nvSpPr>
+          <p:cNvPr id="3" name="Subtitle 2"/>
           <p:cNvSpPr>
             <a:spLocks noGrp="1"/>
           </p:cNvSpPr>
@@ -195,48 +188,104 @@
         </p:nvSpPr>
         <p:spPr>
           <a:xfrm>
-            <a:off x="1524000" y="3602038"/>
-            <a:ext cx="9144000" cy="1655762"/>
+            <a:off x="684212" y="3843867"/>
+            <a:ext cx="6400800" cy="1947333"/>
           </a:xfrm>
         </p:spPr>
         <p:txBody>
-          <a:bodyPr/>
+          <a:bodyPr anchor="t">
+            <a:normAutofit/>
+          </a:bodyPr>
           <a:lstStyle>
-            <a:lvl1pPr marL="0" indent="0" algn="ctr">
-              <a:buNone/>
-              <a:defRPr sz="2400"/>
+            <a:lvl1pPr marL="0" indent="0" algn="l">
+              <a:buNone/>
+              <a:defRPr sz="2100">
+                <a:solidFill>
+                  <a:schemeClr val="bg2">
+                    <a:lumMod val="75000"/>
+                  </a:schemeClr>
+                </a:solidFill>
+              </a:defRPr>
             </a:lvl1pPr>
             <a:lvl2pPr marL="457200" indent="0" algn="ctr">
               <a:buNone/>
-              <a:defRPr sz="2000"/>
+              <a:defRPr>
+                <a:solidFill>
+                  <a:schemeClr val="tx1">
+                    <a:tint val="75000"/>
+                  </a:schemeClr>
+                </a:solidFill>
+              </a:defRPr>
             </a:lvl2pPr>
             <a:lvl3pPr marL="914400" indent="0" algn="ctr">
               <a:buNone/>
-              <a:defRPr sz="1800"/>
+              <a:defRPr>
+                <a:solidFill>
+                  <a:schemeClr val="tx1">
+                    <a:tint val="75000"/>
+                  </a:schemeClr>
+                </a:solidFill>
+              </a:defRPr>
             </a:lvl3pPr>
             <a:lvl4pPr marL="1371600" indent="0" algn="ctr">
               <a:buNone/>
-              <a:defRPr sz="1600"/>
+              <a:defRPr>
+                <a:solidFill>
+                  <a:schemeClr val="tx1">
+                    <a:tint val="75000"/>
+                  </a:schemeClr>
+                </a:solidFill>
+              </a:defRPr>
             </a:lvl4pPr>
             <a:lvl5pPr marL="1828800" indent="0" algn="ctr">
               <a:buNone/>
-              <a:defRPr sz="1600"/>
+              <a:defRPr>
+                <a:solidFill>
+                  <a:schemeClr val="tx1">
+                    <a:tint val="75000"/>
+                  </a:schemeClr>
+                </a:solidFill>
+              </a:defRPr>
             </a:lvl5pPr>
             <a:lvl6pPr marL="2286000" indent="0" algn="ctr">
               <a:buNone/>
-              <a:defRPr sz="1600"/>
+              <a:defRPr>
+                <a:solidFill>
+                  <a:schemeClr val="tx1">
+                    <a:tint val="75000"/>
+                  </a:schemeClr>
+                </a:solidFill>
+              </a:defRPr>
             </a:lvl6pPr>
             <a:lvl7pPr marL="2743200" indent="0" algn="ctr">
               <a:buNone/>
-              <a:defRPr sz="1600"/>
+              <a:defRPr>
+                <a:solidFill>
+                  <a:schemeClr val="tx1">
+                    <a:tint val="75000"/>
+                  </a:schemeClr>
+                </a:solidFill>
+              </a:defRPr>
             </a:lvl7pPr>
             <a:lvl8pPr marL="3200400" indent="0" algn="ctr">
               <a:buNone/>
-              <a:defRPr sz="1600"/>
+              <a:defRPr>
+                <a:solidFill>
+                  <a:schemeClr val="tx1">
+                    <a:tint val="75000"/>
+                  </a:schemeClr>
+                </a:solidFill>
+              </a:defRPr>
             </a:lvl8pPr>
             <a:lvl9pPr marL="3657600" indent="0" algn="ctr">
               <a:buNone/>
-              <a:defRPr sz="1600"/>
+              <a:defRPr>
+                <a:solidFill>
+                  <a:schemeClr val="tx1">
+                    <a:tint val="75000"/>
+                  </a:schemeClr>
+                </a:solidFill>
+              </a:defRPr>
             </a:lvl9pPr>
           </a:lstStyle>
           <a:p>
@@ -244,18 +293,13 @@
               <a:rPr lang="hu-HU"/>
               <a:t>Kattintson ide az alcím mintájának szerkesztéséhez</a:t>
             </a:r>
-          </a:p>
-        </p:txBody>
-      </p:sp>
-      <p:sp>
-        <p:nvSpPr>
-          <p:cNvPr id="4" name="Dátum helye 3">
-            <a:extLst>
-              <a:ext uri="{FF2B5EF4-FFF2-40B4-BE49-F238E27FC236}">
-                <a16:creationId xmlns:a16="http://schemas.microsoft.com/office/drawing/2014/main" id="{37A10411-DDE8-44C6-9CBF-FC50E87928F6}"/>
-              </a:ext>
-            </a:extLst>
-          </p:cNvPr>
+            <a:endParaRPr lang="en-US" dirty="0"/>
+          </a:p>
+        </p:txBody>
+      </p:sp>
+      <p:sp>
+        <p:nvSpPr>
+          <p:cNvPr id="4" name="Date Placeholder 3"/>
           <p:cNvSpPr>
             <a:spLocks noGrp="1"/>
           </p:cNvSpPr>
@@ -270,7 +314,7 @@
           <a:p>
             <a:fld id="{BF527D72-7616-4671-866A-76F0C28AAE33}" type="datetimeFigureOut">
               <a:rPr lang="hu-HU" smtClean="0"/>
-              <a:t>2024.03.18.</a:t>
+              <a:t>2024.03.25.</a:t>
             </a:fld>
             <a:endParaRPr lang="hu-HU"/>
           </a:p>
@@ -278,13 +322,7 @@
       </p:sp>
       <p:sp>
         <p:nvSpPr>
-          <p:cNvPr id="5" name="Élőláb helye 4">
-            <a:extLst>
-              <a:ext uri="{FF2B5EF4-FFF2-40B4-BE49-F238E27FC236}">
-                <a16:creationId xmlns:a16="http://schemas.microsoft.com/office/drawing/2014/main" id="{853E3D8E-84BB-40C1-93D2-CCD47551AA35}"/>
-              </a:ext>
-            </a:extLst>
-          </p:cNvPr>
+          <p:cNvPr id="5" name="Footer Placeholder 4"/>
           <p:cNvSpPr>
             <a:spLocks noGrp="1"/>
           </p:cNvSpPr>
@@ -303,13 +341,7 @@
       </p:sp>
       <p:sp>
         <p:nvSpPr>
-          <p:cNvPr id="6" name="Dia számának helye 5">
-            <a:extLst>
-              <a:ext uri="{FF2B5EF4-FFF2-40B4-BE49-F238E27FC236}">
-                <a16:creationId xmlns:a16="http://schemas.microsoft.com/office/drawing/2014/main" id="{5D0E919D-54C5-4946-B775-2EDF79EAA68A}"/>
-              </a:ext>
-            </a:extLst>
-          </p:cNvPr>
+          <p:cNvPr id="6" name="Slide Number Placeholder 5"/>
           <p:cNvSpPr>
             <a:spLocks noGrp="1"/>
           </p:cNvSpPr>
@@ -330,10 +362,185 @@
           </a:p>
         </p:txBody>
       </p:sp>
+      <p:cxnSp>
+        <p:nvCxnSpPr>
+          <p:cNvPr id="16" name="Straight Connector 15"/>
+          <p:cNvCxnSpPr/>
+          <p:nvPr/>
+        </p:nvCxnSpPr>
+        <p:spPr>
+          <a:xfrm flipH="1">
+            <a:off x="8228012" y="8467"/>
+            <a:ext cx="3810000" cy="3810000"/>
+          </a:xfrm>
+          <a:prstGeom prst="line">
+            <a:avLst/>
+          </a:prstGeom>
+          <a:ln w="12700">
+            <a:solidFill>
+              <a:schemeClr val="tx1"/>
+            </a:solidFill>
+          </a:ln>
+        </p:spPr>
+        <p:style>
+          <a:lnRef idx="2">
+            <a:schemeClr val="accent1"/>
+          </a:lnRef>
+          <a:fillRef idx="0">
+            <a:schemeClr val="accent1"/>
+          </a:fillRef>
+          <a:effectRef idx="1">
+            <a:schemeClr val="accent1"/>
+          </a:effectRef>
+          <a:fontRef idx="minor">
+            <a:schemeClr val="tx1"/>
+          </a:fontRef>
+        </p:style>
+      </p:cxnSp>
+      <p:cxnSp>
+        <p:nvCxnSpPr>
+          <p:cNvPr id="17" name="Straight Connector 16"/>
+          <p:cNvCxnSpPr/>
+          <p:nvPr/>
+        </p:nvCxnSpPr>
+        <p:spPr>
+          <a:xfrm flipH="1">
+            <a:off x="6108170" y="91545"/>
+            <a:ext cx="6080655" cy="6080655"/>
+          </a:xfrm>
+          <a:prstGeom prst="line">
+            <a:avLst/>
+          </a:prstGeom>
+          <a:ln w="12700">
+            <a:solidFill>
+              <a:schemeClr val="tx1"/>
+            </a:solidFill>
+          </a:ln>
+        </p:spPr>
+        <p:style>
+          <a:lnRef idx="2">
+            <a:schemeClr val="accent1"/>
+          </a:lnRef>
+          <a:fillRef idx="0">
+            <a:schemeClr val="accent1"/>
+          </a:fillRef>
+          <a:effectRef idx="1">
+            <a:schemeClr val="accent1"/>
+          </a:effectRef>
+          <a:fontRef idx="minor">
+            <a:schemeClr val="tx1"/>
+          </a:fontRef>
+        </p:style>
+      </p:cxnSp>
+      <p:cxnSp>
+        <p:nvCxnSpPr>
+          <p:cNvPr id="19" name="Straight Connector 18"/>
+          <p:cNvCxnSpPr/>
+          <p:nvPr/>
+        </p:nvCxnSpPr>
+        <p:spPr>
+          <a:xfrm flipH="1">
+            <a:off x="7235825" y="228600"/>
+            <a:ext cx="4953000" cy="4953000"/>
+          </a:xfrm>
+          <a:prstGeom prst="line">
+            <a:avLst/>
+          </a:prstGeom>
+          <a:ln w="12700">
+            <a:solidFill>
+              <a:schemeClr val="tx1"/>
+            </a:solidFill>
+          </a:ln>
+        </p:spPr>
+        <p:style>
+          <a:lnRef idx="2">
+            <a:schemeClr val="accent1"/>
+          </a:lnRef>
+          <a:fillRef idx="0">
+            <a:schemeClr val="accent1"/>
+          </a:fillRef>
+          <a:effectRef idx="1">
+            <a:schemeClr val="accent1"/>
+          </a:effectRef>
+          <a:fontRef idx="minor">
+            <a:schemeClr val="tx1"/>
+          </a:fontRef>
+        </p:style>
+      </p:cxnSp>
+      <p:cxnSp>
+        <p:nvCxnSpPr>
+          <p:cNvPr id="21" name="Straight Connector 20"/>
+          <p:cNvCxnSpPr/>
+          <p:nvPr/>
+        </p:nvCxnSpPr>
+        <p:spPr>
+          <a:xfrm flipH="1">
+            <a:off x="7335837" y="32278"/>
+            <a:ext cx="4852989" cy="4852989"/>
+          </a:xfrm>
+          <a:prstGeom prst="line">
+            <a:avLst/>
+          </a:prstGeom>
+          <a:ln w="31750">
+            <a:solidFill>
+              <a:schemeClr val="tx1"/>
+            </a:solidFill>
+          </a:ln>
+        </p:spPr>
+        <p:style>
+          <a:lnRef idx="2">
+            <a:schemeClr val="accent1"/>
+          </a:lnRef>
+          <a:fillRef idx="0">
+            <a:schemeClr val="accent1"/>
+          </a:fillRef>
+          <a:effectRef idx="1">
+            <a:schemeClr val="accent1"/>
+          </a:effectRef>
+          <a:fontRef idx="minor">
+            <a:schemeClr val="tx1"/>
+          </a:fontRef>
+        </p:style>
+      </p:cxnSp>
+      <p:cxnSp>
+        <p:nvCxnSpPr>
+          <p:cNvPr id="23" name="Straight Connector 22"/>
+          <p:cNvCxnSpPr/>
+          <p:nvPr/>
+        </p:nvCxnSpPr>
+        <p:spPr>
+          <a:xfrm flipH="1">
+            <a:off x="7845426" y="609601"/>
+            <a:ext cx="4343399" cy="4343399"/>
+          </a:xfrm>
+          <a:prstGeom prst="line">
+            <a:avLst/>
+          </a:prstGeom>
+          <a:ln w="31750">
+            <a:solidFill>
+              <a:schemeClr val="tx1"/>
+            </a:solidFill>
+          </a:ln>
+        </p:spPr>
+        <p:style>
+          <a:lnRef idx="2">
+            <a:schemeClr val="accent1"/>
+          </a:lnRef>
+          <a:fillRef idx="0">
+            <a:schemeClr val="accent1"/>
+          </a:fillRef>
+          <a:effectRef idx="1">
+            <a:schemeClr val="accent1"/>
+          </a:effectRef>
+          <a:fontRef idx="minor">
+            <a:schemeClr val="tx1"/>
+          </a:fontRef>
+        </p:style>
+      </p:cxnSp>
     </p:spTree>
     <p:extLst>
       <p:ext uri="{BB962C8B-B14F-4D97-AF65-F5344CB8AC3E}">
-        <p14:creationId xmlns:p14="http://schemas.microsoft.com/office/powerpoint/2010/main" val="3838073825"/>
+        <p14:creationId xmlns:p14="http://schemas.microsoft.com/office/powerpoint/2010/main" val="3728427672"/>
       </p:ext>
     </p:extLst>
   </p:cSld>
@@ -344,6 +551,1812 @@
 </file>
 
 <file path=ppt/slideLayouts/slideLayout10.xml><?xml version="1.0" encoding="utf-8"?>
+<p:sldLayout xmlns:a="http://schemas.openxmlformats.org/drawingml/2006/main" xmlns:r="http://schemas.openxmlformats.org/officeDocument/2006/relationships" xmlns:p="http://schemas.openxmlformats.org/presentationml/2006/main" preserve="1">
+  <p:cSld name="Panorámakép képaláírással">
+    <p:spTree>
+      <p:nvGrpSpPr>
+        <p:cNvPr id="1" name=""/>
+        <p:cNvGrpSpPr/>
+        <p:nvPr/>
+      </p:nvGrpSpPr>
+      <p:grpSpPr>
+        <a:xfrm>
+          <a:off x="0" y="0"/>
+          <a:ext cx="0" cy="0"/>
+          <a:chOff x="0" y="0"/>
+          <a:chExt cx="0" cy="0"/>
+        </a:xfrm>
+      </p:grpSpPr>
+      <p:sp>
+        <p:nvSpPr>
+          <p:cNvPr id="2" name="Title 1"/>
+          <p:cNvSpPr>
+            <a:spLocks noGrp="1"/>
+          </p:cNvSpPr>
+          <p:nvPr>
+            <p:ph type="title"/>
+          </p:nvPr>
+        </p:nvSpPr>
+        <p:spPr/>
+        <p:txBody>
+          <a:bodyPr/>
+          <a:lstStyle/>
+          <a:p>
+            <a:r>
+              <a:rPr lang="hu-HU"/>
+              <a:t>Mintacím szerkesztése</a:t>
+            </a:r>
+            <a:endParaRPr lang="en-US" dirty="0"/>
+          </a:p>
+        </p:txBody>
+      </p:sp>
+      <p:sp>
+        <p:nvSpPr>
+          <p:cNvPr id="17" name="Picture Placeholder 2"/>
+          <p:cNvSpPr>
+            <a:spLocks noGrp="1" noChangeAspect="1"/>
+          </p:cNvSpPr>
+          <p:nvPr>
+            <p:ph type="pic" idx="13"/>
+          </p:nvPr>
+        </p:nvSpPr>
+        <p:spPr>
+          <a:xfrm>
+            <a:off x="685800" y="533400"/>
+            <a:ext cx="10818812" cy="3124200"/>
+          </a:xfrm>
+          <a:prstGeom prst="snip2DiagRect">
+            <a:avLst>
+              <a:gd name="adj1" fmla="val 10815"/>
+              <a:gd name="adj2" fmla="val 0"/>
+            </a:avLst>
+          </a:prstGeom>
+          <a:ln w="15875">
+            <a:solidFill>
+              <a:schemeClr val="tx1">
+                <a:alpha val="40000"/>
+              </a:schemeClr>
+            </a:solidFill>
+          </a:ln>
+          <a:effectLst>
+            <a:innerShdw blurRad="57150" dist="38100" dir="14460000">
+              <a:srgbClr val="000000">
+                <a:alpha val="70000"/>
+              </a:srgbClr>
+            </a:innerShdw>
+          </a:effectLst>
+        </p:spPr>
+        <p:txBody>
+          <a:bodyPr anchor="t">
+            <a:normAutofit/>
+          </a:bodyPr>
+          <a:lstStyle>
+            <a:lvl1pPr marL="0" indent="0" algn="ctr">
+              <a:buNone/>
+              <a:defRPr sz="1600"/>
+            </a:lvl1pPr>
+            <a:lvl2pPr marL="457200" indent="0">
+              <a:buNone/>
+              <a:defRPr sz="1600"/>
+            </a:lvl2pPr>
+            <a:lvl3pPr marL="914400" indent="0">
+              <a:buNone/>
+              <a:defRPr sz="1600"/>
+            </a:lvl3pPr>
+            <a:lvl4pPr marL="1371600" indent="0">
+              <a:buNone/>
+              <a:defRPr sz="1600"/>
+            </a:lvl4pPr>
+            <a:lvl5pPr marL="1828800" indent="0">
+              <a:buNone/>
+              <a:defRPr sz="1600"/>
+            </a:lvl5pPr>
+            <a:lvl6pPr marL="2286000" indent="0">
+              <a:buNone/>
+              <a:defRPr sz="1600"/>
+            </a:lvl6pPr>
+            <a:lvl7pPr marL="2743200" indent="0">
+              <a:buNone/>
+              <a:defRPr sz="1600"/>
+            </a:lvl7pPr>
+            <a:lvl8pPr marL="3200400" indent="0">
+              <a:buNone/>
+              <a:defRPr sz="1600"/>
+            </a:lvl8pPr>
+            <a:lvl9pPr marL="3657600" indent="0">
+              <a:buNone/>
+              <a:defRPr sz="1600"/>
+            </a:lvl9pPr>
+          </a:lstStyle>
+          <a:p>
+            <a:r>
+              <a:rPr lang="hu-HU"/>
+              <a:t>Kép beszúrásához kattintson az ikonra</a:t>
+            </a:r>
+            <a:endParaRPr lang="en-US" dirty="0"/>
+          </a:p>
+        </p:txBody>
+      </p:sp>
+      <p:sp>
+        <p:nvSpPr>
+          <p:cNvPr id="16" name="Text Placeholder 9"/>
+          <p:cNvSpPr>
+            <a:spLocks noGrp="1"/>
+          </p:cNvSpPr>
+          <p:nvPr>
+            <p:ph type="body" sz="quarter" idx="14"/>
+          </p:nvPr>
+        </p:nvSpPr>
+        <p:spPr>
+          <a:xfrm>
+            <a:off x="914402" y="3843867"/>
+            <a:ext cx="8304210" cy="457200"/>
+          </a:xfrm>
+        </p:spPr>
+        <p:txBody>
+          <a:bodyPr anchor="t">
+            <a:normAutofit/>
+          </a:bodyPr>
+          <a:lstStyle>
+            <a:lvl1pPr marL="0" indent="0">
+              <a:buFontTx/>
+              <a:buNone/>
+              <a:defRPr sz="1600"/>
+            </a:lvl1pPr>
+            <a:lvl2pPr marL="457200" indent="0">
+              <a:buFontTx/>
+              <a:buNone/>
+              <a:defRPr/>
+            </a:lvl2pPr>
+            <a:lvl3pPr marL="914400" indent="0">
+              <a:buFontTx/>
+              <a:buNone/>
+              <a:defRPr/>
+            </a:lvl3pPr>
+            <a:lvl4pPr marL="1371600" indent="0">
+              <a:buFontTx/>
+              <a:buNone/>
+              <a:defRPr/>
+            </a:lvl4pPr>
+            <a:lvl5pPr marL="1828800" indent="0">
+              <a:buFontTx/>
+              <a:buNone/>
+              <a:defRPr/>
+            </a:lvl5pPr>
+          </a:lstStyle>
+          <a:p>
+            <a:pPr lvl="0"/>
+            <a:r>
+              <a:rPr lang="hu-HU"/>
+              <a:t>Mintaszöveg szerkesztése</a:t>
+            </a:r>
+          </a:p>
+        </p:txBody>
+      </p:sp>
+      <p:sp>
+        <p:nvSpPr>
+          <p:cNvPr id="3" name="Date Placeholder 2"/>
+          <p:cNvSpPr>
+            <a:spLocks noGrp="1"/>
+          </p:cNvSpPr>
+          <p:nvPr>
+            <p:ph type="dt" sz="half" idx="10"/>
+          </p:nvPr>
+        </p:nvSpPr>
+        <p:spPr/>
+        <p:txBody>
+          <a:bodyPr/>
+          <a:lstStyle/>
+          <a:p>
+            <a:fld id="{BF527D72-7616-4671-866A-76F0C28AAE33}" type="datetimeFigureOut">
+              <a:rPr lang="hu-HU" smtClean="0"/>
+              <a:t>2024.03.25.</a:t>
+            </a:fld>
+            <a:endParaRPr lang="hu-HU"/>
+          </a:p>
+        </p:txBody>
+      </p:sp>
+      <p:sp>
+        <p:nvSpPr>
+          <p:cNvPr id="4" name="Footer Placeholder 3"/>
+          <p:cNvSpPr>
+            <a:spLocks noGrp="1"/>
+          </p:cNvSpPr>
+          <p:nvPr>
+            <p:ph type="ftr" sz="quarter" idx="11"/>
+          </p:nvPr>
+        </p:nvSpPr>
+        <p:spPr/>
+        <p:txBody>
+          <a:bodyPr/>
+          <a:lstStyle/>
+          <a:p>
+            <a:endParaRPr lang="hu-HU"/>
+          </a:p>
+        </p:txBody>
+      </p:sp>
+      <p:sp>
+        <p:nvSpPr>
+          <p:cNvPr id="5" name="Slide Number Placeholder 4"/>
+          <p:cNvSpPr>
+            <a:spLocks noGrp="1"/>
+          </p:cNvSpPr>
+          <p:nvPr>
+            <p:ph type="sldNum" sz="quarter" idx="12"/>
+          </p:nvPr>
+        </p:nvSpPr>
+        <p:spPr/>
+        <p:txBody>
+          <a:bodyPr/>
+          <a:lstStyle/>
+          <a:p>
+            <a:fld id="{782DE12D-0810-4BD6-B3DC-CB541D97B447}" type="slidenum">
+              <a:rPr lang="hu-HU" smtClean="0"/>
+              <a:t>‹#›</a:t>
+            </a:fld>
+            <a:endParaRPr lang="hu-HU"/>
+          </a:p>
+        </p:txBody>
+      </p:sp>
+    </p:spTree>
+    <p:extLst>
+      <p:ext uri="{BB962C8B-B14F-4D97-AF65-F5344CB8AC3E}">
+        <p14:creationId xmlns:p14="http://schemas.microsoft.com/office/powerpoint/2010/main" val="202841381"/>
+      </p:ext>
+    </p:extLst>
+  </p:cSld>
+  <p:clrMapOvr>
+    <a:masterClrMapping/>
+  </p:clrMapOvr>
+</p:sldLayout>
+</file>
+
+<file path=ppt/slideLayouts/slideLayout11.xml><?xml version="1.0" encoding="utf-8"?>
+<p:sldLayout xmlns:a="http://schemas.openxmlformats.org/drawingml/2006/main" xmlns:r="http://schemas.openxmlformats.org/officeDocument/2006/relationships" xmlns:p="http://schemas.openxmlformats.org/presentationml/2006/main" preserve="1">
+  <p:cSld name="Cím és képaláírás">
+    <p:spTree>
+      <p:nvGrpSpPr>
+        <p:cNvPr id="1" name=""/>
+        <p:cNvGrpSpPr/>
+        <p:nvPr/>
+      </p:nvGrpSpPr>
+      <p:grpSpPr>
+        <a:xfrm>
+          <a:off x="0" y="0"/>
+          <a:ext cx="0" cy="0"/>
+          <a:chOff x="0" y="0"/>
+          <a:chExt cx="0" cy="0"/>
+        </a:xfrm>
+      </p:grpSpPr>
+      <p:sp>
+        <p:nvSpPr>
+          <p:cNvPr id="2" name="Title 1"/>
+          <p:cNvSpPr>
+            <a:spLocks noGrp="1"/>
+          </p:cNvSpPr>
+          <p:nvPr>
+            <p:ph type="title"/>
+          </p:nvPr>
+        </p:nvSpPr>
+        <p:spPr>
+          <a:xfrm>
+            <a:off x="684213" y="685800"/>
+            <a:ext cx="10058400" cy="2743200"/>
+          </a:xfrm>
+        </p:spPr>
+        <p:txBody>
+          <a:bodyPr anchor="ctr">
+            <a:normAutofit/>
+          </a:bodyPr>
+          <a:lstStyle>
+            <a:lvl1pPr algn="l">
+              <a:defRPr sz="3200" b="0" cap="all"/>
+            </a:lvl1pPr>
+          </a:lstStyle>
+          <a:p>
+            <a:r>
+              <a:rPr lang="hu-HU"/>
+              <a:t>Mintacím szerkesztése</a:t>
+            </a:r>
+            <a:endParaRPr lang="en-US" dirty="0"/>
+          </a:p>
+        </p:txBody>
+      </p:sp>
+      <p:sp>
+        <p:nvSpPr>
+          <p:cNvPr id="3" name="Text Placeholder 2"/>
+          <p:cNvSpPr>
+            <a:spLocks noGrp="1"/>
+          </p:cNvSpPr>
+          <p:nvPr>
+            <p:ph type="body" idx="1"/>
+          </p:nvPr>
+        </p:nvSpPr>
+        <p:spPr>
+          <a:xfrm>
+            <a:off x="684212" y="4114800"/>
+            <a:ext cx="8535988" cy="1879600"/>
+          </a:xfrm>
+        </p:spPr>
+        <p:txBody>
+          <a:bodyPr anchor="ctr">
+            <a:normAutofit/>
+          </a:bodyPr>
+          <a:lstStyle>
+            <a:lvl1pPr marL="0" indent="0" algn="l">
+              <a:buNone/>
+              <a:defRPr sz="2000">
+                <a:solidFill>
+                  <a:schemeClr val="bg2">
+                    <a:lumMod val="75000"/>
+                  </a:schemeClr>
+                </a:solidFill>
+              </a:defRPr>
+            </a:lvl1pPr>
+            <a:lvl2pPr marL="457200" indent="0">
+              <a:buNone/>
+              <a:defRPr sz="1800">
+                <a:solidFill>
+                  <a:schemeClr val="tx1">
+                    <a:tint val="75000"/>
+                  </a:schemeClr>
+                </a:solidFill>
+              </a:defRPr>
+            </a:lvl2pPr>
+            <a:lvl3pPr marL="914400" indent="0">
+              <a:buNone/>
+              <a:defRPr sz="1600">
+                <a:solidFill>
+                  <a:schemeClr val="tx1">
+                    <a:tint val="75000"/>
+                  </a:schemeClr>
+                </a:solidFill>
+              </a:defRPr>
+            </a:lvl3pPr>
+            <a:lvl4pPr marL="1371600" indent="0">
+              <a:buNone/>
+              <a:defRPr sz="1400">
+                <a:solidFill>
+                  <a:schemeClr val="tx1">
+                    <a:tint val="75000"/>
+                  </a:schemeClr>
+                </a:solidFill>
+              </a:defRPr>
+            </a:lvl4pPr>
+            <a:lvl5pPr marL="1828800" indent="0">
+              <a:buNone/>
+              <a:defRPr sz="1400">
+                <a:solidFill>
+                  <a:schemeClr val="tx1">
+                    <a:tint val="75000"/>
+                  </a:schemeClr>
+                </a:solidFill>
+              </a:defRPr>
+            </a:lvl5pPr>
+            <a:lvl6pPr marL="2286000" indent="0">
+              <a:buNone/>
+              <a:defRPr sz="1400">
+                <a:solidFill>
+                  <a:schemeClr val="tx1">
+                    <a:tint val="75000"/>
+                  </a:schemeClr>
+                </a:solidFill>
+              </a:defRPr>
+            </a:lvl6pPr>
+            <a:lvl7pPr marL="2743200" indent="0">
+              <a:buNone/>
+              <a:defRPr sz="1400">
+                <a:solidFill>
+                  <a:schemeClr val="tx1">
+                    <a:tint val="75000"/>
+                  </a:schemeClr>
+                </a:solidFill>
+              </a:defRPr>
+            </a:lvl7pPr>
+            <a:lvl8pPr marL="3200400" indent="0">
+              <a:buNone/>
+              <a:defRPr sz="1400">
+                <a:solidFill>
+                  <a:schemeClr val="tx1">
+                    <a:tint val="75000"/>
+                  </a:schemeClr>
+                </a:solidFill>
+              </a:defRPr>
+            </a:lvl8pPr>
+            <a:lvl9pPr marL="3657600" indent="0">
+              <a:buNone/>
+              <a:defRPr sz="1400">
+                <a:solidFill>
+                  <a:schemeClr val="tx1">
+                    <a:tint val="75000"/>
+                  </a:schemeClr>
+                </a:solidFill>
+              </a:defRPr>
+            </a:lvl9pPr>
+          </a:lstStyle>
+          <a:p>
+            <a:pPr lvl="0"/>
+            <a:r>
+              <a:rPr lang="hu-HU"/>
+              <a:t>Mintaszöveg szerkesztése</a:t>
+            </a:r>
+          </a:p>
+        </p:txBody>
+      </p:sp>
+      <p:sp>
+        <p:nvSpPr>
+          <p:cNvPr id="4" name="Date Placeholder 3"/>
+          <p:cNvSpPr>
+            <a:spLocks noGrp="1"/>
+          </p:cNvSpPr>
+          <p:nvPr>
+            <p:ph type="dt" sz="half" idx="10"/>
+          </p:nvPr>
+        </p:nvSpPr>
+        <p:spPr/>
+        <p:txBody>
+          <a:bodyPr/>
+          <a:lstStyle/>
+          <a:p>
+            <a:fld id="{BF527D72-7616-4671-866A-76F0C28AAE33}" type="datetimeFigureOut">
+              <a:rPr lang="hu-HU" smtClean="0"/>
+              <a:t>2024.03.25.</a:t>
+            </a:fld>
+            <a:endParaRPr lang="hu-HU"/>
+          </a:p>
+        </p:txBody>
+      </p:sp>
+      <p:sp>
+        <p:nvSpPr>
+          <p:cNvPr id="5" name="Footer Placeholder 4"/>
+          <p:cNvSpPr>
+            <a:spLocks noGrp="1"/>
+          </p:cNvSpPr>
+          <p:nvPr>
+            <p:ph type="ftr" sz="quarter" idx="11"/>
+          </p:nvPr>
+        </p:nvSpPr>
+        <p:spPr/>
+        <p:txBody>
+          <a:bodyPr/>
+          <a:lstStyle/>
+          <a:p>
+            <a:endParaRPr lang="hu-HU"/>
+          </a:p>
+        </p:txBody>
+      </p:sp>
+      <p:sp>
+        <p:nvSpPr>
+          <p:cNvPr id="6" name="Slide Number Placeholder 5"/>
+          <p:cNvSpPr>
+            <a:spLocks noGrp="1"/>
+          </p:cNvSpPr>
+          <p:nvPr>
+            <p:ph type="sldNum" sz="quarter" idx="12"/>
+          </p:nvPr>
+        </p:nvSpPr>
+        <p:spPr/>
+        <p:txBody>
+          <a:bodyPr/>
+          <a:lstStyle/>
+          <a:p>
+            <a:fld id="{782DE12D-0810-4BD6-B3DC-CB541D97B447}" type="slidenum">
+              <a:rPr lang="hu-HU" smtClean="0"/>
+              <a:t>‹#›</a:t>
+            </a:fld>
+            <a:endParaRPr lang="hu-HU"/>
+          </a:p>
+        </p:txBody>
+      </p:sp>
+    </p:spTree>
+    <p:extLst>
+      <p:ext uri="{BB962C8B-B14F-4D97-AF65-F5344CB8AC3E}">
+        <p14:creationId xmlns:p14="http://schemas.microsoft.com/office/powerpoint/2010/main" val="2178266913"/>
+      </p:ext>
+    </p:extLst>
+  </p:cSld>
+  <p:clrMapOvr>
+    <a:masterClrMapping/>
+  </p:clrMapOvr>
+</p:sldLayout>
+</file>
+
+<file path=ppt/slideLayouts/slideLayout12.xml><?xml version="1.0" encoding="utf-8"?>
+<p:sldLayout xmlns:a="http://schemas.openxmlformats.org/drawingml/2006/main" xmlns:r="http://schemas.openxmlformats.org/officeDocument/2006/relationships" xmlns:p="http://schemas.openxmlformats.org/presentationml/2006/main" preserve="1">
+  <p:cSld name="Idézet képaláírással">
+    <p:spTree>
+      <p:nvGrpSpPr>
+        <p:cNvPr id="1" name=""/>
+        <p:cNvGrpSpPr/>
+        <p:nvPr/>
+      </p:nvGrpSpPr>
+      <p:grpSpPr>
+        <a:xfrm>
+          <a:off x="0" y="0"/>
+          <a:ext cx="0" cy="0"/>
+          <a:chOff x="0" y="0"/>
+          <a:chExt cx="0" cy="0"/>
+        </a:xfrm>
+      </p:grpSpPr>
+      <p:sp>
+        <p:nvSpPr>
+          <p:cNvPr id="2" name="Title 1"/>
+          <p:cNvSpPr>
+            <a:spLocks noGrp="1"/>
+          </p:cNvSpPr>
+          <p:nvPr>
+            <p:ph type="title"/>
+          </p:nvPr>
+        </p:nvSpPr>
+        <p:spPr>
+          <a:xfrm>
+            <a:off x="1141411" y="685800"/>
+            <a:ext cx="9144001" cy="2743200"/>
+          </a:xfrm>
+        </p:spPr>
+        <p:txBody>
+          <a:bodyPr anchor="ctr">
+            <a:normAutofit/>
+          </a:bodyPr>
+          <a:lstStyle>
+            <a:lvl1pPr algn="l">
+              <a:defRPr sz="3200" b="0" cap="all">
+                <a:solidFill>
+                  <a:schemeClr val="tx1"/>
+                </a:solidFill>
+              </a:defRPr>
+            </a:lvl1pPr>
+          </a:lstStyle>
+          <a:p>
+            <a:r>
+              <a:rPr lang="hu-HU"/>
+              <a:t>Mintacím szerkesztése</a:t>
+            </a:r>
+            <a:endParaRPr lang="en-US" dirty="0"/>
+          </a:p>
+        </p:txBody>
+      </p:sp>
+      <p:sp>
+        <p:nvSpPr>
+          <p:cNvPr id="10" name="Text Placeholder 9"/>
+          <p:cNvSpPr>
+            <a:spLocks noGrp="1"/>
+          </p:cNvSpPr>
+          <p:nvPr>
+            <p:ph type="body" sz="quarter" idx="13"/>
+          </p:nvPr>
+        </p:nvSpPr>
+        <p:spPr>
+          <a:xfrm>
+            <a:off x="1446212" y="3429000"/>
+            <a:ext cx="8534400" cy="381000"/>
+          </a:xfrm>
+        </p:spPr>
+        <p:txBody>
+          <a:bodyPr anchor="ctr"/>
+          <a:lstStyle>
+            <a:lvl1pPr marL="0" indent="0">
+              <a:buFontTx/>
+              <a:buNone/>
+              <a:defRPr/>
+            </a:lvl1pPr>
+            <a:lvl2pPr marL="457200" indent="0">
+              <a:buFontTx/>
+              <a:buNone/>
+              <a:defRPr/>
+            </a:lvl2pPr>
+            <a:lvl3pPr marL="914400" indent="0">
+              <a:buFontTx/>
+              <a:buNone/>
+              <a:defRPr/>
+            </a:lvl3pPr>
+            <a:lvl4pPr marL="1371600" indent="0">
+              <a:buFontTx/>
+              <a:buNone/>
+              <a:defRPr/>
+            </a:lvl4pPr>
+            <a:lvl5pPr marL="1828800" indent="0">
+              <a:buFontTx/>
+              <a:buNone/>
+              <a:defRPr/>
+            </a:lvl5pPr>
+          </a:lstStyle>
+          <a:p>
+            <a:pPr lvl="0"/>
+            <a:r>
+              <a:rPr lang="hu-HU"/>
+              <a:t>Mintaszöveg szerkesztése</a:t>
+            </a:r>
+          </a:p>
+        </p:txBody>
+      </p:sp>
+      <p:sp>
+        <p:nvSpPr>
+          <p:cNvPr id="3" name="Text Placeholder 2"/>
+          <p:cNvSpPr>
+            <a:spLocks noGrp="1"/>
+          </p:cNvSpPr>
+          <p:nvPr>
+            <p:ph type="body" idx="1"/>
+          </p:nvPr>
+        </p:nvSpPr>
+        <p:spPr>
+          <a:xfrm>
+            <a:off x="684213" y="4301067"/>
+            <a:ext cx="8534400" cy="1684865"/>
+          </a:xfrm>
+        </p:spPr>
+        <p:txBody>
+          <a:bodyPr anchor="ctr">
+            <a:normAutofit/>
+          </a:bodyPr>
+          <a:lstStyle>
+            <a:lvl1pPr marL="0" indent="0" algn="l">
+              <a:buNone/>
+              <a:defRPr sz="2000">
+                <a:solidFill>
+                  <a:schemeClr val="bg2">
+                    <a:lumMod val="75000"/>
+                  </a:schemeClr>
+                </a:solidFill>
+              </a:defRPr>
+            </a:lvl1pPr>
+            <a:lvl2pPr marL="457200" indent="0">
+              <a:buNone/>
+              <a:defRPr sz="1800">
+                <a:solidFill>
+                  <a:schemeClr val="tx1">
+                    <a:tint val="75000"/>
+                  </a:schemeClr>
+                </a:solidFill>
+              </a:defRPr>
+            </a:lvl2pPr>
+            <a:lvl3pPr marL="914400" indent="0">
+              <a:buNone/>
+              <a:defRPr sz="1600">
+                <a:solidFill>
+                  <a:schemeClr val="tx1">
+                    <a:tint val="75000"/>
+                  </a:schemeClr>
+                </a:solidFill>
+              </a:defRPr>
+            </a:lvl3pPr>
+            <a:lvl4pPr marL="1371600" indent="0">
+              <a:buNone/>
+              <a:defRPr sz="1400">
+                <a:solidFill>
+                  <a:schemeClr val="tx1">
+                    <a:tint val="75000"/>
+                  </a:schemeClr>
+                </a:solidFill>
+              </a:defRPr>
+            </a:lvl4pPr>
+            <a:lvl5pPr marL="1828800" indent="0">
+              <a:buNone/>
+              <a:defRPr sz="1400">
+                <a:solidFill>
+                  <a:schemeClr val="tx1">
+                    <a:tint val="75000"/>
+                  </a:schemeClr>
+                </a:solidFill>
+              </a:defRPr>
+            </a:lvl5pPr>
+            <a:lvl6pPr marL="2286000" indent="0">
+              <a:buNone/>
+              <a:defRPr sz="1400">
+                <a:solidFill>
+                  <a:schemeClr val="tx1">
+                    <a:tint val="75000"/>
+                  </a:schemeClr>
+                </a:solidFill>
+              </a:defRPr>
+            </a:lvl6pPr>
+            <a:lvl7pPr marL="2743200" indent="0">
+              <a:buNone/>
+              <a:defRPr sz="1400">
+                <a:solidFill>
+                  <a:schemeClr val="tx1">
+                    <a:tint val="75000"/>
+                  </a:schemeClr>
+                </a:solidFill>
+              </a:defRPr>
+            </a:lvl7pPr>
+            <a:lvl8pPr marL="3200400" indent="0">
+              <a:buNone/>
+              <a:defRPr sz="1400">
+                <a:solidFill>
+                  <a:schemeClr val="tx1">
+                    <a:tint val="75000"/>
+                  </a:schemeClr>
+                </a:solidFill>
+              </a:defRPr>
+            </a:lvl8pPr>
+            <a:lvl9pPr marL="3657600" indent="0">
+              <a:buNone/>
+              <a:defRPr sz="1400">
+                <a:solidFill>
+                  <a:schemeClr val="tx1">
+                    <a:tint val="75000"/>
+                  </a:schemeClr>
+                </a:solidFill>
+              </a:defRPr>
+            </a:lvl9pPr>
+          </a:lstStyle>
+          <a:p>
+            <a:pPr lvl="0"/>
+            <a:r>
+              <a:rPr lang="hu-HU"/>
+              <a:t>Mintaszöveg szerkesztése</a:t>
+            </a:r>
+          </a:p>
+        </p:txBody>
+      </p:sp>
+      <p:sp>
+        <p:nvSpPr>
+          <p:cNvPr id="4" name="Date Placeholder 3"/>
+          <p:cNvSpPr>
+            <a:spLocks noGrp="1"/>
+          </p:cNvSpPr>
+          <p:nvPr>
+            <p:ph type="dt" sz="half" idx="10"/>
+          </p:nvPr>
+        </p:nvSpPr>
+        <p:spPr/>
+        <p:txBody>
+          <a:bodyPr/>
+          <a:lstStyle/>
+          <a:p>
+            <a:fld id="{BF527D72-7616-4671-866A-76F0C28AAE33}" type="datetimeFigureOut">
+              <a:rPr lang="hu-HU" smtClean="0"/>
+              <a:t>2024.03.25.</a:t>
+            </a:fld>
+            <a:endParaRPr lang="hu-HU"/>
+          </a:p>
+        </p:txBody>
+      </p:sp>
+      <p:sp>
+        <p:nvSpPr>
+          <p:cNvPr id="5" name="Footer Placeholder 4"/>
+          <p:cNvSpPr>
+            <a:spLocks noGrp="1"/>
+          </p:cNvSpPr>
+          <p:nvPr>
+            <p:ph type="ftr" sz="quarter" idx="11"/>
+          </p:nvPr>
+        </p:nvSpPr>
+        <p:spPr/>
+        <p:txBody>
+          <a:bodyPr/>
+          <a:lstStyle/>
+          <a:p>
+            <a:endParaRPr lang="hu-HU"/>
+          </a:p>
+        </p:txBody>
+      </p:sp>
+      <p:sp>
+        <p:nvSpPr>
+          <p:cNvPr id="6" name="Slide Number Placeholder 5"/>
+          <p:cNvSpPr>
+            <a:spLocks noGrp="1"/>
+          </p:cNvSpPr>
+          <p:nvPr>
+            <p:ph type="sldNum" sz="quarter" idx="12"/>
+          </p:nvPr>
+        </p:nvSpPr>
+        <p:spPr/>
+        <p:txBody>
+          <a:bodyPr/>
+          <a:lstStyle/>
+          <a:p>
+            <a:fld id="{782DE12D-0810-4BD6-B3DC-CB541D97B447}" type="slidenum">
+              <a:rPr lang="hu-HU" smtClean="0"/>
+              <a:t>‹#›</a:t>
+            </a:fld>
+            <a:endParaRPr lang="hu-HU"/>
+          </a:p>
+        </p:txBody>
+      </p:sp>
+      <p:sp>
+        <p:nvSpPr>
+          <p:cNvPr id="14" name="TextBox 13"/>
+          <p:cNvSpPr txBox="1"/>
+          <p:nvPr/>
+        </p:nvSpPr>
+        <p:spPr>
+          <a:xfrm>
+            <a:off x="531812" y="812222"/>
+            <a:ext cx="609600" cy="584776"/>
+          </a:xfrm>
+          <a:prstGeom prst="rect">
+            <a:avLst/>
+          </a:prstGeom>
+        </p:spPr>
+        <p:txBody>
+          <a:bodyPr vert="horz" lIns="91440" tIns="45720" rIns="91440" bIns="45720" rtlCol="0" anchor="ctr">
+            <a:noAutofit/>
+          </a:bodyPr>
+          <a:lstStyle/>
+          <a:p>
+            <a:pPr lvl="0"/>
+            <a:r>
+              <a:rPr lang="en-US" sz="8000" dirty="0">
+                <a:solidFill>
+                  <a:schemeClr val="tx1"/>
+                </a:solidFill>
+                <a:effectLst/>
+              </a:rPr>
+              <a:t>“</a:t>
+            </a:r>
+          </a:p>
+        </p:txBody>
+      </p:sp>
+      <p:sp>
+        <p:nvSpPr>
+          <p:cNvPr id="15" name="TextBox 14"/>
+          <p:cNvSpPr txBox="1"/>
+          <p:nvPr/>
+        </p:nvSpPr>
+        <p:spPr>
+          <a:xfrm>
+            <a:off x="10285412" y="2768601"/>
+            <a:ext cx="609600" cy="584776"/>
+          </a:xfrm>
+          <a:prstGeom prst="rect">
+            <a:avLst/>
+          </a:prstGeom>
+        </p:spPr>
+        <p:txBody>
+          <a:bodyPr vert="horz" lIns="91440" tIns="45720" rIns="91440" bIns="45720" rtlCol="0" anchor="ctr">
+            <a:noAutofit/>
+          </a:bodyPr>
+          <a:lstStyle/>
+          <a:p>
+            <a:pPr lvl="0" algn="r"/>
+            <a:r>
+              <a:rPr lang="en-US" sz="8000" dirty="0">
+                <a:solidFill>
+                  <a:schemeClr val="tx1"/>
+                </a:solidFill>
+                <a:effectLst/>
+              </a:rPr>
+              <a:t>”</a:t>
+            </a:r>
+          </a:p>
+        </p:txBody>
+      </p:sp>
+    </p:spTree>
+    <p:extLst>
+      <p:ext uri="{BB962C8B-B14F-4D97-AF65-F5344CB8AC3E}">
+        <p14:creationId xmlns:p14="http://schemas.microsoft.com/office/powerpoint/2010/main" val="2563948120"/>
+      </p:ext>
+    </p:extLst>
+  </p:cSld>
+  <p:clrMapOvr>
+    <a:masterClrMapping/>
+  </p:clrMapOvr>
+</p:sldLayout>
+</file>
+
+<file path=ppt/slideLayouts/slideLayout13.xml><?xml version="1.0" encoding="utf-8"?>
+<p:sldLayout xmlns:a="http://schemas.openxmlformats.org/drawingml/2006/main" xmlns:r="http://schemas.openxmlformats.org/officeDocument/2006/relationships" xmlns:p="http://schemas.openxmlformats.org/presentationml/2006/main" preserve="1">
+  <p:cSld name="Névkártya">
+    <p:spTree>
+      <p:nvGrpSpPr>
+        <p:cNvPr id="1" name=""/>
+        <p:cNvGrpSpPr/>
+        <p:nvPr/>
+      </p:nvGrpSpPr>
+      <p:grpSpPr>
+        <a:xfrm>
+          <a:off x="0" y="0"/>
+          <a:ext cx="0" cy="0"/>
+          <a:chOff x="0" y="0"/>
+          <a:chExt cx="0" cy="0"/>
+        </a:xfrm>
+      </p:grpSpPr>
+      <p:sp>
+        <p:nvSpPr>
+          <p:cNvPr id="2" name="Title 1"/>
+          <p:cNvSpPr>
+            <a:spLocks noGrp="1"/>
+          </p:cNvSpPr>
+          <p:nvPr>
+            <p:ph type="title"/>
+          </p:nvPr>
+        </p:nvSpPr>
+        <p:spPr>
+          <a:xfrm>
+            <a:off x="684212" y="3429000"/>
+            <a:ext cx="8534400" cy="1697400"/>
+          </a:xfrm>
+        </p:spPr>
+        <p:txBody>
+          <a:bodyPr anchor="b">
+            <a:normAutofit/>
+          </a:bodyPr>
+          <a:lstStyle>
+            <a:lvl1pPr algn="l">
+              <a:defRPr sz="3200" b="0" cap="all"/>
+            </a:lvl1pPr>
+          </a:lstStyle>
+          <a:p>
+            <a:r>
+              <a:rPr lang="hu-HU"/>
+              <a:t>Mintacím szerkesztése</a:t>
+            </a:r>
+            <a:endParaRPr lang="en-US" dirty="0"/>
+          </a:p>
+        </p:txBody>
+      </p:sp>
+      <p:sp>
+        <p:nvSpPr>
+          <p:cNvPr id="3" name="Text Placeholder 2"/>
+          <p:cNvSpPr>
+            <a:spLocks noGrp="1"/>
+          </p:cNvSpPr>
+          <p:nvPr>
+            <p:ph type="body" idx="1"/>
+          </p:nvPr>
+        </p:nvSpPr>
+        <p:spPr>
+          <a:xfrm>
+            <a:off x="684211" y="5132981"/>
+            <a:ext cx="8535990" cy="860400"/>
+          </a:xfrm>
+        </p:spPr>
+        <p:txBody>
+          <a:bodyPr anchor="t">
+            <a:normAutofit/>
+          </a:bodyPr>
+          <a:lstStyle>
+            <a:lvl1pPr marL="0" indent="0" algn="l">
+              <a:buNone/>
+              <a:defRPr sz="2000">
+                <a:solidFill>
+                  <a:schemeClr val="bg2">
+                    <a:lumMod val="75000"/>
+                  </a:schemeClr>
+                </a:solidFill>
+              </a:defRPr>
+            </a:lvl1pPr>
+            <a:lvl2pPr marL="457200" indent="0">
+              <a:buNone/>
+              <a:defRPr sz="1800">
+                <a:solidFill>
+                  <a:schemeClr val="tx1">
+                    <a:tint val="75000"/>
+                  </a:schemeClr>
+                </a:solidFill>
+              </a:defRPr>
+            </a:lvl2pPr>
+            <a:lvl3pPr marL="914400" indent="0">
+              <a:buNone/>
+              <a:defRPr sz="1600">
+                <a:solidFill>
+                  <a:schemeClr val="tx1">
+                    <a:tint val="75000"/>
+                  </a:schemeClr>
+                </a:solidFill>
+              </a:defRPr>
+            </a:lvl3pPr>
+            <a:lvl4pPr marL="1371600" indent="0">
+              <a:buNone/>
+              <a:defRPr sz="1400">
+                <a:solidFill>
+                  <a:schemeClr val="tx1">
+                    <a:tint val="75000"/>
+                  </a:schemeClr>
+                </a:solidFill>
+              </a:defRPr>
+            </a:lvl4pPr>
+            <a:lvl5pPr marL="1828800" indent="0">
+              <a:buNone/>
+              <a:defRPr sz="1400">
+                <a:solidFill>
+                  <a:schemeClr val="tx1">
+                    <a:tint val="75000"/>
+                  </a:schemeClr>
+                </a:solidFill>
+              </a:defRPr>
+            </a:lvl5pPr>
+            <a:lvl6pPr marL="2286000" indent="0">
+              <a:buNone/>
+              <a:defRPr sz="1400">
+                <a:solidFill>
+                  <a:schemeClr val="tx1">
+                    <a:tint val="75000"/>
+                  </a:schemeClr>
+                </a:solidFill>
+              </a:defRPr>
+            </a:lvl6pPr>
+            <a:lvl7pPr marL="2743200" indent="0">
+              <a:buNone/>
+              <a:defRPr sz="1400">
+                <a:solidFill>
+                  <a:schemeClr val="tx1">
+                    <a:tint val="75000"/>
+                  </a:schemeClr>
+                </a:solidFill>
+              </a:defRPr>
+            </a:lvl7pPr>
+            <a:lvl8pPr marL="3200400" indent="0">
+              <a:buNone/>
+              <a:defRPr sz="1400">
+                <a:solidFill>
+                  <a:schemeClr val="tx1">
+                    <a:tint val="75000"/>
+                  </a:schemeClr>
+                </a:solidFill>
+              </a:defRPr>
+            </a:lvl8pPr>
+            <a:lvl9pPr marL="3657600" indent="0">
+              <a:buNone/>
+              <a:defRPr sz="1400">
+                <a:solidFill>
+                  <a:schemeClr val="tx1">
+                    <a:tint val="75000"/>
+                  </a:schemeClr>
+                </a:solidFill>
+              </a:defRPr>
+            </a:lvl9pPr>
+          </a:lstStyle>
+          <a:p>
+            <a:pPr lvl="0"/>
+            <a:r>
+              <a:rPr lang="hu-HU"/>
+              <a:t>Mintaszöveg szerkesztése</a:t>
+            </a:r>
+          </a:p>
+        </p:txBody>
+      </p:sp>
+      <p:sp>
+        <p:nvSpPr>
+          <p:cNvPr id="4" name="Date Placeholder 3"/>
+          <p:cNvSpPr>
+            <a:spLocks noGrp="1"/>
+          </p:cNvSpPr>
+          <p:nvPr>
+            <p:ph type="dt" sz="half" idx="10"/>
+          </p:nvPr>
+        </p:nvSpPr>
+        <p:spPr/>
+        <p:txBody>
+          <a:bodyPr/>
+          <a:lstStyle/>
+          <a:p>
+            <a:fld id="{BF527D72-7616-4671-866A-76F0C28AAE33}" type="datetimeFigureOut">
+              <a:rPr lang="hu-HU" smtClean="0"/>
+              <a:t>2024.03.25.</a:t>
+            </a:fld>
+            <a:endParaRPr lang="hu-HU"/>
+          </a:p>
+        </p:txBody>
+      </p:sp>
+      <p:sp>
+        <p:nvSpPr>
+          <p:cNvPr id="5" name="Footer Placeholder 4"/>
+          <p:cNvSpPr>
+            <a:spLocks noGrp="1"/>
+          </p:cNvSpPr>
+          <p:nvPr>
+            <p:ph type="ftr" sz="quarter" idx="11"/>
+          </p:nvPr>
+        </p:nvSpPr>
+        <p:spPr/>
+        <p:txBody>
+          <a:bodyPr/>
+          <a:lstStyle/>
+          <a:p>
+            <a:endParaRPr lang="hu-HU"/>
+          </a:p>
+        </p:txBody>
+      </p:sp>
+      <p:sp>
+        <p:nvSpPr>
+          <p:cNvPr id="6" name="Slide Number Placeholder 5"/>
+          <p:cNvSpPr>
+            <a:spLocks noGrp="1"/>
+          </p:cNvSpPr>
+          <p:nvPr>
+            <p:ph type="sldNum" sz="quarter" idx="12"/>
+          </p:nvPr>
+        </p:nvSpPr>
+        <p:spPr/>
+        <p:txBody>
+          <a:bodyPr/>
+          <a:lstStyle/>
+          <a:p>
+            <a:fld id="{782DE12D-0810-4BD6-B3DC-CB541D97B447}" type="slidenum">
+              <a:rPr lang="hu-HU" smtClean="0"/>
+              <a:t>‹#›</a:t>
+            </a:fld>
+            <a:endParaRPr lang="hu-HU"/>
+          </a:p>
+        </p:txBody>
+      </p:sp>
+    </p:spTree>
+    <p:extLst>
+      <p:ext uri="{BB962C8B-B14F-4D97-AF65-F5344CB8AC3E}">
+        <p14:creationId xmlns:p14="http://schemas.microsoft.com/office/powerpoint/2010/main" val="2359582198"/>
+      </p:ext>
+    </p:extLst>
+  </p:cSld>
+  <p:clrMapOvr>
+    <a:masterClrMapping/>
+  </p:clrMapOvr>
+</p:sldLayout>
+</file>
+
+<file path=ppt/slideLayouts/slideLayout14.xml><?xml version="1.0" encoding="utf-8"?>
+<p:sldLayout xmlns:a="http://schemas.openxmlformats.org/drawingml/2006/main" xmlns:r="http://schemas.openxmlformats.org/officeDocument/2006/relationships" xmlns:p="http://schemas.openxmlformats.org/presentationml/2006/main" preserve="1">
+  <p:cSld name="Névkártya idézettel">
+    <p:spTree>
+      <p:nvGrpSpPr>
+        <p:cNvPr id="1" name=""/>
+        <p:cNvGrpSpPr/>
+        <p:nvPr/>
+      </p:nvGrpSpPr>
+      <p:grpSpPr>
+        <a:xfrm>
+          <a:off x="0" y="0"/>
+          <a:ext cx="0" cy="0"/>
+          <a:chOff x="0" y="0"/>
+          <a:chExt cx="0" cy="0"/>
+        </a:xfrm>
+      </p:grpSpPr>
+      <p:sp>
+        <p:nvSpPr>
+          <p:cNvPr id="2" name="Title 1"/>
+          <p:cNvSpPr>
+            <a:spLocks noGrp="1"/>
+          </p:cNvSpPr>
+          <p:nvPr>
+            <p:ph type="title"/>
+          </p:nvPr>
+        </p:nvSpPr>
+        <p:spPr>
+          <a:xfrm>
+            <a:off x="1141413" y="685800"/>
+            <a:ext cx="9144000" cy="2743200"/>
+          </a:xfrm>
+        </p:spPr>
+        <p:txBody>
+          <a:bodyPr anchor="ctr">
+            <a:normAutofit/>
+          </a:bodyPr>
+          <a:lstStyle>
+            <a:lvl1pPr algn="l">
+              <a:defRPr sz="3200" b="0" cap="all">
+                <a:solidFill>
+                  <a:schemeClr val="tx1"/>
+                </a:solidFill>
+              </a:defRPr>
+            </a:lvl1pPr>
+          </a:lstStyle>
+          <a:p>
+            <a:r>
+              <a:rPr lang="hu-HU"/>
+              <a:t>Mintacím szerkesztése</a:t>
+            </a:r>
+            <a:endParaRPr lang="en-US" dirty="0"/>
+          </a:p>
+        </p:txBody>
+      </p:sp>
+      <p:sp>
+        <p:nvSpPr>
+          <p:cNvPr id="10" name="Text Placeholder 9"/>
+          <p:cNvSpPr>
+            <a:spLocks noGrp="1"/>
+          </p:cNvSpPr>
+          <p:nvPr>
+            <p:ph type="body" sz="quarter" idx="13"/>
+          </p:nvPr>
+        </p:nvSpPr>
+        <p:spPr>
+          <a:xfrm>
+            <a:off x="684212" y="3928534"/>
+            <a:ext cx="8534401" cy="1049866"/>
+          </a:xfrm>
+        </p:spPr>
+        <p:txBody>
+          <a:bodyPr vert="horz" lIns="91440" tIns="45720" rIns="91440" bIns="45720" rtlCol="0" anchor="b">
+            <a:normAutofit/>
+          </a:bodyPr>
+          <a:lstStyle>
+            <a:lvl1pPr>
+              <a:buNone/>
+              <a:defRPr lang="en-US" sz="2400" b="0" cap="all" dirty="0">
+                <a:ln w="3175" cmpd="sng">
+                  <a:noFill/>
+                </a:ln>
+                <a:solidFill>
+                  <a:schemeClr val="tx1"/>
+                </a:solidFill>
+                <a:effectLst/>
+              </a:defRPr>
+            </a:lvl1pPr>
+          </a:lstStyle>
+          <a:p>
+            <a:pPr marL="0" lvl="0">
+              <a:spcBef>
+                <a:spcPct val="0"/>
+              </a:spcBef>
+              <a:buNone/>
+            </a:pPr>
+            <a:r>
+              <a:rPr lang="hu-HU"/>
+              <a:t>Mintaszöveg szerkesztése</a:t>
+            </a:r>
+          </a:p>
+        </p:txBody>
+      </p:sp>
+      <p:sp>
+        <p:nvSpPr>
+          <p:cNvPr id="3" name="Text Placeholder 2"/>
+          <p:cNvSpPr>
+            <a:spLocks noGrp="1"/>
+          </p:cNvSpPr>
+          <p:nvPr>
+            <p:ph type="body" idx="1"/>
+          </p:nvPr>
+        </p:nvSpPr>
+        <p:spPr>
+          <a:xfrm>
+            <a:off x="684211" y="4978400"/>
+            <a:ext cx="8534401" cy="1016000"/>
+          </a:xfrm>
+        </p:spPr>
+        <p:txBody>
+          <a:bodyPr anchor="t">
+            <a:normAutofit/>
+          </a:bodyPr>
+          <a:lstStyle>
+            <a:lvl1pPr marL="0" indent="0" algn="l">
+              <a:buNone/>
+              <a:defRPr sz="1800">
+                <a:solidFill>
+                  <a:schemeClr val="bg2">
+                    <a:lumMod val="75000"/>
+                  </a:schemeClr>
+                </a:solidFill>
+              </a:defRPr>
+            </a:lvl1pPr>
+            <a:lvl2pPr marL="457200" indent="0">
+              <a:buNone/>
+              <a:defRPr sz="1800">
+                <a:solidFill>
+                  <a:schemeClr val="tx1">
+                    <a:tint val="75000"/>
+                  </a:schemeClr>
+                </a:solidFill>
+              </a:defRPr>
+            </a:lvl2pPr>
+            <a:lvl3pPr marL="914400" indent="0">
+              <a:buNone/>
+              <a:defRPr sz="1600">
+                <a:solidFill>
+                  <a:schemeClr val="tx1">
+                    <a:tint val="75000"/>
+                  </a:schemeClr>
+                </a:solidFill>
+              </a:defRPr>
+            </a:lvl3pPr>
+            <a:lvl4pPr marL="1371600" indent="0">
+              <a:buNone/>
+              <a:defRPr sz="1400">
+                <a:solidFill>
+                  <a:schemeClr val="tx1">
+                    <a:tint val="75000"/>
+                  </a:schemeClr>
+                </a:solidFill>
+              </a:defRPr>
+            </a:lvl4pPr>
+            <a:lvl5pPr marL="1828800" indent="0">
+              <a:buNone/>
+              <a:defRPr sz="1400">
+                <a:solidFill>
+                  <a:schemeClr val="tx1">
+                    <a:tint val="75000"/>
+                  </a:schemeClr>
+                </a:solidFill>
+              </a:defRPr>
+            </a:lvl5pPr>
+            <a:lvl6pPr marL="2286000" indent="0">
+              <a:buNone/>
+              <a:defRPr sz="1400">
+                <a:solidFill>
+                  <a:schemeClr val="tx1">
+                    <a:tint val="75000"/>
+                  </a:schemeClr>
+                </a:solidFill>
+              </a:defRPr>
+            </a:lvl6pPr>
+            <a:lvl7pPr marL="2743200" indent="0">
+              <a:buNone/>
+              <a:defRPr sz="1400">
+                <a:solidFill>
+                  <a:schemeClr val="tx1">
+                    <a:tint val="75000"/>
+                  </a:schemeClr>
+                </a:solidFill>
+              </a:defRPr>
+            </a:lvl7pPr>
+            <a:lvl8pPr marL="3200400" indent="0">
+              <a:buNone/>
+              <a:defRPr sz="1400">
+                <a:solidFill>
+                  <a:schemeClr val="tx1">
+                    <a:tint val="75000"/>
+                  </a:schemeClr>
+                </a:solidFill>
+              </a:defRPr>
+            </a:lvl8pPr>
+            <a:lvl9pPr marL="3657600" indent="0">
+              <a:buNone/>
+              <a:defRPr sz="1400">
+                <a:solidFill>
+                  <a:schemeClr val="tx1">
+                    <a:tint val="75000"/>
+                  </a:schemeClr>
+                </a:solidFill>
+              </a:defRPr>
+            </a:lvl9pPr>
+          </a:lstStyle>
+          <a:p>
+            <a:pPr lvl="0"/>
+            <a:r>
+              <a:rPr lang="hu-HU"/>
+              <a:t>Mintaszöveg szerkesztése</a:t>
+            </a:r>
+          </a:p>
+        </p:txBody>
+      </p:sp>
+      <p:sp>
+        <p:nvSpPr>
+          <p:cNvPr id="4" name="Date Placeholder 3"/>
+          <p:cNvSpPr>
+            <a:spLocks noGrp="1"/>
+          </p:cNvSpPr>
+          <p:nvPr>
+            <p:ph type="dt" sz="half" idx="10"/>
+          </p:nvPr>
+        </p:nvSpPr>
+        <p:spPr/>
+        <p:txBody>
+          <a:bodyPr/>
+          <a:lstStyle/>
+          <a:p>
+            <a:fld id="{BF527D72-7616-4671-866A-76F0C28AAE33}" type="datetimeFigureOut">
+              <a:rPr lang="hu-HU" smtClean="0"/>
+              <a:t>2024.03.25.</a:t>
+            </a:fld>
+            <a:endParaRPr lang="hu-HU"/>
+          </a:p>
+        </p:txBody>
+      </p:sp>
+      <p:sp>
+        <p:nvSpPr>
+          <p:cNvPr id="5" name="Footer Placeholder 4"/>
+          <p:cNvSpPr>
+            <a:spLocks noGrp="1"/>
+          </p:cNvSpPr>
+          <p:nvPr>
+            <p:ph type="ftr" sz="quarter" idx="11"/>
+          </p:nvPr>
+        </p:nvSpPr>
+        <p:spPr/>
+        <p:txBody>
+          <a:bodyPr/>
+          <a:lstStyle/>
+          <a:p>
+            <a:endParaRPr lang="hu-HU"/>
+          </a:p>
+        </p:txBody>
+      </p:sp>
+      <p:sp>
+        <p:nvSpPr>
+          <p:cNvPr id="6" name="Slide Number Placeholder 5"/>
+          <p:cNvSpPr>
+            <a:spLocks noGrp="1"/>
+          </p:cNvSpPr>
+          <p:nvPr>
+            <p:ph type="sldNum" sz="quarter" idx="12"/>
+          </p:nvPr>
+        </p:nvSpPr>
+        <p:spPr/>
+        <p:txBody>
+          <a:bodyPr/>
+          <a:lstStyle/>
+          <a:p>
+            <a:fld id="{782DE12D-0810-4BD6-B3DC-CB541D97B447}" type="slidenum">
+              <a:rPr lang="hu-HU" smtClean="0"/>
+              <a:t>‹#›</a:t>
+            </a:fld>
+            <a:endParaRPr lang="hu-HU"/>
+          </a:p>
+        </p:txBody>
+      </p:sp>
+      <p:sp>
+        <p:nvSpPr>
+          <p:cNvPr id="11" name="TextBox 10"/>
+          <p:cNvSpPr txBox="1"/>
+          <p:nvPr/>
+        </p:nvSpPr>
+        <p:spPr>
+          <a:xfrm>
+            <a:off x="531812" y="812222"/>
+            <a:ext cx="609600" cy="584776"/>
+          </a:xfrm>
+          <a:prstGeom prst="rect">
+            <a:avLst/>
+          </a:prstGeom>
+        </p:spPr>
+        <p:txBody>
+          <a:bodyPr vert="horz" lIns="91440" tIns="45720" rIns="91440" bIns="45720" rtlCol="0" anchor="ctr">
+            <a:noAutofit/>
+          </a:bodyPr>
+          <a:lstStyle/>
+          <a:p>
+            <a:pPr lvl="0"/>
+            <a:r>
+              <a:rPr lang="en-US" sz="8000" dirty="0">
+                <a:solidFill>
+                  <a:schemeClr val="tx1"/>
+                </a:solidFill>
+                <a:effectLst/>
+              </a:rPr>
+              <a:t>“</a:t>
+            </a:r>
+          </a:p>
+        </p:txBody>
+      </p:sp>
+      <p:sp>
+        <p:nvSpPr>
+          <p:cNvPr id="12" name="TextBox 11"/>
+          <p:cNvSpPr txBox="1"/>
+          <p:nvPr/>
+        </p:nvSpPr>
+        <p:spPr>
+          <a:xfrm>
+            <a:off x="10285412" y="2768601"/>
+            <a:ext cx="609600" cy="584776"/>
+          </a:xfrm>
+          <a:prstGeom prst="rect">
+            <a:avLst/>
+          </a:prstGeom>
+        </p:spPr>
+        <p:txBody>
+          <a:bodyPr vert="horz" lIns="91440" tIns="45720" rIns="91440" bIns="45720" rtlCol="0" anchor="ctr">
+            <a:noAutofit/>
+          </a:bodyPr>
+          <a:lstStyle/>
+          <a:p>
+            <a:pPr lvl="0" algn="r"/>
+            <a:r>
+              <a:rPr lang="en-US" sz="8000" dirty="0">
+                <a:solidFill>
+                  <a:schemeClr val="tx1"/>
+                </a:solidFill>
+                <a:effectLst/>
+              </a:rPr>
+              <a:t>”</a:t>
+            </a:r>
+          </a:p>
+        </p:txBody>
+      </p:sp>
+    </p:spTree>
+    <p:extLst>
+      <p:ext uri="{BB962C8B-B14F-4D97-AF65-F5344CB8AC3E}">
+        <p14:creationId xmlns:p14="http://schemas.microsoft.com/office/powerpoint/2010/main" val="3422054862"/>
+      </p:ext>
+    </p:extLst>
+  </p:cSld>
+  <p:clrMapOvr>
+    <a:masterClrMapping/>
+  </p:clrMapOvr>
+</p:sldLayout>
+</file>
+
+<file path=ppt/slideLayouts/slideLayout15.xml><?xml version="1.0" encoding="utf-8"?>
+<p:sldLayout xmlns:a="http://schemas.openxmlformats.org/drawingml/2006/main" xmlns:r="http://schemas.openxmlformats.org/officeDocument/2006/relationships" xmlns:p="http://schemas.openxmlformats.org/presentationml/2006/main" preserve="1">
+  <p:cSld name="Igaz vagy hamis">
+    <p:spTree>
+      <p:nvGrpSpPr>
+        <p:cNvPr id="1" name=""/>
+        <p:cNvGrpSpPr/>
+        <p:nvPr/>
+      </p:nvGrpSpPr>
+      <p:grpSpPr>
+        <a:xfrm>
+          <a:off x="0" y="0"/>
+          <a:ext cx="0" cy="0"/>
+          <a:chOff x="0" y="0"/>
+          <a:chExt cx="0" cy="0"/>
+        </a:xfrm>
+      </p:grpSpPr>
+      <p:sp>
+        <p:nvSpPr>
+          <p:cNvPr id="2" name="Title 1"/>
+          <p:cNvSpPr>
+            <a:spLocks noGrp="1"/>
+          </p:cNvSpPr>
+          <p:nvPr>
+            <p:ph type="title"/>
+          </p:nvPr>
+        </p:nvSpPr>
+        <p:spPr>
+          <a:xfrm>
+            <a:off x="684213" y="685800"/>
+            <a:ext cx="10058400" cy="2743200"/>
+          </a:xfrm>
+        </p:spPr>
+        <p:txBody>
+          <a:bodyPr vert="horz" lIns="91440" tIns="45720" rIns="91440" bIns="45720" rtlCol="0" anchor="ctr">
+            <a:normAutofit/>
+          </a:bodyPr>
+          <a:lstStyle>
+            <a:lvl1pPr>
+              <a:defRPr lang="en-US" b="0" dirty="0"/>
+            </a:lvl1pPr>
+          </a:lstStyle>
+          <a:p>
+            <a:pPr marL="0" lvl="0"/>
+            <a:r>
+              <a:rPr lang="hu-HU"/>
+              <a:t>Mintacím szerkesztése</a:t>
+            </a:r>
+            <a:endParaRPr lang="en-US" dirty="0"/>
+          </a:p>
+        </p:txBody>
+      </p:sp>
+      <p:sp>
+        <p:nvSpPr>
+          <p:cNvPr id="10" name="Text Placeholder 9"/>
+          <p:cNvSpPr>
+            <a:spLocks noGrp="1"/>
+          </p:cNvSpPr>
+          <p:nvPr>
+            <p:ph type="body" sz="quarter" idx="13"/>
+          </p:nvPr>
+        </p:nvSpPr>
+        <p:spPr>
+          <a:xfrm>
+            <a:off x="684212" y="3928534"/>
+            <a:ext cx="8534400" cy="838200"/>
+          </a:xfrm>
+        </p:spPr>
+        <p:txBody>
+          <a:bodyPr vert="horz" lIns="91440" tIns="45720" rIns="91440" bIns="45720" rtlCol="0" anchor="b">
+            <a:normAutofit/>
+          </a:bodyPr>
+          <a:lstStyle>
+            <a:lvl1pPr>
+              <a:buNone/>
+              <a:defRPr lang="en-US" sz="2400" b="0" cap="all" dirty="0">
+                <a:ln w="3175" cmpd="sng">
+                  <a:noFill/>
+                </a:ln>
+                <a:solidFill>
+                  <a:schemeClr val="tx1"/>
+                </a:solidFill>
+                <a:effectLst/>
+              </a:defRPr>
+            </a:lvl1pPr>
+          </a:lstStyle>
+          <a:p>
+            <a:pPr marL="0" lvl="0">
+              <a:spcBef>
+                <a:spcPct val="0"/>
+              </a:spcBef>
+              <a:buNone/>
+            </a:pPr>
+            <a:r>
+              <a:rPr lang="hu-HU"/>
+              <a:t>Mintaszöveg szerkesztése</a:t>
+            </a:r>
+          </a:p>
+        </p:txBody>
+      </p:sp>
+      <p:sp>
+        <p:nvSpPr>
+          <p:cNvPr id="3" name="Text Placeholder 2"/>
+          <p:cNvSpPr>
+            <a:spLocks noGrp="1"/>
+          </p:cNvSpPr>
+          <p:nvPr>
+            <p:ph type="body" idx="1"/>
+          </p:nvPr>
+        </p:nvSpPr>
+        <p:spPr>
+          <a:xfrm>
+            <a:off x="684211" y="4766732"/>
+            <a:ext cx="8534401" cy="1227667"/>
+          </a:xfrm>
+        </p:spPr>
+        <p:txBody>
+          <a:bodyPr anchor="t">
+            <a:normAutofit/>
+          </a:bodyPr>
+          <a:lstStyle>
+            <a:lvl1pPr marL="0" indent="0" algn="l">
+              <a:buNone/>
+              <a:defRPr sz="1800">
+                <a:solidFill>
+                  <a:schemeClr val="bg2">
+                    <a:lumMod val="75000"/>
+                  </a:schemeClr>
+                </a:solidFill>
+              </a:defRPr>
+            </a:lvl1pPr>
+            <a:lvl2pPr marL="457200" indent="0">
+              <a:buNone/>
+              <a:defRPr sz="1800">
+                <a:solidFill>
+                  <a:schemeClr val="tx1">
+                    <a:tint val="75000"/>
+                  </a:schemeClr>
+                </a:solidFill>
+              </a:defRPr>
+            </a:lvl2pPr>
+            <a:lvl3pPr marL="914400" indent="0">
+              <a:buNone/>
+              <a:defRPr sz="1600">
+                <a:solidFill>
+                  <a:schemeClr val="tx1">
+                    <a:tint val="75000"/>
+                  </a:schemeClr>
+                </a:solidFill>
+              </a:defRPr>
+            </a:lvl3pPr>
+            <a:lvl4pPr marL="1371600" indent="0">
+              <a:buNone/>
+              <a:defRPr sz="1400">
+                <a:solidFill>
+                  <a:schemeClr val="tx1">
+                    <a:tint val="75000"/>
+                  </a:schemeClr>
+                </a:solidFill>
+              </a:defRPr>
+            </a:lvl4pPr>
+            <a:lvl5pPr marL="1828800" indent="0">
+              <a:buNone/>
+              <a:defRPr sz="1400">
+                <a:solidFill>
+                  <a:schemeClr val="tx1">
+                    <a:tint val="75000"/>
+                  </a:schemeClr>
+                </a:solidFill>
+              </a:defRPr>
+            </a:lvl5pPr>
+            <a:lvl6pPr marL="2286000" indent="0">
+              <a:buNone/>
+              <a:defRPr sz="1400">
+                <a:solidFill>
+                  <a:schemeClr val="tx1">
+                    <a:tint val="75000"/>
+                  </a:schemeClr>
+                </a:solidFill>
+              </a:defRPr>
+            </a:lvl6pPr>
+            <a:lvl7pPr marL="2743200" indent="0">
+              <a:buNone/>
+              <a:defRPr sz="1400">
+                <a:solidFill>
+                  <a:schemeClr val="tx1">
+                    <a:tint val="75000"/>
+                  </a:schemeClr>
+                </a:solidFill>
+              </a:defRPr>
+            </a:lvl7pPr>
+            <a:lvl8pPr marL="3200400" indent="0">
+              <a:buNone/>
+              <a:defRPr sz="1400">
+                <a:solidFill>
+                  <a:schemeClr val="tx1">
+                    <a:tint val="75000"/>
+                  </a:schemeClr>
+                </a:solidFill>
+              </a:defRPr>
+            </a:lvl8pPr>
+            <a:lvl9pPr marL="3657600" indent="0">
+              <a:buNone/>
+              <a:defRPr sz="1400">
+                <a:solidFill>
+                  <a:schemeClr val="tx1">
+                    <a:tint val="75000"/>
+                  </a:schemeClr>
+                </a:solidFill>
+              </a:defRPr>
+            </a:lvl9pPr>
+          </a:lstStyle>
+          <a:p>
+            <a:pPr lvl="0"/>
+            <a:r>
+              <a:rPr lang="hu-HU"/>
+              <a:t>Mintaszöveg szerkesztése</a:t>
+            </a:r>
+          </a:p>
+        </p:txBody>
+      </p:sp>
+      <p:sp>
+        <p:nvSpPr>
+          <p:cNvPr id="4" name="Date Placeholder 3"/>
+          <p:cNvSpPr>
+            <a:spLocks noGrp="1"/>
+          </p:cNvSpPr>
+          <p:nvPr>
+            <p:ph type="dt" sz="half" idx="10"/>
+          </p:nvPr>
+        </p:nvSpPr>
+        <p:spPr/>
+        <p:txBody>
+          <a:bodyPr/>
+          <a:lstStyle/>
+          <a:p>
+            <a:fld id="{BF527D72-7616-4671-866A-76F0C28AAE33}" type="datetimeFigureOut">
+              <a:rPr lang="hu-HU" smtClean="0"/>
+              <a:t>2024.03.25.</a:t>
+            </a:fld>
+            <a:endParaRPr lang="hu-HU"/>
+          </a:p>
+        </p:txBody>
+      </p:sp>
+      <p:sp>
+        <p:nvSpPr>
+          <p:cNvPr id="5" name="Footer Placeholder 4"/>
+          <p:cNvSpPr>
+            <a:spLocks noGrp="1"/>
+          </p:cNvSpPr>
+          <p:nvPr>
+            <p:ph type="ftr" sz="quarter" idx="11"/>
+          </p:nvPr>
+        </p:nvSpPr>
+        <p:spPr/>
+        <p:txBody>
+          <a:bodyPr/>
+          <a:lstStyle/>
+          <a:p>
+            <a:endParaRPr lang="hu-HU"/>
+          </a:p>
+        </p:txBody>
+      </p:sp>
+      <p:sp>
+        <p:nvSpPr>
+          <p:cNvPr id="6" name="Slide Number Placeholder 5"/>
+          <p:cNvSpPr>
+            <a:spLocks noGrp="1"/>
+          </p:cNvSpPr>
+          <p:nvPr>
+            <p:ph type="sldNum" sz="quarter" idx="12"/>
+          </p:nvPr>
+        </p:nvSpPr>
+        <p:spPr/>
+        <p:txBody>
+          <a:bodyPr/>
+          <a:lstStyle/>
+          <a:p>
+            <a:fld id="{782DE12D-0810-4BD6-B3DC-CB541D97B447}" type="slidenum">
+              <a:rPr lang="hu-HU" smtClean="0"/>
+              <a:t>‹#›</a:t>
+            </a:fld>
+            <a:endParaRPr lang="hu-HU"/>
+          </a:p>
+        </p:txBody>
+      </p:sp>
+    </p:spTree>
+    <p:extLst>
+      <p:ext uri="{BB962C8B-B14F-4D97-AF65-F5344CB8AC3E}">
+        <p14:creationId xmlns:p14="http://schemas.microsoft.com/office/powerpoint/2010/main" val="3592381368"/>
+      </p:ext>
+    </p:extLst>
+  </p:cSld>
+  <p:clrMapOvr>
+    <a:masterClrMapping/>
+  </p:clrMapOvr>
+</p:sldLayout>
+</file>
+
+<file path=ppt/slideLayouts/slideLayout16.xml><?xml version="1.0" encoding="utf-8"?>
 <p:sldLayout xmlns:a="http://schemas.openxmlformats.org/drawingml/2006/main" xmlns:r="http://schemas.openxmlformats.org/officeDocument/2006/relationships" xmlns:p="http://schemas.openxmlformats.org/presentationml/2006/main" type="vertTx" preserve="1">
   <p:cSld name="Cím és függőleges szöveg">
     <p:spTree>
@@ -362,13 +2375,7 @@
       </p:grpSpPr>
       <p:sp>
         <p:nvSpPr>
-          <p:cNvPr id="2" name="Cím 1">
-            <a:extLst>
-              <a:ext uri="{FF2B5EF4-FFF2-40B4-BE49-F238E27FC236}">
-                <a16:creationId xmlns:a16="http://schemas.microsoft.com/office/drawing/2014/main" id="{0F8BAF9E-9EC5-4F51-9F97-650C4F94B77B}"/>
-              </a:ext>
-            </a:extLst>
-          </p:cNvPr>
+          <p:cNvPr id="2" name="Title 1"/>
           <p:cNvSpPr>
             <a:spLocks noGrp="1"/>
           </p:cNvSpPr>
@@ -379,24 +2386,23 @@
         <p:spPr/>
         <p:txBody>
           <a:bodyPr/>
-          <a:lstStyle/>
+          <a:lstStyle>
+            <a:lvl1pPr algn="l">
+              <a:defRPr/>
+            </a:lvl1pPr>
+          </a:lstStyle>
           <a:p>
             <a:r>
               <a:rPr lang="hu-HU"/>
               <a:t>Mintacím szerkesztése</a:t>
             </a:r>
-          </a:p>
-        </p:txBody>
-      </p:sp>
-      <p:sp>
-        <p:nvSpPr>
-          <p:cNvPr id="3" name="Függőleges szöveg helye 2">
-            <a:extLst>
-              <a:ext uri="{FF2B5EF4-FFF2-40B4-BE49-F238E27FC236}">
-                <a16:creationId xmlns:a16="http://schemas.microsoft.com/office/drawing/2014/main" id="{D8ADDB5A-BC35-4F08-9163-C1B8266B66C5}"/>
-              </a:ext>
-            </a:extLst>
-          </p:cNvPr>
+            <a:endParaRPr lang="en-US" dirty="0"/>
+          </a:p>
+        </p:txBody>
+      </p:sp>
+      <p:sp>
+        <p:nvSpPr>
+          <p:cNvPr id="3" name="Vertical Text Placeholder 2"/>
           <p:cNvSpPr>
             <a:spLocks noGrp="1"/>
           </p:cNvSpPr>
@@ -406,7 +2412,7 @@
         </p:nvSpPr>
         <p:spPr/>
         <p:txBody>
-          <a:bodyPr vert="eaVert"/>
+          <a:bodyPr vert="eaVert" anchor="t"/>
           <a:lstStyle/>
           <a:p>
             <a:pPr lvl="0"/>
@@ -442,18 +2448,13 @@
               <a:rPr lang="hu-HU"/>
               <a:t>Ötödik szint</a:t>
             </a:r>
-          </a:p>
-        </p:txBody>
-      </p:sp>
-      <p:sp>
-        <p:nvSpPr>
-          <p:cNvPr id="4" name="Dátum helye 3">
-            <a:extLst>
-              <a:ext uri="{FF2B5EF4-FFF2-40B4-BE49-F238E27FC236}">
-                <a16:creationId xmlns:a16="http://schemas.microsoft.com/office/drawing/2014/main" id="{7F6932DC-4F34-4B89-8132-853EAF488618}"/>
-              </a:ext>
-            </a:extLst>
-          </p:cNvPr>
+            <a:endParaRPr lang="en-US" dirty="0"/>
+          </a:p>
+        </p:txBody>
+      </p:sp>
+      <p:sp>
+        <p:nvSpPr>
+          <p:cNvPr id="4" name="Date Placeholder 3"/>
           <p:cNvSpPr>
             <a:spLocks noGrp="1"/>
           </p:cNvSpPr>
@@ -468,7 +2469,7 @@
           <a:p>
             <a:fld id="{BF527D72-7616-4671-866A-76F0C28AAE33}" type="datetimeFigureOut">
               <a:rPr lang="hu-HU" smtClean="0"/>
-              <a:t>2024.03.18.</a:t>
+              <a:t>2024.03.25.</a:t>
             </a:fld>
             <a:endParaRPr lang="hu-HU"/>
           </a:p>
@@ -476,13 +2477,7 @@
       </p:sp>
       <p:sp>
         <p:nvSpPr>
-          <p:cNvPr id="5" name="Élőláb helye 4">
-            <a:extLst>
-              <a:ext uri="{FF2B5EF4-FFF2-40B4-BE49-F238E27FC236}">
-                <a16:creationId xmlns:a16="http://schemas.microsoft.com/office/drawing/2014/main" id="{8B9E973B-2472-4B58-9991-20E5E3B8F35D}"/>
-              </a:ext>
-            </a:extLst>
-          </p:cNvPr>
+          <p:cNvPr id="5" name="Footer Placeholder 4"/>
           <p:cNvSpPr>
             <a:spLocks noGrp="1"/>
           </p:cNvSpPr>
@@ -501,13 +2496,7 @@
       </p:sp>
       <p:sp>
         <p:nvSpPr>
-          <p:cNvPr id="6" name="Dia számának helye 5">
-            <a:extLst>
-              <a:ext uri="{FF2B5EF4-FFF2-40B4-BE49-F238E27FC236}">
-                <a16:creationId xmlns:a16="http://schemas.microsoft.com/office/drawing/2014/main" id="{4ED8F91E-8676-4D53-80CC-C67F66E6F93D}"/>
-              </a:ext>
-            </a:extLst>
-          </p:cNvPr>
+          <p:cNvPr id="6" name="Slide Number Placeholder 5"/>
           <p:cNvSpPr>
             <a:spLocks noGrp="1"/>
           </p:cNvSpPr>
@@ -531,7 +2520,7 @@
     </p:spTree>
     <p:extLst>
       <p:ext uri="{BB962C8B-B14F-4D97-AF65-F5344CB8AC3E}">
-        <p14:creationId xmlns:p14="http://schemas.microsoft.com/office/powerpoint/2010/main" val="96405377"/>
+        <p14:creationId xmlns:p14="http://schemas.microsoft.com/office/powerpoint/2010/main" val="2879153880"/>
       </p:ext>
     </p:extLst>
   </p:cSld>
@@ -541,7 +2530,7 @@
 </p:sldLayout>
 </file>
 
-<file path=ppt/slideLayouts/slideLayout11.xml><?xml version="1.0" encoding="utf-8"?>
+<file path=ppt/slideLayouts/slideLayout17.xml><?xml version="1.0" encoding="utf-8"?>
 <p:sldLayout xmlns:a="http://schemas.openxmlformats.org/drawingml/2006/main" xmlns:r="http://schemas.openxmlformats.org/officeDocument/2006/relationships" xmlns:p="http://schemas.openxmlformats.org/presentationml/2006/main" type="vertTitleAndTx" preserve="1">
   <p:cSld name="Függőleges cím és szöveg">
     <p:spTree>
@@ -560,13 +2549,7 @@
       </p:grpSpPr>
       <p:sp>
         <p:nvSpPr>
-          <p:cNvPr id="2" name="Függőleges cím 1">
-            <a:extLst>
-              <a:ext uri="{FF2B5EF4-FFF2-40B4-BE49-F238E27FC236}">
-                <a16:creationId xmlns:a16="http://schemas.microsoft.com/office/drawing/2014/main" id="{0396CCCE-4013-4FA0-A785-3D6F2A219B77}"/>
-              </a:ext>
-            </a:extLst>
-          </p:cNvPr>
+          <p:cNvPr id="2" name="Vertical Title 1"/>
           <p:cNvSpPr>
             <a:spLocks noGrp="1"/>
           </p:cNvSpPr>
@@ -576,8 +2559,8 @@
         </p:nvSpPr>
         <p:spPr>
           <a:xfrm>
-            <a:off x="8724900" y="365125"/>
-            <a:ext cx="2628900" cy="5811838"/>
+            <a:off x="8685212" y="685800"/>
+            <a:ext cx="2057400" cy="4572000"/>
           </a:xfrm>
         </p:spPr>
         <p:txBody>
@@ -588,18 +2571,13 @@
               <a:rPr lang="hu-HU"/>
               <a:t>Mintacím szerkesztése</a:t>
             </a:r>
-          </a:p>
-        </p:txBody>
-      </p:sp>
-      <p:sp>
-        <p:nvSpPr>
-          <p:cNvPr id="3" name="Függőleges szöveg helye 2">
-            <a:extLst>
-              <a:ext uri="{FF2B5EF4-FFF2-40B4-BE49-F238E27FC236}">
-                <a16:creationId xmlns:a16="http://schemas.microsoft.com/office/drawing/2014/main" id="{2A6145E8-6519-4564-B28C-CFF9CEDD0733}"/>
-              </a:ext>
-            </a:extLst>
-          </p:cNvPr>
+            <a:endParaRPr lang="en-US" dirty="0"/>
+          </a:p>
+        </p:txBody>
+      </p:sp>
+      <p:sp>
+        <p:nvSpPr>
+          <p:cNvPr id="3" name="Vertical Text Placeholder 2"/>
           <p:cNvSpPr>
             <a:spLocks noGrp="1"/>
           </p:cNvSpPr>
@@ -609,12 +2587,12 @@
         </p:nvSpPr>
         <p:spPr>
           <a:xfrm>
-            <a:off x="838200" y="365125"/>
-            <a:ext cx="7734300" cy="5811838"/>
+            <a:off x="685800" y="685800"/>
+            <a:ext cx="7823200" cy="5308600"/>
           </a:xfrm>
         </p:spPr>
         <p:txBody>
-          <a:bodyPr vert="eaVert"/>
+          <a:bodyPr vert="eaVert" anchor="t"/>
           <a:lstStyle/>
           <a:p>
             <a:pPr lvl="0"/>
@@ -650,18 +2628,13 @@
               <a:rPr lang="hu-HU"/>
               <a:t>Ötödik szint</a:t>
             </a:r>
-          </a:p>
-        </p:txBody>
-      </p:sp>
-      <p:sp>
-        <p:nvSpPr>
-          <p:cNvPr id="4" name="Dátum helye 3">
-            <a:extLst>
-              <a:ext uri="{FF2B5EF4-FFF2-40B4-BE49-F238E27FC236}">
-                <a16:creationId xmlns:a16="http://schemas.microsoft.com/office/drawing/2014/main" id="{E633C994-06BF-47F0-BF2F-2162C984BE48}"/>
-              </a:ext>
-            </a:extLst>
-          </p:cNvPr>
+            <a:endParaRPr lang="en-US" dirty="0"/>
+          </a:p>
+        </p:txBody>
+      </p:sp>
+      <p:sp>
+        <p:nvSpPr>
+          <p:cNvPr id="4" name="Date Placeholder 3"/>
           <p:cNvSpPr>
             <a:spLocks noGrp="1"/>
           </p:cNvSpPr>
@@ -676,7 +2649,7 @@
           <a:p>
             <a:fld id="{BF527D72-7616-4671-866A-76F0C28AAE33}" type="datetimeFigureOut">
               <a:rPr lang="hu-HU" smtClean="0"/>
-              <a:t>2024.03.18.</a:t>
+              <a:t>2024.03.25.</a:t>
             </a:fld>
             <a:endParaRPr lang="hu-HU"/>
           </a:p>
@@ -684,13 +2657,7 @@
       </p:sp>
       <p:sp>
         <p:nvSpPr>
-          <p:cNvPr id="5" name="Élőláb helye 4">
-            <a:extLst>
-              <a:ext uri="{FF2B5EF4-FFF2-40B4-BE49-F238E27FC236}">
-                <a16:creationId xmlns:a16="http://schemas.microsoft.com/office/drawing/2014/main" id="{8C9DAD5D-6BC9-469C-985C-F5BA7EFA3E9B}"/>
-              </a:ext>
-            </a:extLst>
-          </p:cNvPr>
+          <p:cNvPr id="5" name="Footer Placeholder 4"/>
           <p:cNvSpPr>
             <a:spLocks noGrp="1"/>
           </p:cNvSpPr>
@@ -709,13 +2676,7 @@
       </p:sp>
       <p:sp>
         <p:nvSpPr>
-          <p:cNvPr id="6" name="Dia számának helye 5">
-            <a:extLst>
-              <a:ext uri="{FF2B5EF4-FFF2-40B4-BE49-F238E27FC236}">
-                <a16:creationId xmlns:a16="http://schemas.microsoft.com/office/drawing/2014/main" id="{9EF6F18D-1692-4599-8F62-FF84739DF51A}"/>
-              </a:ext>
-            </a:extLst>
-          </p:cNvPr>
+          <p:cNvPr id="6" name="Slide Number Placeholder 5"/>
           <p:cNvSpPr>
             <a:spLocks noGrp="1"/>
           </p:cNvSpPr>
@@ -739,7 +2700,7 @@
     </p:spTree>
     <p:extLst>
       <p:ext uri="{BB962C8B-B14F-4D97-AF65-F5344CB8AC3E}">
-        <p14:creationId xmlns:p14="http://schemas.microsoft.com/office/powerpoint/2010/main" val="2127840774"/>
+        <p14:creationId xmlns:p14="http://schemas.microsoft.com/office/powerpoint/2010/main" val="2067229875"/>
       </p:ext>
     </p:extLst>
   </p:cSld>
@@ -768,13 +2729,7 @@
       </p:grpSpPr>
       <p:sp>
         <p:nvSpPr>
-          <p:cNvPr id="2" name="Cím 1">
-            <a:extLst>
-              <a:ext uri="{FF2B5EF4-FFF2-40B4-BE49-F238E27FC236}">
-                <a16:creationId xmlns:a16="http://schemas.microsoft.com/office/drawing/2014/main" id="{6D2D83FD-C0E9-4EB4-A1D2-5817078D0F33}"/>
-              </a:ext>
-            </a:extLst>
-          </p:cNvPr>
+          <p:cNvPr id="2" name="Title 1"/>
           <p:cNvSpPr>
             <a:spLocks noGrp="1"/>
           </p:cNvSpPr>
@@ -791,18 +2746,13 @@
               <a:rPr lang="hu-HU"/>
               <a:t>Mintacím szerkesztése</a:t>
             </a:r>
-          </a:p>
-        </p:txBody>
-      </p:sp>
-      <p:sp>
-        <p:nvSpPr>
-          <p:cNvPr id="3" name="Tartalom helye 2">
-            <a:extLst>
-              <a:ext uri="{FF2B5EF4-FFF2-40B4-BE49-F238E27FC236}">
-                <a16:creationId xmlns:a16="http://schemas.microsoft.com/office/drawing/2014/main" id="{7CE7C06F-883D-4E50-B6A0-4E84248CD67B}"/>
-              </a:ext>
-            </a:extLst>
-          </p:cNvPr>
+            <a:endParaRPr lang="en-US" dirty="0"/>
+          </a:p>
+        </p:txBody>
+      </p:sp>
+      <p:sp>
+        <p:nvSpPr>
+          <p:cNvPr id="3" name="Content Placeholder 2"/>
           <p:cNvSpPr>
             <a:spLocks noGrp="1"/>
           </p:cNvSpPr>
@@ -812,7 +2762,7 @@
         </p:nvSpPr>
         <p:spPr/>
         <p:txBody>
-          <a:bodyPr/>
+          <a:bodyPr anchor="ctr"/>
           <a:lstStyle/>
           <a:p>
             <a:pPr lvl="0"/>
@@ -848,18 +2798,13 @@
               <a:rPr lang="hu-HU"/>
               <a:t>Ötödik szint</a:t>
             </a:r>
-          </a:p>
-        </p:txBody>
-      </p:sp>
-      <p:sp>
-        <p:nvSpPr>
-          <p:cNvPr id="4" name="Dátum helye 3">
-            <a:extLst>
-              <a:ext uri="{FF2B5EF4-FFF2-40B4-BE49-F238E27FC236}">
-                <a16:creationId xmlns:a16="http://schemas.microsoft.com/office/drawing/2014/main" id="{701517BF-B421-47BA-AD48-3C46B47C9DEA}"/>
-              </a:ext>
-            </a:extLst>
-          </p:cNvPr>
+            <a:endParaRPr lang="en-US" dirty="0"/>
+          </a:p>
+        </p:txBody>
+      </p:sp>
+      <p:sp>
+        <p:nvSpPr>
+          <p:cNvPr id="4" name="Date Placeholder 3"/>
           <p:cNvSpPr>
             <a:spLocks noGrp="1"/>
           </p:cNvSpPr>
@@ -874,7 +2819,7 @@
           <a:p>
             <a:fld id="{BF527D72-7616-4671-866A-76F0C28AAE33}" type="datetimeFigureOut">
               <a:rPr lang="hu-HU" smtClean="0"/>
-              <a:t>2024.03.18.</a:t>
+              <a:t>2024.03.25.</a:t>
             </a:fld>
             <a:endParaRPr lang="hu-HU"/>
           </a:p>
@@ -882,13 +2827,7 @@
       </p:sp>
       <p:sp>
         <p:nvSpPr>
-          <p:cNvPr id="5" name="Élőláb helye 4">
-            <a:extLst>
-              <a:ext uri="{FF2B5EF4-FFF2-40B4-BE49-F238E27FC236}">
-                <a16:creationId xmlns:a16="http://schemas.microsoft.com/office/drawing/2014/main" id="{DB34D67A-0076-4FB1-9E2A-A745C6F8A747}"/>
-              </a:ext>
-            </a:extLst>
-          </p:cNvPr>
+          <p:cNvPr id="5" name="Footer Placeholder 4"/>
           <p:cNvSpPr>
             <a:spLocks noGrp="1"/>
           </p:cNvSpPr>
@@ -907,13 +2846,7 @@
       </p:sp>
       <p:sp>
         <p:nvSpPr>
-          <p:cNvPr id="6" name="Dia számának helye 5">
-            <a:extLst>
-              <a:ext uri="{FF2B5EF4-FFF2-40B4-BE49-F238E27FC236}">
-                <a16:creationId xmlns:a16="http://schemas.microsoft.com/office/drawing/2014/main" id="{7F0241BF-EBCC-422E-B407-ECB1124B23FC}"/>
-              </a:ext>
-            </a:extLst>
-          </p:cNvPr>
+          <p:cNvPr id="6" name="Slide Number Placeholder 5"/>
           <p:cNvSpPr>
             <a:spLocks noGrp="1"/>
           </p:cNvSpPr>
@@ -937,7 +2870,7 @@
     </p:spTree>
     <p:extLst>
       <p:ext uri="{BB962C8B-B14F-4D97-AF65-F5344CB8AC3E}">
-        <p14:creationId xmlns:p14="http://schemas.microsoft.com/office/powerpoint/2010/main" val="3748065564"/>
+        <p14:creationId xmlns:p14="http://schemas.microsoft.com/office/powerpoint/2010/main" val="1397563467"/>
       </p:ext>
     </p:extLst>
   </p:cSld>
@@ -966,13 +2899,7 @@
       </p:grpSpPr>
       <p:sp>
         <p:nvSpPr>
-          <p:cNvPr id="2" name="Cím 1">
-            <a:extLst>
-              <a:ext uri="{FF2B5EF4-FFF2-40B4-BE49-F238E27FC236}">
-                <a16:creationId xmlns:a16="http://schemas.microsoft.com/office/drawing/2014/main" id="{E3BAC495-6930-4871-A6A1-48D564E5BE73}"/>
-              </a:ext>
-            </a:extLst>
-          </p:cNvPr>
+          <p:cNvPr id="2" name="Title 1"/>
           <p:cNvSpPr>
             <a:spLocks noGrp="1"/>
           </p:cNvSpPr>
@@ -982,15 +2909,17 @@
         </p:nvSpPr>
         <p:spPr>
           <a:xfrm>
-            <a:off x="831850" y="1709738"/>
-            <a:ext cx="10515600" cy="2852737"/>
+            <a:off x="684211" y="2006600"/>
+            <a:ext cx="8534401" cy="2281600"/>
           </a:xfrm>
         </p:spPr>
         <p:txBody>
-          <a:bodyPr anchor="b"/>
+          <a:bodyPr anchor="b">
+            <a:normAutofit/>
+          </a:bodyPr>
           <a:lstStyle>
-            <a:lvl1pPr>
-              <a:defRPr sz="6000"/>
+            <a:lvl1pPr algn="l">
+              <a:defRPr sz="3600" b="0" cap="all"/>
             </a:lvl1pPr>
           </a:lstStyle>
           <a:p>
@@ -998,18 +2927,13 @@
               <a:rPr lang="hu-HU"/>
               <a:t>Mintacím szerkesztése</a:t>
             </a:r>
-          </a:p>
-        </p:txBody>
-      </p:sp>
-      <p:sp>
-        <p:nvSpPr>
-          <p:cNvPr id="3" name="Szöveg helye 2">
-            <a:extLst>
-              <a:ext uri="{FF2B5EF4-FFF2-40B4-BE49-F238E27FC236}">
-                <a16:creationId xmlns:a16="http://schemas.microsoft.com/office/drawing/2014/main" id="{EC3A9FCC-7442-4658-A63F-68023296D2C2}"/>
-              </a:ext>
-            </a:extLst>
-          </p:cNvPr>
+            <a:endParaRPr lang="en-US" dirty="0"/>
+          </a:p>
+        </p:txBody>
+      </p:sp>
+      <p:sp>
+        <p:nvSpPr>
+          <p:cNvPr id="3" name="Text Placeholder 2"/>
           <p:cNvSpPr>
             <a:spLocks noGrp="1"/>
           </p:cNvSpPr>
@@ -1019,102 +2943,104 @@
         </p:nvSpPr>
         <p:spPr>
           <a:xfrm>
-            <a:off x="831850" y="4589463"/>
-            <a:ext cx="10515600" cy="1500187"/>
+            <a:off x="684213" y="4495800"/>
+            <a:ext cx="8534400" cy="1498600"/>
           </a:xfrm>
         </p:spPr>
         <p:txBody>
-          <a:bodyPr/>
+          <a:bodyPr anchor="t">
+            <a:normAutofit/>
+          </a:bodyPr>
           <a:lstStyle>
-            <a:lvl1pPr marL="0" indent="0">
-              <a:buNone/>
-              <a:defRPr sz="2400">
+            <a:lvl1pPr marL="0" indent="0" algn="l">
+              <a:buNone/>
+              <a:defRPr sz="1800">
+                <a:solidFill>
+                  <a:schemeClr val="bg2">
+                    <a:lumMod val="75000"/>
+                  </a:schemeClr>
+                </a:solidFill>
+              </a:defRPr>
+            </a:lvl1pPr>
+            <a:lvl2pPr marL="457200" indent="0">
+              <a:buNone/>
+              <a:defRPr sz="1800">
                 <a:solidFill>
                   <a:schemeClr val="tx1">
                     <a:tint val="75000"/>
                   </a:schemeClr>
                 </a:solidFill>
               </a:defRPr>
-            </a:lvl1pPr>
-            <a:lvl2pPr marL="457200" indent="0">
-              <a:buNone/>
-              <a:defRPr sz="2000">
+            </a:lvl2pPr>
+            <a:lvl3pPr marL="914400" indent="0">
+              <a:buNone/>
+              <a:defRPr sz="1600">
                 <a:solidFill>
                   <a:schemeClr val="tx1">
                     <a:tint val="75000"/>
                   </a:schemeClr>
                 </a:solidFill>
               </a:defRPr>
-            </a:lvl2pPr>
-            <a:lvl3pPr marL="914400" indent="0">
-              <a:buNone/>
-              <a:defRPr sz="1800">
+            </a:lvl3pPr>
+            <a:lvl4pPr marL="1371600" indent="0">
+              <a:buNone/>
+              <a:defRPr sz="1400">
                 <a:solidFill>
                   <a:schemeClr val="tx1">
                     <a:tint val="75000"/>
                   </a:schemeClr>
                 </a:solidFill>
               </a:defRPr>
-            </a:lvl3pPr>
-            <a:lvl4pPr marL="1371600" indent="0">
-              <a:buNone/>
-              <a:defRPr sz="1600">
+            </a:lvl4pPr>
+            <a:lvl5pPr marL="1828800" indent="0">
+              <a:buNone/>
+              <a:defRPr sz="1400">
                 <a:solidFill>
                   <a:schemeClr val="tx1">
                     <a:tint val="75000"/>
                   </a:schemeClr>
                 </a:solidFill>
               </a:defRPr>
-            </a:lvl4pPr>
-            <a:lvl5pPr marL="1828800" indent="0">
-              <a:buNone/>
-              <a:defRPr sz="1600">
+            </a:lvl5pPr>
+            <a:lvl6pPr marL="2286000" indent="0">
+              <a:buNone/>
+              <a:defRPr sz="1400">
                 <a:solidFill>
                   <a:schemeClr val="tx1">
                     <a:tint val="75000"/>
                   </a:schemeClr>
                 </a:solidFill>
               </a:defRPr>
-            </a:lvl5pPr>
-            <a:lvl6pPr marL="2286000" indent="0">
-              <a:buNone/>
-              <a:defRPr sz="1600">
+            </a:lvl6pPr>
+            <a:lvl7pPr marL="2743200" indent="0">
+              <a:buNone/>
+              <a:defRPr sz="1400">
                 <a:solidFill>
                   <a:schemeClr val="tx1">
                     <a:tint val="75000"/>
                   </a:schemeClr>
                 </a:solidFill>
               </a:defRPr>
-            </a:lvl6pPr>
-            <a:lvl7pPr marL="2743200" indent="0">
-              <a:buNone/>
-              <a:defRPr sz="1600">
+            </a:lvl7pPr>
+            <a:lvl8pPr marL="3200400" indent="0">
+              <a:buNone/>
+              <a:defRPr sz="1400">
                 <a:solidFill>
                   <a:schemeClr val="tx1">
                     <a:tint val="75000"/>
                   </a:schemeClr>
                 </a:solidFill>
               </a:defRPr>
-            </a:lvl7pPr>
-            <a:lvl8pPr marL="3200400" indent="0">
-              <a:buNone/>
-              <a:defRPr sz="1600">
+            </a:lvl8pPr>
+            <a:lvl9pPr marL="3657600" indent="0">
+              <a:buNone/>
+              <a:defRPr sz="1400">
                 <a:solidFill>
                   <a:schemeClr val="tx1">
                     <a:tint val="75000"/>
                   </a:schemeClr>
                 </a:solidFill>
               </a:defRPr>
-            </a:lvl8pPr>
-            <a:lvl9pPr marL="3657600" indent="0">
-              <a:buNone/>
-              <a:defRPr sz="1600">
-                <a:solidFill>
-                  <a:schemeClr val="tx1">
-                    <a:tint val="75000"/>
-                  </a:schemeClr>
-                </a:solidFill>
-              </a:defRPr>
             </a:lvl9pPr>
           </a:lstStyle>
           <a:p>
@@ -1128,13 +3054,7 @@
       </p:sp>
       <p:sp>
         <p:nvSpPr>
-          <p:cNvPr id="4" name="Dátum helye 3">
-            <a:extLst>
-              <a:ext uri="{FF2B5EF4-FFF2-40B4-BE49-F238E27FC236}">
-                <a16:creationId xmlns:a16="http://schemas.microsoft.com/office/drawing/2014/main" id="{948F7FD4-AC94-4EF2-97E7-F34465D01939}"/>
-              </a:ext>
-            </a:extLst>
-          </p:cNvPr>
+          <p:cNvPr id="4" name="Date Placeholder 3"/>
           <p:cNvSpPr>
             <a:spLocks noGrp="1"/>
           </p:cNvSpPr>
@@ -1149,7 +3069,7 @@
           <a:p>
             <a:fld id="{BF527D72-7616-4671-866A-76F0C28AAE33}" type="datetimeFigureOut">
               <a:rPr lang="hu-HU" smtClean="0"/>
-              <a:t>2024.03.18.</a:t>
+              <a:t>2024.03.25.</a:t>
             </a:fld>
             <a:endParaRPr lang="hu-HU"/>
           </a:p>
@@ -1157,13 +3077,7 @@
       </p:sp>
       <p:sp>
         <p:nvSpPr>
-          <p:cNvPr id="5" name="Élőláb helye 4">
-            <a:extLst>
-              <a:ext uri="{FF2B5EF4-FFF2-40B4-BE49-F238E27FC236}">
-                <a16:creationId xmlns:a16="http://schemas.microsoft.com/office/drawing/2014/main" id="{C0146A61-8E83-4F4F-882E-5B980740FF70}"/>
-              </a:ext>
-            </a:extLst>
-          </p:cNvPr>
+          <p:cNvPr id="5" name="Footer Placeholder 4"/>
           <p:cNvSpPr>
             <a:spLocks noGrp="1"/>
           </p:cNvSpPr>
@@ -1182,13 +3096,7 @@
       </p:sp>
       <p:sp>
         <p:nvSpPr>
-          <p:cNvPr id="6" name="Dia számának helye 5">
-            <a:extLst>
-              <a:ext uri="{FF2B5EF4-FFF2-40B4-BE49-F238E27FC236}">
-                <a16:creationId xmlns:a16="http://schemas.microsoft.com/office/drawing/2014/main" id="{A465B6FC-6CEB-41FD-BC5F-FD476E999D73}"/>
-              </a:ext>
-            </a:extLst>
-          </p:cNvPr>
+          <p:cNvPr id="6" name="Slide Number Placeholder 5"/>
           <p:cNvSpPr>
             <a:spLocks noGrp="1"/>
           </p:cNvSpPr>
@@ -1212,7 +3120,7 @@
     </p:spTree>
     <p:extLst>
       <p:ext uri="{BB962C8B-B14F-4D97-AF65-F5344CB8AC3E}">
-        <p14:creationId xmlns:p14="http://schemas.microsoft.com/office/powerpoint/2010/main" val="3858885248"/>
+        <p14:creationId xmlns:p14="http://schemas.microsoft.com/office/powerpoint/2010/main" val="573305749"/>
       </p:ext>
     </p:extLst>
   </p:cSld>
@@ -1241,13 +3149,7 @@
       </p:grpSpPr>
       <p:sp>
         <p:nvSpPr>
-          <p:cNvPr id="2" name="Cím 1">
-            <a:extLst>
-              <a:ext uri="{FF2B5EF4-FFF2-40B4-BE49-F238E27FC236}">
-                <a16:creationId xmlns:a16="http://schemas.microsoft.com/office/drawing/2014/main" id="{0D285999-0D54-48FF-9FF7-C8561F2D854B}"/>
-              </a:ext>
-            </a:extLst>
-          </p:cNvPr>
+          <p:cNvPr id="2" name="Title 1"/>
           <p:cNvSpPr>
             <a:spLocks noGrp="1"/>
           </p:cNvSpPr>
@@ -1264,18 +3166,13 @@
               <a:rPr lang="hu-HU"/>
               <a:t>Mintacím szerkesztése</a:t>
             </a:r>
-          </a:p>
-        </p:txBody>
-      </p:sp>
-      <p:sp>
-        <p:nvSpPr>
-          <p:cNvPr id="3" name="Tartalom helye 2">
-            <a:extLst>
-              <a:ext uri="{FF2B5EF4-FFF2-40B4-BE49-F238E27FC236}">
-                <a16:creationId xmlns:a16="http://schemas.microsoft.com/office/drawing/2014/main" id="{F26983D7-0BC7-4673-A1FC-B266595F64AE}"/>
-              </a:ext>
-            </a:extLst>
-          </p:cNvPr>
+            <a:endParaRPr lang="en-US" dirty="0"/>
+          </a:p>
+        </p:txBody>
+      </p:sp>
+      <p:sp>
+        <p:nvSpPr>
+          <p:cNvPr id="3" name="Content Placeholder 2"/>
           <p:cNvSpPr>
             <a:spLocks noGrp="1"/>
           </p:cNvSpPr>
@@ -1285,12 +3182,14 @@
         </p:nvSpPr>
         <p:spPr>
           <a:xfrm>
-            <a:off x="838200" y="1825625"/>
-            <a:ext cx="5181600" cy="4351338"/>
+            <a:off x="684211" y="685800"/>
+            <a:ext cx="4937655" cy="3615267"/>
           </a:xfrm>
         </p:spPr>
         <p:txBody>
-          <a:bodyPr/>
+          <a:bodyPr>
+            <a:normAutofit/>
+          </a:bodyPr>
           <a:lstStyle/>
           <a:p>
             <a:pPr lvl="0"/>
@@ -1326,18 +3225,13 @@
               <a:rPr lang="hu-HU"/>
               <a:t>Ötödik szint</a:t>
             </a:r>
-          </a:p>
-        </p:txBody>
-      </p:sp>
-      <p:sp>
-        <p:nvSpPr>
-          <p:cNvPr id="4" name="Tartalom helye 3">
-            <a:extLst>
-              <a:ext uri="{FF2B5EF4-FFF2-40B4-BE49-F238E27FC236}">
-                <a16:creationId xmlns:a16="http://schemas.microsoft.com/office/drawing/2014/main" id="{C6049B15-B24A-4D6A-8785-600A822D6EDD}"/>
-              </a:ext>
-            </a:extLst>
-          </p:cNvPr>
+            <a:endParaRPr lang="en-US" dirty="0"/>
+          </a:p>
+        </p:txBody>
+      </p:sp>
+      <p:sp>
+        <p:nvSpPr>
+          <p:cNvPr id="4" name="Content Placeholder 3"/>
           <p:cNvSpPr>
             <a:spLocks noGrp="1"/>
           </p:cNvSpPr>
@@ -1347,12 +3241,14 @@
         </p:nvSpPr>
         <p:spPr>
           <a:xfrm>
-            <a:off x="6172200" y="1825625"/>
-            <a:ext cx="5181600" cy="4351338"/>
+            <a:off x="5808133" y="685801"/>
+            <a:ext cx="4934479" cy="3615266"/>
           </a:xfrm>
         </p:spPr>
         <p:txBody>
-          <a:bodyPr/>
+          <a:bodyPr>
+            <a:normAutofit/>
+          </a:bodyPr>
           <a:lstStyle/>
           <a:p>
             <a:pPr lvl="0"/>
@@ -1388,18 +3284,13 @@
               <a:rPr lang="hu-HU"/>
               <a:t>Ötödik szint</a:t>
             </a:r>
-          </a:p>
-        </p:txBody>
-      </p:sp>
-      <p:sp>
-        <p:nvSpPr>
-          <p:cNvPr id="5" name="Dátum helye 4">
-            <a:extLst>
-              <a:ext uri="{FF2B5EF4-FFF2-40B4-BE49-F238E27FC236}">
-                <a16:creationId xmlns:a16="http://schemas.microsoft.com/office/drawing/2014/main" id="{CBA68286-9092-4015-9770-7F89B9E2DF04}"/>
-              </a:ext>
-            </a:extLst>
-          </p:cNvPr>
+            <a:endParaRPr lang="en-US" dirty="0"/>
+          </a:p>
+        </p:txBody>
+      </p:sp>
+      <p:sp>
+        <p:nvSpPr>
+          <p:cNvPr id="5" name="Date Placeholder 4"/>
           <p:cNvSpPr>
             <a:spLocks noGrp="1"/>
           </p:cNvSpPr>
@@ -1414,7 +3305,7 @@
           <a:p>
             <a:fld id="{BF527D72-7616-4671-866A-76F0C28AAE33}" type="datetimeFigureOut">
               <a:rPr lang="hu-HU" smtClean="0"/>
-              <a:t>2024.03.18.</a:t>
+              <a:t>2024.03.25.</a:t>
             </a:fld>
             <a:endParaRPr lang="hu-HU"/>
           </a:p>
@@ -1422,13 +3313,7 @@
       </p:sp>
       <p:sp>
         <p:nvSpPr>
-          <p:cNvPr id="6" name="Élőláb helye 5">
-            <a:extLst>
-              <a:ext uri="{FF2B5EF4-FFF2-40B4-BE49-F238E27FC236}">
-                <a16:creationId xmlns:a16="http://schemas.microsoft.com/office/drawing/2014/main" id="{5452B29C-4447-4477-B6BB-BAA8A9E2A2DA}"/>
-              </a:ext>
-            </a:extLst>
-          </p:cNvPr>
+          <p:cNvPr id="6" name="Footer Placeholder 5"/>
           <p:cNvSpPr>
             <a:spLocks noGrp="1"/>
           </p:cNvSpPr>
@@ -1447,13 +3332,7 @@
       </p:sp>
       <p:sp>
         <p:nvSpPr>
-          <p:cNvPr id="7" name="Dia számának helye 6">
-            <a:extLst>
-              <a:ext uri="{FF2B5EF4-FFF2-40B4-BE49-F238E27FC236}">
-                <a16:creationId xmlns:a16="http://schemas.microsoft.com/office/drawing/2014/main" id="{A0CBEB24-134E-495C-AC03-C2F3880FCF49}"/>
-              </a:ext>
-            </a:extLst>
-          </p:cNvPr>
+          <p:cNvPr id="7" name="Slide Number Placeholder 6"/>
           <p:cNvSpPr>
             <a:spLocks noGrp="1"/>
           </p:cNvSpPr>
@@ -1477,7 +3356,7 @@
     </p:spTree>
     <p:extLst>
       <p:ext uri="{BB962C8B-B14F-4D97-AF65-F5344CB8AC3E}">
-        <p14:creationId xmlns:p14="http://schemas.microsoft.com/office/powerpoint/2010/main" val="1710917145"/>
+        <p14:creationId xmlns:p14="http://schemas.microsoft.com/office/powerpoint/2010/main" val="2177291101"/>
       </p:ext>
     </p:extLst>
   </p:cSld>
@@ -1506,65 +3385,59 @@
       </p:grpSpPr>
       <p:sp>
         <p:nvSpPr>
-          <p:cNvPr id="2" name="Cím 1">
-            <a:extLst>
-              <a:ext uri="{FF2B5EF4-FFF2-40B4-BE49-F238E27FC236}">
-                <a16:creationId xmlns:a16="http://schemas.microsoft.com/office/drawing/2014/main" id="{F4734F37-CE52-446A-A66B-7CC592D23E8D}"/>
-              </a:ext>
-            </a:extLst>
-          </p:cNvPr>
+          <p:cNvPr id="2" name="Title 1"/>
           <p:cNvSpPr>
             <a:spLocks noGrp="1"/>
           </p:cNvSpPr>
           <p:nvPr>
             <p:ph type="title"/>
+          </p:nvPr>
+        </p:nvSpPr>
+        <p:spPr/>
+        <p:txBody>
+          <a:bodyPr/>
+          <a:lstStyle>
+            <a:lvl1pPr>
+              <a:defRPr/>
+            </a:lvl1pPr>
+          </a:lstStyle>
+          <a:p>
+            <a:r>
+              <a:rPr lang="hu-HU"/>
+              <a:t>Mintacím szerkesztése</a:t>
+            </a:r>
+            <a:endParaRPr lang="en-US" dirty="0"/>
+          </a:p>
+        </p:txBody>
+      </p:sp>
+      <p:sp>
+        <p:nvSpPr>
+          <p:cNvPr id="3" name="Text Placeholder 2"/>
+          <p:cNvSpPr>
+            <a:spLocks noGrp="1"/>
+          </p:cNvSpPr>
+          <p:nvPr>
+            <p:ph type="body" idx="1"/>
           </p:nvPr>
         </p:nvSpPr>
         <p:spPr>
           <a:xfrm>
-            <a:off x="839788" y="365125"/>
-            <a:ext cx="10515600" cy="1325563"/>
+            <a:off x="972080" y="685800"/>
+            <a:ext cx="4649787" cy="576262"/>
           </a:xfrm>
         </p:spPr>
         <p:txBody>
-          <a:bodyPr/>
-          <a:lstStyle/>
-          <a:p>
-            <a:r>
-              <a:rPr lang="hu-HU"/>
-              <a:t>Mintacím szerkesztése</a:t>
-            </a:r>
-          </a:p>
-        </p:txBody>
-      </p:sp>
-      <p:sp>
-        <p:nvSpPr>
-          <p:cNvPr id="3" name="Szöveg helye 2">
-            <a:extLst>
-              <a:ext uri="{FF2B5EF4-FFF2-40B4-BE49-F238E27FC236}">
-                <a16:creationId xmlns:a16="http://schemas.microsoft.com/office/drawing/2014/main" id="{FB40CDBE-5E28-4A2A-A206-396944F984E7}"/>
-              </a:ext>
-            </a:extLst>
-          </p:cNvPr>
-          <p:cNvSpPr>
-            <a:spLocks noGrp="1"/>
-          </p:cNvSpPr>
-          <p:nvPr>
-            <p:ph type="body" idx="1"/>
-          </p:nvPr>
-        </p:nvSpPr>
-        <p:spPr>
-          <a:xfrm>
-            <a:off x="839788" y="1681163"/>
-            <a:ext cx="5157787" cy="823912"/>
-          </a:xfrm>
-        </p:spPr>
-        <p:txBody>
-          <a:bodyPr anchor="b"/>
+          <a:bodyPr anchor="b">
+            <a:noAutofit/>
+          </a:bodyPr>
           <a:lstStyle>
             <a:lvl1pPr marL="0" indent="0">
               <a:buNone/>
-              <a:defRPr sz="2400" b="1"/>
+              <a:defRPr sz="2800" b="0">
+                <a:solidFill>
+                  <a:schemeClr val="tx1"/>
+                </a:solidFill>
+              </a:defRPr>
             </a:lvl1pPr>
             <a:lvl2pPr marL="457200" indent="0">
               <a:buNone/>
@@ -1610,13 +3483,7 @@
       </p:sp>
       <p:sp>
         <p:nvSpPr>
-          <p:cNvPr id="4" name="Tartalom helye 3">
-            <a:extLst>
-              <a:ext uri="{FF2B5EF4-FFF2-40B4-BE49-F238E27FC236}">
-                <a16:creationId xmlns:a16="http://schemas.microsoft.com/office/drawing/2014/main" id="{3C173FA3-CD91-429B-8930-BA6B2E7CC665}"/>
-              </a:ext>
-            </a:extLst>
-          </p:cNvPr>
+          <p:cNvPr id="4" name="Content Placeholder 3"/>
           <p:cNvSpPr>
             <a:spLocks noGrp="1"/>
           </p:cNvSpPr>
@@ -1626,12 +3493,14 @@
         </p:nvSpPr>
         <p:spPr>
           <a:xfrm>
-            <a:off x="839788" y="2505075"/>
-            <a:ext cx="5157787" cy="3684588"/>
+            <a:off x="684211" y="1270529"/>
+            <a:ext cx="4937655" cy="3030538"/>
           </a:xfrm>
         </p:spPr>
         <p:txBody>
-          <a:bodyPr/>
+          <a:bodyPr anchor="t">
+            <a:normAutofit/>
+          </a:bodyPr>
           <a:lstStyle/>
           <a:p>
             <a:pPr lvl="0"/>
@@ -1667,18 +3536,13 @@
               <a:rPr lang="hu-HU"/>
               <a:t>Ötödik szint</a:t>
             </a:r>
-          </a:p>
-        </p:txBody>
-      </p:sp>
-      <p:sp>
-        <p:nvSpPr>
-          <p:cNvPr id="5" name="Szöveg helye 4">
-            <a:extLst>
-              <a:ext uri="{FF2B5EF4-FFF2-40B4-BE49-F238E27FC236}">
-                <a16:creationId xmlns:a16="http://schemas.microsoft.com/office/drawing/2014/main" id="{CD2C3A0F-964D-4B1E-93FC-D43C85D42366}"/>
-              </a:ext>
-            </a:extLst>
-          </p:cNvPr>
+            <a:endParaRPr lang="en-US" dirty="0"/>
+          </a:p>
+        </p:txBody>
+      </p:sp>
+      <p:sp>
+        <p:nvSpPr>
+          <p:cNvPr id="5" name="Text Placeholder 4"/>
           <p:cNvSpPr>
             <a:spLocks noGrp="1"/>
           </p:cNvSpPr>
@@ -1688,16 +3552,22 @@
         </p:nvSpPr>
         <p:spPr>
           <a:xfrm>
-            <a:off x="6172200" y="1681163"/>
-            <a:ext cx="5183188" cy="823912"/>
+            <a:off x="6079066" y="685800"/>
+            <a:ext cx="4665134" cy="576262"/>
           </a:xfrm>
         </p:spPr>
         <p:txBody>
-          <a:bodyPr anchor="b"/>
+          <a:bodyPr anchor="b">
+            <a:noAutofit/>
+          </a:bodyPr>
           <a:lstStyle>
             <a:lvl1pPr marL="0" indent="0">
               <a:buNone/>
-              <a:defRPr sz="2400" b="1"/>
+              <a:defRPr sz="2800" b="0">
+                <a:solidFill>
+                  <a:schemeClr val="tx1"/>
+                </a:solidFill>
+              </a:defRPr>
             </a:lvl1pPr>
             <a:lvl2pPr marL="457200" indent="0">
               <a:buNone/>
@@ -1743,13 +3613,7 @@
       </p:sp>
       <p:sp>
         <p:nvSpPr>
-          <p:cNvPr id="6" name="Tartalom helye 5">
-            <a:extLst>
-              <a:ext uri="{FF2B5EF4-FFF2-40B4-BE49-F238E27FC236}">
-                <a16:creationId xmlns:a16="http://schemas.microsoft.com/office/drawing/2014/main" id="{CDD954A4-6F19-48BD-A6BE-BB2D2D5805BB}"/>
-              </a:ext>
-            </a:extLst>
-          </p:cNvPr>
+          <p:cNvPr id="6" name="Content Placeholder 5"/>
           <p:cNvSpPr>
             <a:spLocks noGrp="1"/>
           </p:cNvSpPr>
@@ -1759,12 +3623,14 @@
         </p:nvSpPr>
         <p:spPr>
           <a:xfrm>
-            <a:off x="6172200" y="2505075"/>
-            <a:ext cx="5183188" cy="3684588"/>
+            <a:off x="5806545" y="1262062"/>
+            <a:ext cx="4929188" cy="3030538"/>
           </a:xfrm>
         </p:spPr>
         <p:txBody>
-          <a:bodyPr/>
+          <a:bodyPr anchor="t">
+            <a:normAutofit/>
+          </a:bodyPr>
           <a:lstStyle/>
           <a:p>
             <a:pPr lvl="0"/>
@@ -1800,18 +3666,13 @@
               <a:rPr lang="hu-HU"/>
               <a:t>Ötödik szint</a:t>
             </a:r>
-          </a:p>
-        </p:txBody>
-      </p:sp>
-      <p:sp>
-        <p:nvSpPr>
-          <p:cNvPr id="7" name="Dátum helye 6">
-            <a:extLst>
-              <a:ext uri="{FF2B5EF4-FFF2-40B4-BE49-F238E27FC236}">
-                <a16:creationId xmlns:a16="http://schemas.microsoft.com/office/drawing/2014/main" id="{1ECC7FE9-879E-4E34-991A-2D7DAE791112}"/>
-              </a:ext>
-            </a:extLst>
-          </p:cNvPr>
+            <a:endParaRPr lang="en-US" dirty="0"/>
+          </a:p>
+        </p:txBody>
+      </p:sp>
+      <p:sp>
+        <p:nvSpPr>
+          <p:cNvPr id="7" name="Date Placeholder 6"/>
           <p:cNvSpPr>
             <a:spLocks noGrp="1"/>
           </p:cNvSpPr>
@@ -1826,7 +3687,7 @@
           <a:p>
             <a:fld id="{BF527D72-7616-4671-866A-76F0C28AAE33}" type="datetimeFigureOut">
               <a:rPr lang="hu-HU" smtClean="0"/>
-              <a:t>2024.03.18.</a:t>
+              <a:t>2024.03.25.</a:t>
             </a:fld>
             <a:endParaRPr lang="hu-HU"/>
           </a:p>
@@ -1834,13 +3695,7 @@
       </p:sp>
       <p:sp>
         <p:nvSpPr>
-          <p:cNvPr id="8" name="Élőláb helye 7">
-            <a:extLst>
-              <a:ext uri="{FF2B5EF4-FFF2-40B4-BE49-F238E27FC236}">
-                <a16:creationId xmlns:a16="http://schemas.microsoft.com/office/drawing/2014/main" id="{A7196DA7-A505-4E85-AAAE-37F1CBDE520B}"/>
-              </a:ext>
-            </a:extLst>
-          </p:cNvPr>
+          <p:cNvPr id="8" name="Footer Placeholder 7"/>
           <p:cNvSpPr>
             <a:spLocks noGrp="1"/>
           </p:cNvSpPr>
@@ -1859,13 +3714,7 @@
       </p:sp>
       <p:sp>
         <p:nvSpPr>
-          <p:cNvPr id="9" name="Dia számának helye 8">
-            <a:extLst>
-              <a:ext uri="{FF2B5EF4-FFF2-40B4-BE49-F238E27FC236}">
-                <a16:creationId xmlns:a16="http://schemas.microsoft.com/office/drawing/2014/main" id="{BF2BE128-2A28-4630-94EF-9392B2BAC423}"/>
-              </a:ext>
-            </a:extLst>
-          </p:cNvPr>
+          <p:cNvPr id="9" name="Slide Number Placeholder 8"/>
           <p:cNvSpPr>
             <a:spLocks noGrp="1"/>
           </p:cNvSpPr>
@@ -1889,7 +3738,7 @@
     </p:spTree>
     <p:extLst>
       <p:ext uri="{BB962C8B-B14F-4D97-AF65-F5344CB8AC3E}">
-        <p14:creationId xmlns:p14="http://schemas.microsoft.com/office/powerpoint/2010/main" val="1899066368"/>
+        <p14:creationId xmlns:p14="http://schemas.microsoft.com/office/powerpoint/2010/main" val="3933257982"/>
       </p:ext>
     </p:extLst>
   </p:cSld>
@@ -1918,13 +3767,7 @@
       </p:grpSpPr>
       <p:sp>
         <p:nvSpPr>
-          <p:cNvPr id="2" name="Cím 1">
-            <a:extLst>
-              <a:ext uri="{FF2B5EF4-FFF2-40B4-BE49-F238E27FC236}">
-                <a16:creationId xmlns:a16="http://schemas.microsoft.com/office/drawing/2014/main" id="{F50995BE-8955-4E79-AB01-28ACE7B9F38E}"/>
-              </a:ext>
-            </a:extLst>
-          </p:cNvPr>
+          <p:cNvPr id="2" name="Title 1"/>
           <p:cNvSpPr>
             <a:spLocks noGrp="1"/>
           </p:cNvSpPr>
@@ -1941,18 +3784,13 @@
               <a:rPr lang="hu-HU"/>
               <a:t>Mintacím szerkesztése</a:t>
             </a:r>
-          </a:p>
-        </p:txBody>
-      </p:sp>
-      <p:sp>
-        <p:nvSpPr>
-          <p:cNvPr id="3" name="Dátum helye 2">
-            <a:extLst>
-              <a:ext uri="{FF2B5EF4-FFF2-40B4-BE49-F238E27FC236}">
-                <a16:creationId xmlns:a16="http://schemas.microsoft.com/office/drawing/2014/main" id="{B2E9AFA4-CBD4-4FBB-A035-77D59ABA5335}"/>
-              </a:ext>
-            </a:extLst>
-          </p:cNvPr>
+            <a:endParaRPr lang="en-US" dirty="0"/>
+          </a:p>
+        </p:txBody>
+      </p:sp>
+      <p:sp>
+        <p:nvSpPr>
+          <p:cNvPr id="3" name="Date Placeholder 2"/>
           <p:cNvSpPr>
             <a:spLocks noGrp="1"/>
           </p:cNvSpPr>
@@ -1967,7 +3805,7 @@
           <a:p>
             <a:fld id="{BF527D72-7616-4671-866A-76F0C28AAE33}" type="datetimeFigureOut">
               <a:rPr lang="hu-HU" smtClean="0"/>
-              <a:t>2024.03.18.</a:t>
+              <a:t>2024.03.25.</a:t>
             </a:fld>
             <a:endParaRPr lang="hu-HU"/>
           </a:p>
@@ -1975,13 +3813,7 @@
       </p:sp>
       <p:sp>
         <p:nvSpPr>
-          <p:cNvPr id="4" name="Élőláb helye 3">
-            <a:extLst>
-              <a:ext uri="{FF2B5EF4-FFF2-40B4-BE49-F238E27FC236}">
-                <a16:creationId xmlns:a16="http://schemas.microsoft.com/office/drawing/2014/main" id="{03220552-8A74-4AC9-A432-B241C4C7331C}"/>
-              </a:ext>
-            </a:extLst>
-          </p:cNvPr>
+          <p:cNvPr id="4" name="Footer Placeholder 3"/>
           <p:cNvSpPr>
             <a:spLocks noGrp="1"/>
           </p:cNvSpPr>
@@ -2000,13 +3832,7 @@
       </p:sp>
       <p:sp>
         <p:nvSpPr>
-          <p:cNvPr id="5" name="Dia számának helye 4">
-            <a:extLst>
-              <a:ext uri="{FF2B5EF4-FFF2-40B4-BE49-F238E27FC236}">
-                <a16:creationId xmlns:a16="http://schemas.microsoft.com/office/drawing/2014/main" id="{C6EB5096-AF6B-4414-8B2A-3B57C964035D}"/>
-              </a:ext>
-            </a:extLst>
-          </p:cNvPr>
+          <p:cNvPr id="5" name="Slide Number Placeholder 4"/>
           <p:cNvSpPr>
             <a:spLocks noGrp="1"/>
           </p:cNvSpPr>
@@ -2030,7 +3856,7 @@
     </p:spTree>
     <p:extLst>
       <p:ext uri="{BB962C8B-B14F-4D97-AF65-F5344CB8AC3E}">
-        <p14:creationId xmlns:p14="http://schemas.microsoft.com/office/powerpoint/2010/main" val="3042669532"/>
+        <p14:creationId xmlns:p14="http://schemas.microsoft.com/office/powerpoint/2010/main" val="4184283571"/>
       </p:ext>
     </p:extLst>
   </p:cSld>
@@ -2059,13 +3885,7 @@
       </p:grpSpPr>
       <p:sp>
         <p:nvSpPr>
-          <p:cNvPr id="2" name="Dátum helye 1">
-            <a:extLst>
-              <a:ext uri="{FF2B5EF4-FFF2-40B4-BE49-F238E27FC236}">
-                <a16:creationId xmlns:a16="http://schemas.microsoft.com/office/drawing/2014/main" id="{CDE356DB-4839-4D26-9F87-C220770D02E2}"/>
-              </a:ext>
-            </a:extLst>
-          </p:cNvPr>
+          <p:cNvPr id="2" name="Date Placeholder 1"/>
           <p:cNvSpPr>
             <a:spLocks noGrp="1"/>
           </p:cNvSpPr>
@@ -2080,7 +3900,7 @@
           <a:p>
             <a:fld id="{BF527D72-7616-4671-866A-76F0C28AAE33}" type="datetimeFigureOut">
               <a:rPr lang="hu-HU" smtClean="0"/>
-              <a:t>2024.03.18.</a:t>
+              <a:t>2024.03.25.</a:t>
             </a:fld>
             <a:endParaRPr lang="hu-HU"/>
           </a:p>
@@ -2088,13 +3908,7 @@
       </p:sp>
       <p:sp>
         <p:nvSpPr>
-          <p:cNvPr id="3" name="Élőláb helye 2">
-            <a:extLst>
-              <a:ext uri="{FF2B5EF4-FFF2-40B4-BE49-F238E27FC236}">
-                <a16:creationId xmlns:a16="http://schemas.microsoft.com/office/drawing/2014/main" id="{F57A4870-34EE-4074-9E17-B0AAB1CBA5FE}"/>
-              </a:ext>
-            </a:extLst>
-          </p:cNvPr>
+          <p:cNvPr id="3" name="Footer Placeholder 2"/>
           <p:cNvSpPr>
             <a:spLocks noGrp="1"/>
           </p:cNvSpPr>
@@ -2113,13 +3927,7 @@
       </p:sp>
       <p:sp>
         <p:nvSpPr>
-          <p:cNvPr id="4" name="Dia számának helye 3">
-            <a:extLst>
-              <a:ext uri="{FF2B5EF4-FFF2-40B4-BE49-F238E27FC236}">
-                <a16:creationId xmlns:a16="http://schemas.microsoft.com/office/drawing/2014/main" id="{2FFF1D24-CF5E-4F6D-851F-A28E0BBEC113}"/>
-              </a:ext>
-            </a:extLst>
-          </p:cNvPr>
+          <p:cNvPr id="4" name="Slide Number Placeholder 3"/>
           <p:cNvSpPr>
             <a:spLocks noGrp="1"/>
           </p:cNvSpPr>
@@ -2143,7 +3951,7 @@
     </p:spTree>
     <p:extLst>
       <p:ext uri="{BB962C8B-B14F-4D97-AF65-F5344CB8AC3E}">
-        <p14:creationId xmlns:p14="http://schemas.microsoft.com/office/powerpoint/2010/main" val="3840014443"/>
+        <p14:creationId xmlns:p14="http://schemas.microsoft.com/office/powerpoint/2010/main" val="1825899252"/>
       </p:ext>
     </p:extLst>
   </p:cSld>
@@ -2172,13 +3980,7 @@
       </p:grpSpPr>
       <p:sp>
         <p:nvSpPr>
-          <p:cNvPr id="2" name="Cím 1">
-            <a:extLst>
-              <a:ext uri="{FF2B5EF4-FFF2-40B4-BE49-F238E27FC236}">
-                <a16:creationId xmlns:a16="http://schemas.microsoft.com/office/drawing/2014/main" id="{B68A98AE-FEC6-4BB1-9188-D9F7E37CBDB6}"/>
-              </a:ext>
-            </a:extLst>
-          </p:cNvPr>
+          <p:cNvPr id="2" name="Title 1"/>
           <p:cNvSpPr>
             <a:spLocks noGrp="1"/>
           </p:cNvSpPr>
@@ -2188,15 +3990,17 @@
         </p:nvSpPr>
         <p:spPr>
           <a:xfrm>
-            <a:off x="839788" y="457200"/>
-            <a:ext cx="3932237" cy="1600200"/>
+            <a:off x="7085012" y="685800"/>
+            <a:ext cx="3657600" cy="1371600"/>
           </a:xfrm>
         </p:spPr>
         <p:txBody>
-          <a:bodyPr anchor="b"/>
+          <a:bodyPr anchor="b">
+            <a:normAutofit/>
+          </a:bodyPr>
           <a:lstStyle>
-            <a:lvl1pPr>
-              <a:defRPr sz="3200"/>
+            <a:lvl1pPr algn="l">
+              <a:defRPr sz="2400" b="0"/>
             </a:lvl1pPr>
           </a:lstStyle>
           <a:p>
@@ -2204,18 +4008,13 @@
               <a:rPr lang="hu-HU"/>
               <a:t>Mintacím szerkesztése</a:t>
             </a:r>
-          </a:p>
-        </p:txBody>
-      </p:sp>
-      <p:sp>
-        <p:nvSpPr>
-          <p:cNvPr id="3" name="Tartalom helye 2">
-            <a:extLst>
-              <a:ext uri="{FF2B5EF4-FFF2-40B4-BE49-F238E27FC236}">
-                <a16:creationId xmlns:a16="http://schemas.microsoft.com/office/drawing/2014/main" id="{926278A4-DDB0-488C-884E-18408FE599B7}"/>
-              </a:ext>
-            </a:extLst>
-          </p:cNvPr>
+            <a:endParaRPr lang="en-US" dirty="0"/>
+          </a:p>
+        </p:txBody>
+      </p:sp>
+      <p:sp>
+        <p:nvSpPr>
+          <p:cNvPr id="3" name="Content Placeholder 2"/>
           <p:cNvSpPr>
             <a:spLocks noGrp="1"/>
           </p:cNvSpPr>
@@ -2225,41 +4024,15 @@
         </p:nvSpPr>
         <p:spPr>
           <a:xfrm>
-            <a:off x="5183188" y="987425"/>
-            <a:ext cx="6172200" cy="4873625"/>
+            <a:off x="684212" y="685800"/>
+            <a:ext cx="5943601" cy="5308600"/>
           </a:xfrm>
         </p:spPr>
         <p:txBody>
-          <a:bodyPr/>
-          <a:lstStyle>
-            <a:lvl1pPr>
-              <a:defRPr sz="3200"/>
-            </a:lvl1pPr>
-            <a:lvl2pPr>
-              <a:defRPr sz="2800"/>
-            </a:lvl2pPr>
-            <a:lvl3pPr>
-              <a:defRPr sz="2400"/>
-            </a:lvl3pPr>
-            <a:lvl4pPr>
-              <a:defRPr sz="2000"/>
-            </a:lvl4pPr>
-            <a:lvl5pPr>
-              <a:defRPr sz="2000"/>
-            </a:lvl5pPr>
-            <a:lvl6pPr>
-              <a:defRPr sz="2000"/>
-            </a:lvl6pPr>
-            <a:lvl7pPr>
-              <a:defRPr sz="2000"/>
-            </a:lvl7pPr>
-            <a:lvl8pPr>
-              <a:defRPr sz="2000"/>
-            </a:lvl8pPr>
-            <a:lvl9pPr>
-              <a:defRPr sz="2000"/>
-            </a:lvl9pPr>
-          </a:lstStyle>
+          <a:bodyPr anchor="ctr">
+            <a:normAutofit/>
+          </a:bodyPr>
+          <a:lstStyle/>
           <a:p>
             <a:pPr lvl="0"/>
             <a:r>
@@ -2294,18 +4067,13 @@
               <a:rPr lang="hu-HU"/>
               <a:t>Ötödik szint</a:t>
             </a:r>
-          </a:p>
-        </p:txBody>
-      </p:sp>
-      <p:sp>
-        <p:nvSpPr>
-          <p:cNvPr id="4" name="Szöveg helye 3">
-            <a:extLst>
-              <a:ext uri="{FF2B5EF4-FFF2-40B4-BE49-F238E27FC236}">
-                <a16:creationId xmlns:a16="http://schemas.microsoft.com/office/drawing/2014/main" id="{8793AF86-1118-459B-A5CC-E63BF157794D}"/>
-              </a:ext>
-            </a:extLst>
-          </p:cNvPr>
+            <a:endParaRPr lang="en-US" dirty="0"/>
+          </a:p>
+        </p:txBody>
+      </p:sp>
+      <p:sp>
+        <p:nvSpPr>
+          <p:cNvPr id="4" name="Text Placeholder 3"/>
           <p:cNvSpPr>
             <a:spLocks noGrp="1"/>
           </p:cNvSpPr>
@@ -2315,12 +4083,14 @@
         </p:nvSpPr>
         <p:spPr>
           <a:xfrm>
-            <a:off x="839788" y="2057400"/>
-            <a:ext cx="3932237" cy="3811588"/>
+            <a:off x="7085012" y="2209799"/>
+            <a:ext cx="3657600" cy="2091267"/>
           </a:xfrm>
         </p:spPr>
         <p:txBody>
-          <a:bodyPr/>
+          <a:bodyPr anchor="t">
+            <a:normAutofit/>
+          </a:bodyPr>
           <a:lstStyle>
             <a:lvl1pPr marL="0" indent="0">
               <a:buNone/>
@@ -2328,35 +4098,35 @@
             </a:lvl1pPr>
             <a:lvl2pPr marL="457200" indent="0">
               <a:buNone/>
-              <a:defRPr sz="1400"/>
+              <a:defRPr sz="1200"/>
             </a:lvl2pPr>
             <a:lvl3pPr marL="914400" indent="0">
               <a:buNone/>
-              <a:defRPr sz="1200"/>
+              <a:defRPr sz="1000"/>
             </a:lvl3pPr>
             <a:lvl4pPr marL="1371600" indent="0">
               <a:buNone/>
-              <a:defRPr sz="1000"/>
+              <a:defRPr sz="900"/>
             </a:lvl4pPr>
             <a:lvl5pPr marL="1828800" indent="0">
               <a:buNone/>
-              <a:defRPr sz="1000"/>
+              <a:defRPr sz="900"/>
             </a:lvl5pPr>
             <a:lvl6pPr marL="2286000" indent="0">
               <a:buNone/>
-              <a:defRPr sz="1000"/>
+              <a:defRPr sz="900"/>
             </a:lvl6pPr>
             <a:lvl7pPr marL="2743200" indent="0">
               <a:buNone/>
-              <a:defRPr sz="1000"/>
+              <a:defRPr sz="900"/>
             </a:lvl7pPr>
             <a:lvl8pPr marL="3200400" indent="0">
               <a:buNone/>
-              <a:defRPr sz="1000"/>
+              <a:defRPr sz="900"/>
             </a:lvl8pPr>
             <a:lvl9pPr marL="3657600" indent="0">
               <a:buNone/>
-              <a:defRPr sz="1000"/>
+              <a:defRPr sz="900"/>
             </a:lvl9pPr>
           </a:lstStyle>
           <a:p>
@@ -2370,13 +4140,7 @@
       </p:sp>
       <p:sp>
         <p:nvSpPr>
-          <p:cNvPr id="5" name="Dátum helye 4">
-            <a:extLst>
-              <a:ext uri="{FF2B5EF4-FFF2-40B4-BE49-F238E27FC236}">
-                <a16:creationId xmlns:a16="http://schemas.microsoft.com/office/drawing/2014/main" id="{79D10CFC-0B87-4385-95D1-C31655B36C2B}"/>
-              </a:ext>
-            </a:extLst>
-          </p:cNvPr>
+          <p:cNvPr id="5" name="Date Placeholder 4"/>
           <p:cNvSpPr>
             <a:spLocks noGrp="1"/>
           </p:cNvSpPr>
@@ -2391,7 +4155,7 @@
           <a:p>
             <a:fld id="{BF527D72-7616-4671-866A-76F0C28AAE33}" type="datetimeFigureOut">
               <a:rPr lang="hu-HU" smtClean="0"/>
-              <a:t>2024.03.18.</a:t>
+              <a:t>2024.03.25.</a:t>
             </a:fld>
             <a:endParaRPr lang="hu-HU"/>
           </a:p>
@@ -2399,13 +4163,7 @@
       </p:sp>
       <p:sp>
         <p:nvSpPr>
-          <p:cNvPr id="6" name="Élőláb helye 5">
-            <a:extLst>
-              <a:ext uri="{FF2B5EF4-FFF2-40B4-BE49-F238E27FC236}">
-                <a16:creationId xmlns:a16="http://schemas.microsoft.com/office/drawing/2014/main" id="{372DC925-952F-44F0-BD8F-6851741AAA96}"/>
-              </a:ext>
-            </a:extLst>
-          </p:cNvPr>
+          <p:cNvPr id="6" name="Footer Placeholder 5"/>
           <p:cNvSpPr>
             <a:spLocks noGrp="1"/>
           </p:cNvSpPr>
@@ -2424,13 +4182,7 @@
       </p:sp>
       <p:sp>
         <p:nvSpPr>
-          <p:cNvPr id="7" name="Dia számának helye 6">
-            <a:extLst>
-              <a:ext uri="{FF2B5EF4-FFF2-40B4-BE49-F238E27FC236}">
-                <a16:creationId xmlns:a16="http://schemas.microsoft.com/office/drawing/2014/main" id="{33ED855A-5530-424B-B156-078099B6C186}"/>
-              </a:ext>
-            </a:extLst>
-          </p:cNvPr>
+          <p:cNvPr id="7" name="Slide Number Placeholder 6"/>
           <p:cNvSpPr>
             <a:spLocks noGrp="1"/>
           </p:cNvSpPr>
@@ -2454,7 +4206,7 @@
     </p:spTree>
     <p:extLst>
       <p:ext uri="{BB962C8B-B14F-4D97-AF65-F5344CB8AC3E}">
-        <p14:creationId xmlns:p14="http://schemas.microsoft.com/office/powerpoint/2010/main" val="3694579727"/>
+        <p14:creationId xmlns:p14="http://schemas.microsoft.com/office/powerpoint/2010/main" val="1099153534"/>
       </p:ext>
     </p:extLst>
   </p:cSld>
@@ -2483,13 +4235,7 @@
       </p:grpSpPr>
       <p:sp>
         <p:nvSpPr>
-          <p:cNvPr id="2" name="Cím 1">
-            <a:extLst>
-              <a:ext uri="{FF2B5EF4-FFF2-40B4-BE49-F238E27FC236}">
-                <a16:creationId xmlns:a16="http://schemas.microsoft.com/office/drawing/2014/main" id="{0F40E365-7526-4548-9ABF-F5406B5D92C3}"/>
-              </a:ext>
-            </a:extLst>
-          </p:cNvPr>
+          <p:cNvPr id="2" name="Title 1"/>
           <p:cNvSpPr>
             <a:spLocks noGrp="1"/>
           </p:cNvSpPr>
@@ -2499,15 +4245,17 @@
         </p:nvSpPr>
         <p:spPr>
           <a:xfrm>
-            <a:off x="839788" y="457200"/>
-            <a:ext cx="3932237" cy="1600200"/>
+            <a:off x="4722812" y="1447800"/>
+            <a:ext cx="6019800" cy="1143000"/>
           </a:xfrm>
         </p:spPr>
         <p:txBody>
-          <a:bodyPr anchor="b"/>
+          <a:bodyPr anchor="b">
+            <a:normAutofit/>
+          </a:bodyPr>
           <a:lstStyle>
-            <a:lvl1pPr>
-              <a:defRPr sz="3200"/>
+            <a:lvl1pPr algn="l">
+              <a:defRPr sz="2800" b="0"/>
             </a:lvl1pPr>
           </a:lstStyle>
           <a:p>
@@ -2515,20 +4263,15 @@
               <a:rPr lang="hu-HU"/>
               <a:t>Mintacím szerkesztése</a:t>
             </a:r>
-          </a:p>
-        </p:txBody>
-      </p:sp>
-      <p:sp>
-        <p:nvSpPr>
-          <p:cNvPr id="3" name="Kép helye 2">
-            <a:extLst>
-              <a:ext uri="{FF2B5EF4-FFF2-40B4-BE49-F238E27FC236}">
-                <a16:creationId xmlns:a16="http://schemas.microsoft.com/office/drawing/2014/main" id="{540E9A8B-0461-4866-A884-7DF9324A886F}"/>
-              </a:ext>
-            </a:extLst>
-          </p:cNvPr>
-          <p:cNvSpPr>
-            <a:spLocks noGrp="1"/>
+            <a:endParaRPr lang="en-US" dirty="0"/>
+          </a:p>
+        </p:txBody>
+      </p:sp>
+      <p:sp>
+        <p:nvSpPr>
+          <p:cNvPr id="14" name="Picture Placeholder 2"/>
+          <p:cNvSpPr>
+            <a:spLocks noGrp="1" noChangeAspect="1"/>
           </p:cNvSpPr>
           <p:nvPr>
             <p:ph type="pic" idx="1"/>
@@ -2536,118 +4279,140 @@
         </p:nvSpPr>
         <p:spPr>
           <a:xfrm>
-            <a:off x="5183188" y="987425"/>
-            <a:ext cx="6172200" cy="4873625"/>
+            <a:off x="989012" y="914400"/>
+            <a:ext cx="3280974" cy="4572000"/>
           </a:xfrm>
+          <a:prstGeom prst="snip2DiagRect">
+            <a:avLst>
+              <a:gd name="adj1" fmla="val 10815"/>
+              <a:gd name="adj2" fmla="val 0"/>
+            </a:avLst>
+          </a:prstGeom>
+          <a:ln w="15875">
+            <a:solidFill>
+              <a:schemeClr val="tx1">
+                <a:alpha val="40000"/>
+              </a:schemeClr>
+            </a:solidFill>
+          </a:ln>
+          <a:effectLst>
+            <a:innerShdw blurRad="57150" dist="38100" dir="14460000">
+              <a:srgbClr val="000000">
+                <a:alpha val="70000"/>
+              </a:srgbClr>
+            </a:innerShdw>
+          </a:effectLst>
         </p:spPr>
         <p:txBody>
-          <a:bodyPr/>
+          <a:bodyPr anchor="t">
+            <a:normAutofit/>
+          </a:bodyPr>
           <a:lstStyle>
-            <a:lvl1pPr marL="0" indent="0">
-              <a:buNone/>
-              <a:defRPr sz="3200"/>
-            </a:lvl1pPr>
-            <a:lvl2pPr marL="457200" indent="0">
-              <a:buNone/>
-              <a:defRPr sz="2800"/>
-            </a:lvl2pPr>
-            <a:lvl3pPr marL="914400" indent="0">
-              <a:buNone/>
-              <a:defRPr sz="2400"/>
-            </a:lvl3pPr>
-            <a:lvl4pPr marL="1371600" indent="0">
-              <a:buNone/>
-              <a:defRPr sz="2000"/>
-            </a:lvl4pPr>
-            <a:lvl5pPr marL="1828800" indent="0">
-              <a:buNone/>
-              <a:defRPr sz="2000"/>
-            </a:lvl5pPr>
-            <a:lvl6pPr marL="2286000" indent="0">
-              <a:buNone/>
-              <a:defRPr sz="2000"/>
-            </a:lvl6pPr>
-            <a:lvl7pPr marL="2743200" indent="0">
-              <a:buNone/>
-              <a:defRPr sz="2000"/>
-            </a:lvl7pPr>
-            <a:lvl8pPr marL="3200400" indent="0">
-              <a:buNone/>
-              <a:defRPr sz="2000"/>
-            </a:lvl8pPr>
-            <a:lvl9pPr marL="3657600" indent="0">
-              <a:buNone/>
-              <a:defRPr sz="2000"/>
-            </a:lvl9pPr>
-          </a:lstStyle>
-          <a:p>
-            <a:endParaRPr lang="hu-HU"/>
-          </a:p>
-        </p:txBody>
-      </p:sp>
-      <p:sp>
-        <p:nvSpPr>
-          <p:cNvPr id="4" name="Szöveg helye 3">
-            <a:extLst>
-              <a:ext uri="{FF2B5EF4-FFF2-40B4-BE49-F238E27FC236}">
-                <a16:creationId xmlns:a16="http://schemas.microsoft.com/office/drawing/2014/main" id="{143F35EB-7967-4D53-BC14-00B7288DEC7E}"/>
-              </a:ext>
-            </a:extLst>
-          </p:cNvPr>
-          <p:cNvSpPr>
-            <a:spLocks noGrp="1"/>
-          </p:cNvSpPr>
-          <p:nvPr>
-            <p:ph type="body" sz="half" idx="2"/>
-          </p:nvPr>
-        </p:nvSpPr>
-        <p:spPr>
-          <a:xfrm>
-            <a:off x="839788" y="2057400"/>
-            <a:ext cx="3932237" cy="3811588"/>
-          </a:xfrm>
-        </p:spPr>
-        <p:txBody>
-          <a:bodyPr/>
-          <a:lstStyle>
-            <a:lvl1pPr marL="0" indent="0">
+            <a:lvl1pPr marL="0" indent="0" algn="ctr">
               <a:buNone/>
               <a:defRPr sz="1600"/>
             </a:lvl1pPr>
             <a:lvl2pPr marL="457200" indent="0">
               <a:buNone/>
-              <a:defRPr sz="1400"/>
+              <a:defRPr sz="1600"/>
             </a:lvl2pPr>
             <a:lvl3pPr marL="914400" indent="0">
               <a:buNone/>
-              <a:defRPr sz="1200"/>
+              <a:defRPr sz="1600"/>
             </a:lvl3pPr>
             <a:lvl4pPr marL="1371600" indent="0">
               <a:buNone/>
-              <a:defRPr sz="1000"/>
+              <a:defRPr sz="1600"/>
             </a:lvl4pPr>
             <a:lvl5pPr marL="1828800" indent="0">
               <a:buNone/>
-              <a:defRPr sz="1000"/>
+              <a:defRPr sz="1600"/>
             </a:lvl5pPr>
             <a:lvl6pPr marL="2286000" indent="0">
               <a:buNone/>
-              <a:defRPr sz="1000"/>
+              <a:defRPr sz="1600"/>
             </a:lvl6pPr>
             <a:lvl7pPr marL="2743200" indent="0">
               <a:buNone/>
-              <a:defRPr sz="1000"/>
+              <a:defRPr sz="1600"/>
             </a:lvl7pPr>
             <a:lvl8pPr marL="3200400" indent="0">
               <a:buNone/>
-              <a:defRPr sz="1000"/>
+              <a:defRPr sz="1600"/>
             </a:lvl8pPr>
             <a:lvl9pPr marL="3657600" indent="0">
               <a:buNone/>
-              <a:defRPr sz="1000"/>
+              <a:defRPr sz="1600"/>
             </a:lvl9pPr>
           </a:lstStyle>
           <a:p>
+            <a:r>
+              <a:rPr lang="hu-HU"/>
+              <a:t>Kép beszúrásához kattintson az ikonra</a:t>
+            </a:r>
+            <a:endParaRPr lang="en-US" dirty="0"/>
+          </a:p>
+        </p:txBody>
+      </p:sp>
+      <p:sp>
+        <p:nvSpPr>
+          <p:cNvPr id="4" name="Text Placeholder 3"/>
+          <p:cNvSpPr>
+            <a:spLocks noGrp="1"/>
+          </p:cNvSpPr>
+          <p:nvPr>
+            <p:ph type="body" sz="half" idx="2"/>
+          </p:nvPr>
+        </p:nvSpPr>
+        <p:spPr>
+          <a:xfrm>
+            <a:off x="4722812" y="2777066"/>
+            <a:ext cx="6021388" cy="2048933"/>
+          </a:xfrm>
+        </p:spPr>
+        <p:txBody>
+          <a:bodyPr anchor="t">
+            <a:normAutofit/>
+          </a:bodyPr>
+          <a:lstStyle>
+            <a:lvl1pPr marL="0" indent="0">
+              <a:buNone/>
+              <a:defRPr sz="1800"/>
+            </a:lvl1pPr>
+            <a:lvl2pPr marL="457200" indent="0">
+              <a:buNone/>
+              <a:defRPr sz="1200"/>
+            </a:lvl2pPr>
+            <a:lvl3pPr marL="914400" indent="0">
+              <a:buNone/>
+              <a:defRPr sz="1000"/>
+            </a:lvl3pPr>
+            <a:lvl4pPr marL="1371600" indent="0">
+              <a:buNone/>
+              <a:defRPr sz="900"/>
+            </a:lvl4pPr>
+            <a:lvl5pPr marL="1828800" indent="0">
+              <a:buNone/>
+              <a:defRPr sz="900"/>
+            </a:lvl5pPr>
+            <a:lvl6pPr marL="2286000" indent="0">
+              <a:buNone/>
+              <a:defRPr sz="900"/>
+            </a:lvl6pPr>
+            <a:lvl7pPr marL="2743200" indent="0">
+              <a:buNone/>
+              <a:defRPr sz="900"/>
+            </a:lvl7pPr>
+            <a:lvl8pPr marL="3200400" indent="0">
+              <a:buNone/>
+              <a:defRPr sz="900"/>
+            </a:lvl8pPr>
+            <a:lvl9pPr marL="3657600" indent="0">
+              <a:buNone/>
+              <a:defRPr sz="900"/>
+            </a:lvl9pPr>
+          </a:lstStyle>
+          <a:p>
             <a:pPr lvl="0"/>
             <a:r>
               <a:rPr lang="hu-HU"/>
@@ -2658,13 +4423,7 @@
       </p:sp>
       <p:sp>
         <p:nvSpPr>
-          <p:cNvPr id="5" name="Dátum helye 4">
-            <a:extLst>
-              <a:ext uri="{FF2B5EF4-FFF2-40B4-BE49-F238E27FC236}">
-                <a16:creationId xmlns:a16="http://schemas.microsoft.com/office/drawing/2014/main" id="{4BB85D2B-A74E-4EA7-93C3-F82F852DB3B1}"/>
-              </a:ext>
-            </a:extLst>
-          </p:cNvPr>
+          <p:cNvPr id="5" name="Date Placeholder 4"/>
           <p:cNvSpPr>
             <a:spLocks noGrp="1"/>
           </p:cNvSpPr>
@@ -2679,7 +4438,7 @@
           <a:p>
             <a:fld id="{BF527D72-7616-4671-866A-76F0C28AAE33}" type="datetimeFigureOut">
               <a:rPr lang="hu-HU" smtClean="0"/>
-              <a:t>2024.03.18.</a:t>
+              <a:t>2024.03.25.</a:t>
             </a:fld>
             <a:endParaRPr lang="hu-HU"/>
           </a:p>
@@ -2687,13 +4446,7 @@
       </p:sp>
       <p:sp>
         <p:nvSpPr>
-          <p:cNvPr id="6" name="Élőláb helye 5">
-            <a:extLst>
-              <a:ext uri="{FF2B5EF4-FFF2-40B4-BE49-F238E27FC236}">
-                <a16:creationId xmlns:a16="http://schemas.microsoft.com/office/drawing/2014/main" id="{D3638A7F-6309-489B-943D-51D3A2032696}"/>
-              </a:ext>
-            </a:extLst>
-          </p:cNvPr>
+          <p:cNvPr id="6" name="Footer Placeholder 5"/>
           <p:cNvSpPr>
             <a:spLocks noGrp="1"/>
           </p:cNvSpPr>
@@ -2712,13 +4465,7 @@
       </p:sp>
       <p:sp>
         <p:nvSpPr>
-          <p:cNvPr id="7" name="Dia számának helye 6">
-            <a:extLst>
-              <a:ext uri="{FF2B5EF4-FFF2-40B4-BE49-F238E27FC236}">
-                <a16:creationId xmlns:a16="http://schemas.microsoft.com/office/drawing/2014/main" id="{75C919CC-8F04-4C59-90BA-5ACA98C9A3B1}"/>
-              </a:ext>
-            </a:extLst>
-          </p:cNvPr>
+          <p:cNvPr id="7" name="Slide Number Placeholder 6"/>
           <p:cNvSpPr>
             <a:spLocks noGrp="1"/>
           </p:cNvSpPr>
@@ -2742,7 +4489,7 @@
     </p:spTree>
     <p:extLst>
       <p:ext uri="{BB962C8B-B14F-4D97-AF65-F5344CB8AC3E}">
-        <p14:creationId xmlns:p14="http://schemas.microsoft.com/office/powerpoint/2010/main" val="3643595806"/>
+        <p14:creationId xmlns:p14="http://schemas.microsoft.com/office/powerpoint/2010/main" val="534744142"/>
       </p:ext>
     </p:extLst>
   </p:cSld>
@@ -2756,8 +4503,8 @@
 <p:sldMaster xmlns:a="http://schemas.openxmlformats.org/drawingml/2006/main" xmlns:r="http://schemas.openxmlformats.org/officeDocument/2006/relationships" xmlns:p="http://schemas.openxmlformats.org/presentationml/2006/main">
   <p:cSld>
     <p:bg>
-      <p:bgRef idx="1001">
-        <a:schemeClr val="bg1"/>
+      <p:bgRef idx="1002">
+        <a:schemeClr val="bg2"/>
       </p:bgRef>
     </p:bg>
     <p:spTree>
@@ -2774,15 +4521,199 @@
           <a:chExt cx="0" cy="0"/>
         </a:xfrm>
       </p:grpSpPr>
-      <p:sp>
-        <p:nvSpPr>
-          <p:cNvPr id="2" name="Cím helye 1">
-            <a:extLst>
-              <a:ext uri="{FF2B5EF4-FFF2-40B4-BE49-F238E27FC236}">
-                <a16:creationId xmlns:a16="http://schemas.microsoft.com/office/drawing/2014/main" id="{7D693C04-F265-417D-882A-25CEAAB67D8F}"/>
-              </a:ext>
-            </a:extLst>
-          </p:cNvPr>
+      <p:grpSp>
+        <p:nvGrpSpPr>
+          <p:cNvPr id="7" name="Group 6"/>
+          <p:cNvGrpSpPr/>
+          <p:nvPr/>
+        </p:nvGrpSpPr>
+        <p:grpSpPr>
+          <a:xfrm>
+            <a:off x="9206969" y="2963333"/>
+            <a:ext cx="2981858" cy="3208867"/>
+            <a:chOff x="9206969" y="2963333"/>
+            <a:chExt cx="2981858" cy="3208867"/>
+          </a:xfrm>
+        </p:grpSpPr>
+        <p:cxnSp>
+          <p:nvCxnSpPr>
+            <p:cNvPr id="8" name="Straight Connector 7"/>
+            <p:cNvCxnSpPr/>
+            <p:nvPr/>
+          </p:nvCxnSpPr>
+          <p:spPr>
+            <a:xfrm flipH="1">
+              <a:off x="11276012" y="2963333"/>
+              <a:ext cx="912814" cy="912812"/>
+            </a:xfrm>
+            <a:prstGeom prst="line">
+              <a:avLst/>
+            </a:prstGeom>
+            <a:ln w="9525">
+              <a:solidFill>
+                <a:schemeClr val="tx1"/>
+              </a:solidFill>
+            </a:ln>
+          </p:spPr>
+          <p:style>
+            <a:lnRef idx="2">
+              <a:schemeClr val="accent1"/>
+            </a:lnRef>
+            <a:fillRef idx="0">
+              <a:schemeClr val="accent1"/>
+            </a:fillRef>
+            <a:effectRef idx="1">
+              <a:schemeClr val="accent1"/>
+            </a:effectRef>
+            <a:fontRef idx="minor">
+              <a:schemeClr val="tx1"/>
+            </a:fontRef>
+          </p:style>
+        </p:cxnSp>
+        <p:cxnSp>
+          <p:nvCxnSpPr>
+            <p:cNvPr id="9" name="Straight Connector 8"/>
+            <p:cNvCxnSpPr/>
+            <p:nvPr/>
+          </p:nvCxnSpPr>
+          <p:spPr>
+            <a:xfrm flipH="1">
+              <a:off x="9206969" y="3190344"/>
+              <a:ext cx="2981857" cy="2981856"/>
+            </a:xfrm>
+            <a:prstGeom prst="line">
+              <a:avLst/>
+            </a:prstGeom>
+            <a:ln w="9525">
+              <a:solidFill>
+                <a:schemeClr val="tx1"/>
+              </a:solidFill>
+            </a:ln>
+          </p:spPr>
+          <p:style>
+            <a:lnRef idx="2">
+              <a:schemeClr val="accent1"/>
+            </a:lnRef>
+            <a:fillRef idx="0">
+              <a:schemeClr val="accent1"/>
+            </a:fillRef>
+            <a:effectRef idx="1">
+              <a:schemeClr val="accent1"/>
+            </a:effectRef>
+            <a:fontRef idx="minor">
+              <a:schemeClr val="tx1"/>
+            </a:fontRef>
+          </p:style>
+        </p:cxnSp>
+        <p:cxnSp>
+          <p:nvCxnSpPr>
+            <p:cNvPr id="10" name="Straight Connector 9"/>
+            <p:cNvCxnSpPr/>
+            <p:nvPr/>
+          </p:nvCxnSpPr>
+          <p:spPr>
+            <a:xfrm flipH="1">
+              <a:off x="10292292" y="3285067"/>
+              <a:ext cx="1896534" cy="1896533"/>
+            </a:xfrm>
+            <a:prstGeom prst="line">
+              <a:avLst/>
+            </a:prstGeom>
+            <a:ln w="9525">
+              <a:solidFill>
+                <a:schemeClr val="tx1"/>
+              </a:solidFill>
+            </a:ln>
+          </p:spPr>
+          <p:style>
+            <a:lnRef idx="2">
+              <a:schemeClr val="accent1"/>
+            </a:lnRef>
+            <a:fillRef idx="0">
+              <a:schemeClr val="accent1"/>
+            </a:fillRef>
+            <a:effectRef idx="1">
+              <a:schemeClr val="accent1"/>
+            </a:effectRef>
+            <a:fontRef idx="minor">
+              <a:schemeClr val="tx1"/>
+            </a:fontRef>
+          </p:style>
+        </p:cxnSp>
+        <p:cxnSp>
+          <p:nvCxnSpPr>
+            <p:cNvPr id="11" name="Straight Connector 10"/>
+            <p:cNvCxnSpPr/>
+            <p:nvPr/>
+          </p:nvCxnSpPr>
+          <p:spPr>
+            <a:xfrm flipH="1">
+              <a:off x="10443103" y="3131080"/>
+              <a:ext cx="1745722" cy="1745720"/>
+            </a:xfrm>
+            <a:prstGeom prst="line">
+              <a:avLst/>
+            </a:prstGeom>
+            <a:ln w="28575">
+              <a:solidFill>
+                <a:schemeClr val="tx1"/>
+              </a:solidFill>
+            </a:ln>
+          </p:spPr>
+          <p:style>
+            <a:lnRef idx="2">
+              <a:schemeClr val="accent1"/>
+            </a:lnRef>
+            <a:fillRef idx="0">
+              <a:schemeClr val="accent1"/>
+            </a:fillRef>
+            <a:effectRef idx="1">
+              <a:schemeClr val="accent1"/>
+            </a:effectRef>
+            <a:fontRef idx="minor">
+              <a:schemeClr val="tx1"/>
+            </a:fontRef>
+          </p:style>
+        </p:cxnSp>
+        <p:cxnSp>
+          <p:nvCxnSpPr>
+            <p:cNvPr id="12" name="Straight Connector 11"/>
+            <p:cNvCxnSpPr/>
+            <p:nvPr/>
+          </p:nvCxnSpPr>
+          <p:spPr>
+            <a:xfrm flipH="1">
+              <a:off x="10918826" y="3683001"/>
+              <a:ext cx="1270001" cy="1269999"/>
+            </a:xfrm>
+            <a:prstGeom prst="line">
+              <a:avLst/>
+            </a:prstGeom>
+            <a:ln w="28575">
+              <a:solidFill>
+                <a:schemeClr val="tx1"/>
+              </a:solidFill>
+            </a:ln>
+          </p:spPr>
+          <p:style>
+            <a:lnRef idx="2">
+              <a:schemeClr val="accent1"/>
+            </a:lnRef>
+            <a:fillRef idx="0">
+              <a:schemeClr val="accent1"/>
+            </a:fillRef>
+            <a:effectRef idx="1">
+              <a:schemeClr val="accent1"/>
+            </a:effectRef>
+            <a:fontRef idx="minor">
+              <a:schemeClr val="tx1"/>
+            </a:fontRef>
+          </p:style>
+        </p:cxnSp>
+      </p:grpSp>
+      <p:sp>
+        <p:nvSpPr>
+          <p:cNvPr id="2" name="Title Placeholder 1"/>
           <p:cNvSpPr>
             <a:spLocks noGrp="1"/>
           </p:cNvSpPr>
@@ -2792,8 +4723,42 @@
         </p:nvSpPr>
         <p:spPr>
           <a:xfrm>
-            <a:off x="838200" y="365125"/>
-            <a:ext cx="10515600" cy="1325563"/>
+            <a:off x="684212" y="4487332"/>
+            <a:ext cx="8534400" cy="1507067"/>
+          </a:xfrm>
+          <a:prstGeom prst="rect">
+            <a:avLst/>
+          </a:prstGeom>
+          <a:effectLst/>
+        </p:spPr>
+        <p:txBody>
+          <a:bodyPr vert="horz" lIns="91440" tIns="45720" rIns="91440" bIns="45720" rtlCol="0" anchor="ctr">
+            <a:normAutofit/>
+          </a:bodyPr>
+          <a:lstStyle/>
+          <a:p>
+            <a:r>
+              <a:rPr lang="hu-HU"/>
+              <a:t>Mintacím szerkesztése</a:t>
+            </a:r>
+            <a:endParaRPr lang="en-US" dirty="0"/>
+          </a:p>
+        </p:txBody>
+      </p:sp>
+      <p:sp>
+        <p:nvSpPr>
+          <p:cNvPr id="3" name="Text Placeholder 2"/>
+          <p:cNvSpPr>
+            <a:spLocks noGrp="1"/>
+          </p:cNvSpPr>
+          <p:nvPr>
+            <p:ph type="body" idx="1"/>
+          </p:nvPr>
+        </p:nvSpPr>
+        <p:spPr>
+          <a:xfrm>
+            <a:off x="684212" y="685800"/>
+            <a:ext cx="8534400" cy="3615267"/>
           </a:xfrm>
           <a:prstGeom prst="rect">
             <a:avLst/>
@@ -2805,205 +4770,156 @@
           </a:bodyPr>
           <a:lstStyle/>
           <a:p>
+            <a:pPr lvl="0"/>
             <a:r>
               <a:rPr lang="hu-HU"/>
-              <a:t>Mintacím szerkesztése</a:t>
-            </a:r>
-          </a:p>
-        </p:txBody>
-      </p:sp>
-      <p:sp>
-        <p:nvSpPr>
-          <p:cNvPr id="3" name="Szöveg helye 2">
-            <a:extLst>
-              <a:ext uri="{FF2B5EF4-FFF2-40B4-BE49-F238E27FC236}">
-                <a16:creationId xmlns:a16="http://schemas.microsoft.com/office/drawing/2014/main" id="{30902CAA-4B2A-4467-A869-F0B847102FCD}"/>
-              </a:ext>
-            </a:extLst>
-          </p:cNvPr>
-          <p:cNvSpPr>
-            <a:spLocks noGrp="1"/>
-          </p:cNvSpPr>
-          <p:nvPr>
-            <p:ph type="body" idx="1"/>
+              <a:t>Mintaszöveg szerkesztése</a:t>
+            </a:r>
+          </a:p>
+          <a:p>
+            <a:pPr lvl="1"/>
+            <a:r>
+              <a:rPr lang="hu-HU"/>
+              <a:t>Második szint</a:t>
+            </a:r>
+          </a:p>
+          <a:p>
+            <a:pPr lvl="2"/>
+            <a:r>
+              <a:rPr lang="hu-HU"/>
+              <a:t>Harmadik szint</a:t>
+            </a:r>
+          </a:p>
+          <a:p>
+            <a:pPr lvl="3"/>
+            <a:r>
+              <a:rPr lang="hu-HU"/>
+              <a:t>Negyedik szint</a:t>
+            </a:r>
+          </a:p>
+          <a:p>
+            <a:pPr lvl="4"/>
+            <a:r>
+              <a:rPr lang="hu-HU"/>
+              <a:t>Ötödik szint</a:t>
+            </a:r>
+            <a:endParaRPr lang="en-US" dirty="0"/>
+          </a:p>
+        </p:txBody>
+      </p:sp>
+      <p:sp>
+        <p:nvSpPr>
+          <p:cNvPr id="4" name="Date Placeholder 3"/>
+          <p:cNvSpPr>
+            <a:spLocks noGrp="1"/>
+          </p:cNvSpPr>
+          <p:nvPr>
+            <p:ph type="dt" sz="half" idx="2"/>
           </p:nvPr>
         </p:nvSpPr>
         <p:spPr>
           <a:xfrm>
-            <a:off x="838200" y="1825625"/>
-            <a:ext cx="10515600" cy="4351338"/>
+            <a:off x="9904412" y="6172200"/>
+            <a:ext cx="1600200" cy="365125"/>
           </a:xfrm>
           <a:prstGeom prst="rect">
             <a:avLst/>
           </a:prstGeom>
         </p:spPr>
         <p:txBody>
-          <a:bodyPr vert="horz" lIns="91440" tIns="45720" rIns="91440" bIns="45720" rtlCol="0">
-            <a:normAutofit/>
-          </a:bodyPr>
-          <a:lstStyle/>
-          <a:p>
-            <a:pPr lvl="0"/>
-            <a:r>
-              <a:rPr lang="hu-HU"/>
-              <a:t>Mintaszöveg szerkesztése</a:t>
-            </a:r>
-          </a:p>
-          <a:p>
-            <a:pPr lvl="1"/>
-            <a:r>
-              <a:rPr lang="hu-HU"/>
-              <a:t>Második szint</a:t>
-            </a:r>
-          </a:p>
-          <a:p>
-            <a:pPr lvl="2"/>
-            <a:r>
-              <a:rPr lang="hu-HU"/>
-              <a:t>Harmadik szint</a:t>
-            </a:r>
-          </a:p>
-          <a:p>
-            <a:pPr lvl="3"/>
-            <a:r>
-              <a:rPr lang="hu-HU"/>
-              <a:t>Negyedik szint</a:t>
-            </a:r>
-          </a:p>
-          <a:p>
-            <a:pPr lvl="4"/>
-            <a:r>
-              <a:rPr lang="hu-HU"/>
-              <a:t>Ötödik szint</a:t>
-            </a:r>
-          </a:p>
-        </p:txBody>
-      </p:sp>
-      <p:sp>
-        <p:nvSpPr>
-          <p:cNvPr id="4" name="Dátum helye 3">
-            <a:extLst>
-              <a:ext uri="{FF2B5EF4-FFF2-40B4-BE49-F238E27FC236}">
-                <a16:creationId xmlns:a16="http://schemas.microsoft.com/office/drawing/2014/main" id="{9456273C-43DE-4064-9340-21B1AF9569CA}"/>
-              </a:ext>
-            </a:extLst>
-          </p:cNvPr>
-          <p:cNvSpPr>
-            <a:spLocks noGrp="1"/>
-          </p:cNvSpPr>
-          <p:nvPr>
-            <p:ph type="dt" sz="half" idx="2"/>
+          <a:bodyPr vert="horz" lIns="91440" tIns="45720" rIns="91440" bIns="45720" rtlCol="0" anchor="t"/>
+          <a:lstStyle>
+            <a:lvl1pPr algn="r">
+              <a:defRPr sz="1000" b="0" i="0">
+                <a:solidFill>
+                  <a:schemeClr val="bg2">
+                    <a:lumMod val="50000"/>
+                  </a:schemeClr>
+                </a:solidFill>
+                <a:effectLst/>
+                <a:latin typeface="+mn-lt"/>
+              </a:defRPr>
+            </a:lvl1pPr>
+          </a:lstStyle>
+          <a:p>
+            <a:fld id="{BF527D72-7616-4671-866A-76F0C28AAE33}" type="datetimeFigureOut">
+              <a:rPr lang="hu-HU" smtClean="0"/>
+              <a:t>2024.03.25.</a:t>
+            </a:fld>
+            <a:endParaRPr lang="hu-HU"/>
+          </a:p>
+        </p:txBody>
+      </p:sp>
+      <p:sp>
+        <p:nvSpPr>
+          <p:cNvPr id="5" name="Footer Placeholder 4"/>
+          <p:cNvSpPr>
+            <a:spLocks noGrp="1"/>
+          </p:cNvSpPr>
+          <p:nvPr>
+            <p:ph type="ftr" sz="quarter" idx="3"/>
           </p:nvPr>
         </p:nvSpPr>
         <p:spPr>
           <a:xfrm>
-            <a:off x="838200" y="6356350"/>
-            <a:ext cx="2743200" cy="365125"/>
+            <a:off x="684212" y="6172200"/>
+            <a:ext cx="7543800" cy="365125"/>
           </a:xfrm>
           <a:prstGeom prst="rect">
             <a:avLst/>
           </a:prstGeom>
         </p:spPr>
         <p:txBody>
-          <a:bodyPr vert="horz" lIns="91440" tIns="45720" rIns="91440" bIns="45720" rtlCol="0" anchor="ctr"/>
+          <a:bodyPr vert="horz" lIns="91440" tIns="45720" rIns="91440" bIns="45720" rtlCol="0" anchor="t"/>
           <a:lstStyle>
             <a:lvl1pPr algn="l">
-              <a:defRPr sz="1200">
-                <a:solidFill>
-                  <a:schemeClr val="tx1">
-                    <a:tint val="75000"/>
+              <a:defRPr sz="1000" b="0" i="0">
+                <a:solidFill>
+                  <a:schemeClr val="bg2">
+                    <a:lumMod val="50000"/>
                   </a:schemeClr>
                 </a:solidFill>
+                <a:effectLst/>
+                <a:latin typeface="+mn-lt"/>
               </a:defRPr>
             </a:lvl1pPr>
           </a:lstStyle>
           <a:p>
-            <a:fld id="{BF527D72-7616-4671-866A-76F0C28AAE33}" type="datetimeFigureOut">
-              <a:rPr lang="hu-HU" smtClean="0"/>
-              <a:t>2024.03.18.</a:t>
-            </a:fld>
             <a:endParaRPr lang="hu-HU"/>
           </a:p>
         </p:txBody>
       </p:sp>
       <p:sp>
         <p:nvSpPr>
-          <p:cNvPr id="5" name="Élőláb helye 4">
-            <a:extLst>
-              <a:ext uri="{FF2B5EF4-FFF2-40B4-BE49-F238E27FC236}">
-                <a16:creationId xmlns:a16="http://schemas.microsoft.com/office/drawing/2014/main" id="{A660CA00-B2EF-4271-848A-BD89132B4332}"/>
-              </a:ext>
-            </a:extLst>
-          </p:cNvPr>
-          <p:cNvSpPr>
-            <a:spLocks noGrp="1"/>
-          </p:cNvSpPr>
-          <p:nvPr>
-            <p:ph type="ftr" sz="quarter" idx="3"/>
+          <p:cNvPr id="6" name="Slide Number Placeholder 5"/>
+          <p:cNvSpPr>
+            <a:spLocks noGrp="1"/>
+          </p:cNvSpPr>
+          <p:nvPr>
+            <p:ph type="sldNum" sz="quarter" idx="4"/>
           </p:nvPr>
         </p:nvSpPr>
         <p:spPr>
           <a:xfrm>
-            <a:off x="4038600" y="6356350"/>
-            <a:ext cx="4114800" cy="365125"/>
+            <a:off x="10363200" y="5578475"/>
+            <a:ext cx="1142245" cy="669925"/>
           </a:xfrm>
           <a:prstGeom prst="rect">
             <a:avLst/>
           </a:prstGeom>
         </p:spPr>
         <p:txBody>
-          <a:bodyPr vert="horz" lIns="91440" tIns="45720" rIns="91440" bIns="45720" rtlCol="0" anchor="ctr"/>
-          <a:lstStyle>
-            <a:lvl1pPr algn="ctr">
-              <a:defRPr sz="1200">
-                <a:solidFill>
-                  <a:schemeClr val="tx1">
-                    <a:tint val="75000"/>
-                  </a:schemeClr>
-                </a:solidFill>
-              </a:defRPr>
-            </a:lvl1pPr>
-          </a:lstStyle>
-          <a:p>
-            <a:endParaRPr lang="hu-HU"/>
-          </a:p>
-        </p:txBody>
-      </p:sp>
-      <p:sp>
-        <p:nvSpPr>
-          <p:cNvPr id="6" name="Dia számának helye 5">
-            <a:extLst>
-              <a:ext uri="{FF2B5EF4-FFF2-40B4-BE49-F238E27FC236}">
-                <a16:creationId xmlns:a16="http://schemas.microsoft.com/office/drawing/2014/main" id="{8EE57C55-F954-4011-801F-197B87A3788B}"/>
-              </a:ext>
-            </a:extLst>
-          </p:cNvPr>
-          <p:cNvSpPr>
-            <a:spLocks noGrp="1"/>
-          </p:cNvSpPr>
-          <p:nvPr>
-            <p:ph type="sldNum" sz="quarter" idx="4"/>
-          </p:nvPr>
-        </p:nvSpPr>
-        <p:spPr>
-          <a:xfrm>
-            <a:off x="8610600" y="6356350"/>
-            <a:ext cx="2743200" cy="365125"/>
-          </a:xfrm>
-          <a:prstGeom prst="rect">
-            <a:avLst/>
-          </a:prstGeom>
-        </p:spPr>
-        <p:txBody>
-          <a:bodyPr vert="horz" lIns="91440" tIns="45720" rIns="91440" bIns="45720" rtlCol="0" anchor="ctr"/>
+          <a:bodyPr vert="horz" lIns="91440" tIns="45720" rIns="91440" bIns="45720" rtlCol="0" anchor="b"/>
           <a:lstStyle>
             <a:lvl1pPr algn="r">
-              <a:defRPr sz="1200">
-                <a:solidFill>
-                  <a:schemeClr val="tx1">
-                    <a:tint val="75000"/>
+              <a:defRPr sz="3200" b="0" i="0">
+                <a:solidFill>
+                  <a:schemeClr val="bg2">
+                    <a:lumMod val="50000"/>
                   </a:schemeClr>
                 </a:solidFill>
+                <a:effectLst/>
+                <a:latin typeface="+mn-lt"/>
               </a:defRPr>
             </a:lvl1pPr>
           </a:lstStyle>
@@ -3019,55 +4935,340 @@
     </p:spTree>
     <p:extLst>
       <p:ext uri="{BB962C8B-B14F-4D97-AF65-F5344CB8AC3E}">
-        <p14:creationId xmlns:p14="http://schemas.microsoft.com/office/powerpoint/2010/main" val="2563238787"/>
+        <p14:creationId xmlns:p14="http://schemas.microsoft.com/office/powerpoint/2010/main" val="2647173402"/>
       </p:ext>
     </p:extLst>
   </p:cSld>
-  <p:clrMap bg1="lt1" tx1="dk1" bg2="lt2" tx2="dk2" accent1="accent1" accent2="accent2" accent3="accent3" accent4="accent4" accent5="accent5" accent6="accent6" hlink="hlink" folHlink="folHlink"/>
+  <p:clrMap bg1="dk1" tx1="lt1" bg2="dk2" tx2="lt2" accent1="accent1" accent2="accent2" accent3="accent3" accent4="accent4" accent5="accent5" accent6="accent6" hlink="hlink" folHlink="folHlink"/>
   <p:sldLayoutIdLst>
-    <p:sldLayoutId id="2147483649" r:id="rId1"/>
-    <p:sldLayoutId id="2147483650" r:id="rId2"/>
-    <p:sldLayoutId id="2147483651" r:id="rId3"/>
-    <p:sldLayoutId id="2147483652" r:id="rId4"/>
-    <p:sldLayoutId id="2147483653" r:id="rId5"/>
-    <p:sldLayoutId id="2147483654" r:id="rId6"/>
-    <p:sldLayoutId id="2147483655" r:id="rId7"/>
-    <p:sldLayoutId id="2147483656" r:id="rId8"/>
-    <p:sldLayoutId id="2147483657" r:id="rId9"/>
-    <p:sldLayoutId id="2147483658" r:id="rId10"/>
-    <p:sldLayoutId id="2147483659" r:id="rId11"/>
+    <p:sldLayoutId id="2147483661" r:id="rId1"/>
+    <p:sldLayoutId id="2147483662" r:id="rId2"/>
+    <p:sldLayoutId id="2147483663" r:id="rId3"/>
+    <p:sldLayoutId id="2147483664" r:id="rId4"/>
+    <p:sldLayoutId id="2147483665" r:id="rId5"/>
+    <p:sldLayoutId id="2147483666" r:id="rId6"/>
+    <p:sldLayoutId id="2147483667" r:id="rId7"/>
+    <p:sldLayoutId id="2147483668" r:id="rId8"/>
+    <p:sldLayoutId id="2147483669" r:id="rId9"/>
+    <p:sldLayoutId id="2147483670" r:id="rId10"/>
+    <p:sldLayoutId id="2147483671" r:id="rId11"/>
+    <p:sldLayoutId id="2147483672" r:id="rId12"/>
+    <p:sldLayoutId id="2147483673" r:id="rId13"/>
+    <p:sldLayoutId id="2147483674" r:id="rId14"/>
+    <p:sldLayoutId id="2147483675" r:id="rId15"/>
+    <p:sldLayoutId id="2147483676" r:id="rId16"/>
+    <p:sldLayoutId id="2147483677" r:id="rId17"/>
   </p:sldLayoutIdLst>
   <p:txStyles>
     <p:titleStyle>
-      <a:lvl1pPr algn="l" defTabSz="914400" rtl="0" eaLnBrk="1" latinLnBrk="0" hangingPunct="1">
-        <a:lnSpc>
-          <a:spcPct val="90000"/>
-        </a:lnSpc>
+      <a:lvl1pPr algn="l" defTabSz="457200" rtl="0" eaLnBrk="1" latinLnBrk="0" hangingPunct="1">
         <a:spcBef>
           <a:spcPct val="0"/>
         </a:spcBef>
         <a:buNone/>
-        <a:defRPr sz="4400" kern="1200">
+        <a:defRPr sz="3600" kern="1200" cap="all">
+          <a:ln w="3175" cmpd="sng">
+            <a:noFill/>
+          </a:ln>
           <a:solidFill>
             <a:schemeClr val="tx1"/>
           </a:solidFill>
+          <a:effectLst/>
           <a:latin typeface="+mj-lt"/>
           <a:ea typeface="+mj-ea"/>
           <a:cs typeface="+mj-cs"/>
         </a:defRPr>
       </a:lvl1pPr>
+      <a:lvl2pPr eaLnBrk="1" hangingPunct="1">
+        <a:defRPr>
+          <a:solidFill>
+            <a:schemeClr val="tx2"/>
+          </a:solidFill>
+        </a:defRPr>
+      </a:lvl2pPr>
+      <a:lvl3pPr eaLnBrk="1" hangingPunct="1">
+        <a:defRPr>
+          <a:solidFill>
+            <a:schemeClr val="tx2"/>
+          </a:solidFill>
+        </a:defRPr>
+      </a:lvl3pPr>
+      <a:lvl4pPr eaLnBrk="1" hangingPunct="1">
+        <a:defRPr>
+          <a:solidFill>
+            <a:schemeClr val="tx2"/>
+          </a:solidFill>
+        </a:defRPr>
+      </a:lvl4pPr>
+      <a:lvl5pPr eaLnBrk="1" hangingPunct="1">
+        <a:defRPr>
+          <a:solidFill>
+            <a:schemeClr val="tx2"/>
+          </a:solidFill>
+        </a:defRPr>
+      </a:lvl5pPr>
+      <a:lvl6pPr eaLnBrk="1" hangingPunct="1">
+        <a:defRPr>
+          <a:solidFill>
+            <a:schemeClr val="tx2"/>
+          </a:solidFill>
+        </a:defRPr>
+      </a:lvl6pPr>
+      <a:lvl7pPr eaLnBrk="1" hangingPunct="1">
+        <a:defRPr>
+          <a:solidFill>
+            <a:schemeClr val="tx2"/>
+          </a:solidFill>
+        </a:defRPr>
+      </a:lvl7pPr>
+      <a:lvl8pPr eaLnBrk="1" hangingPunct="1">
+        <a:defRPr>
+          <a:solidFill>
+            <a:schemeClr val="tx2"/>
+          </a:solidFill>
+        </a:defRPr>
+      </a:lvl8pPr>
+      <a:lvl9pPr eaLnBrk="1" hangingPunct="1">
+        <a:defRPr>
+          <a:solidFill>
+            <a:schemeClr val="tx2"/>
+          </a:solidFill>
+        </a:defRPr>
+      </a:lvl9pPr>
     </p:titleStyle>
     <p:bodyStyle>
-      <a:lvl1pPr marL="228600" indent="-228600" algn="l" defTabSz="914400" rtl="0" eaLnBrk="1" latinLnBrk="0" hangingPunct="1">
-        <a:lnSpc>
-          <a:spcPct val="90000"/>
-        </a:lnSpc>
+      <a:lvl1pPr marL="285750" indent="-285750" algn="l" defTabSz="457200" rtl="0" eaLnBrk="1" latinLnBrk="0" hangingPunct="1">
         <a:spcBef>
-          <a:spcPts val="1000"/>
+          <a:spcPct val="20000"/>
         </a:spcBef>
-        <a:buFont typeface="Arial" panose="020B0604020202020204" pitchFamily="34" charset="0"/>
-        <a:buChar char="•"/>
-        <a:defRPr sz="2800" kern="1200">
+        <a:spcAft>
+          <a:spcPts val="600"/>
+        </a:spcAft>
+        <a:buClr>
+          <a:schemeClr val="tx1"/>
+        </a:buClr>
+        <a:buSzPct val="80000"/>
+        <a:buFont typeface="Wingdings 3" panose="05040102010807070707" pitchFamily="18" charset="2"/>
+        <a:buChar char=""/>
+        <a:defRPr sz="2000" kern="1200" cap="none">
+          <a:solidFill>
+            <a:schemeClr val="bg2">
+              <a:lumMod val="75000"/>
+            </a:schemeClr>
+          </a:solidFill>
+          <a:effectLst/>
+          <a:latin typeface="+mn-lt"/>
+          <a:ea typeface="+mn-ea"/>
+          <a:cs typeface="+mn-cs"/>
+        </a:defRPr>
+      </a:lvl1pPr>
+      <a:lvl2pPr marL="742950" indent="-285750" algn="l" defTabSz="457200" rtl="0" eaLnBrk="1" latinLnBrk="0" hangingPunct="1">
+        <a:spcBef>
+          <a:spcPct val="20000"/>
+        </a:spcBef>
+        <a:spcAft>
+          <a:spcPts val="600"/>
+        </a:spcAft>
+        <a:buClr>
+          <a:schemeClr val="tx1"/>
+        </a:buClr>
+        <a:buSzPct val="80000"/>
+        <a:buFont typeface="Wingdings 3" panose="05040102010807070707" pitchFamily="18" charset="2"/>
+        <a:buChar char=""/>
+        <a:defRPr sz="1800" kern="1200" cap="none">
+          <a:solidFill>
+            <a:schemeClr val="bg2">
+              <a:lumMod val="75000"/>
+            </a:schemeClr>
+          </a:solidFill>
+          <a:effectLst/>
+          <a:latin typeface="+mn-lt"/>
+          <a:ea typeface="+mn-ea"/>
+          <a:cs typeface="+mn-cs"/>
+        </a:defRPr>
+      </a:lvl2pPr>
+      <a:lvl3pPr marL="1200150" indent="-285750" algn="l" defTabSz="457200" rtl="0" eaLnBrk="1" latinLnBrk="0" hangingPunct="1">
+        <a:spcBef>
+          <a:spcPct val="20000"/>
+        </a:spcBef>
+        <a:spcAft>
+          <a:spcPts val="600"/>
+        </a:spcAft>
+        <a:buClr>
+          <a:schemeClr val="tx1"/>
+        </a:buClr>
+        <a:buSzPct val="80000"/>
+        <a:buFont typeface="Wingdings 3" panose="05040102010807070707" pitchFamily="18" charset="2"/>
+        <a:buChar char=""/>
+        <a:defRPr sz="1600" kern="1200" cap="none">
+          <a:solidFill>
+            <a:schemeClr val="bg2">
+              <a:lumMod val="75000"/>
+            </a:schemeClr>
+          </a:solidFill>
+          <a:effectLst/>
+          <a:latin typeface="+mn-lt"/>
+          <a:ea typeface="+mn-ea"/>
+          <a:cs typeface="+mn-cs"/>
+        </a:defRPr>
+      </a:lvl3pPr>
+      <a:lvl4pPr marL="1543050" indent="-171450" algn="l" defTabSz="457200" rtl="0" eaLnBrk="1" latinLnBrk="0" hangingPunct="1">
+        <a:spcBef>
+          <a:spcPct val="20000"/>
+        </a:spcBef>
+        <a:spcAft>
+          <a:spcPts val="600"/>
+        </a:spcAft>
+        <a:buClr>
+          <a:schemeClr val="tx1"/>
+        </a:buClr>
+        <a:buSzPct val="80000"/>
+        <a:buFont typeface="Wingdings 3" panose="05040102010807070707" pitchFamily="18" charset="2"/>
+        <a:buChar char=""/>
+        <a:defRPr sz="1400" kern="1200" cap="none">
+          <a:solidFill>
+            <a:schemeClr val="bg2">
+              <a:lumMod val="75000"/>
+            </a:schemeClr>
+          </a:solidFill>
+          <a:effectLst/>
+          <a:latin typeface="+mn-lt"/>
+          <a:ea typeface="+mn-ea"/>
+          <a:cs typeface="+mn-cs"/>
+        </a:defRPr>
+      </a:lvl4pPr>
+      <a:lvl5pPr marL="2000250" indent="-171450" algn="l" defTabSz="457200" rtl="0" eaLnBrk="1" latinLnBrk="0" hangingPunct="1">
+        <a:spcBef>
+          <a:spcPct val="20000"/>
+        </a:spcBef>
+        <a:spcAft>
+          <a:spcPts val="600"/>
+        </a:spcAft>
+        <a:buClr>
+          <a:schemeClr val="tx1"/>
+        </a:buClr>
+        <a:buSzPct val="80000"/>
+        <a:buFont typeface="Wingdings 3" panose="05040102010807070707" pitchFamily="18" charset="2"/>
+        <a:buChar char=""/>
+        <a:defRPr sz="1400" kern="1200" cap="none">
+          <a:solidFill>
+            <a:schemeClr val="bg2">
+              <a:lumMod val="75000"/>
+            </a:schemeClr>
+          </a:solidFill>
+          <a:effectLst/>
+          <a:latin typeface="+mn-lt"/>
+          <a:ea typeface="+mn-ea"/>
+          <a:cs typeface="+mn-cs"/>
+        </a:defRPr>
+      </a:lvl5pPr>
+      <a:lvl6pPr marL="2514600" indent="-228600" algn="l" defTabSz="457200" rtl="0" eaLnBrk="1" latinLnBrk="0" hangingPunct="1">
+        <a:spcBef>
+          <a:spcPct val="20000"/>
+        </a:spcBef>
+        <a:spcAft>
+          <a:spcPts val="600"/>
+        </a:spcAft>
+        <a:buClr>
+          <a:schemeClr val="tx1"/>
+        </a:buClr>
+        <a:buSzPct val="80000"/>
+        <a:buFont typeface="Wingdings 3" panose="05040102010807070707" pitchFamily="18" charset="2"/>
+        <a:buChar char=""/>
+        <a:defRPr sz="1400" kern="1200" cap="none">
+          <a:solidFill>
+            <a:schemeClr val="bg2">
+              <a:lumMod val="75000"/>
+            </a:schemeClr>
+          </a:solidFill>
+          <a:effectLst/>
+          <a:latin typeface="+mn-lt"/>
+          <a:ea typeface="+mn-ea"/>
+          <a:cs typeface="+mn-cs"/>
+        </a:defRPr>
+      </a:lvl6pPr>
+      <a:lvl7pPr marL="2971800" indent="-228600" algn="l" defTabSz="457200" rtl="0" eaLnBrk="1" latinLnBrk="0" hangingPunct="1">
+        <a:spcBef>
+          <a:spcPct val="20000"/>
+        </a:spcBef>
+        <a:spcAft>
+          <a:spcPts val="600"/>
+        </a:spcAft>
+        <a:buClr>
+          <a:schemeClr val="tx1"/>
+        </a:buClr>
+        <a:buSzPct val="80000"/>
+        <a:buFont typeface="Wingdings 3" panose="05040102010807070707" pitchFamily="18" charset="2"/>
+        <a:buChar char=""/>
+        <a:defRPr sz="1400" kern="1200" cap="none">
+          <a:solidFill>
+            <a:schemeClr val="bg2">
+              <a:lumMod val="75000"/>
+            </a:schemeClr>
+          </a:solidFill>
+          <a:effectLst/>
+          <a:latin typeface="+mn-lt"/>
+          <a:ea typeface="+mn-ea"/>
+          <a:cs typeface="+mn-cs"/>
+        </a:defRPr>
+      </a:lvl7pPr>
+      <a:lvl8pPr marL="3429000" indent="-228600" algn="l" defTabSz="457200" rtl="0" eaLnBrk="1" latinLnBrk="0" hangingPunct="1">
+        <a:spcBef>
+          <a:spcPct val="20000"/>
+        </a:spcBef>
+        <a:spcAft>
+          <a:spcPts val="600"/>
+        </a:spcAft>
+        <a:buClr>
+          <a:schemeClr val="tx1"/>
+        </a:buClr>
+        <a:buSzPct val="80000"/>
+        <a:buFont typeface="Wingdings 3" panose="05040102010807070707" pitchFamily="18" charset="2"/>
+        <a:buChar char=""/>
+        <a:defRPr sz="1400" kern="1200" cap="none">
+          <a:solidFill>
+            <a:schemeClr val="bg2">
+              <a:lumMod val="75000"/>
+            </a:schemeClr>
+          </a:solidFill>
+          <a:effectLst/>
+          <a:latin typeface="+mn-lt"/>
+          <a:ea typeface="+mn-ea"/>
+          <a:cs typeface="+mn-cs"/>
+        </a:defRPr>
+      </a:lvl8pPr>
+      <a:lvl9pPr marL="3886200" indent="-228600" algn="l" defTabSz="457200" rtl="0" eaLnBrk="1" latinLnBrk="0" hangingPunct="1">
+        <a:spcBef>
+          <a:spcPct val="20000"/>
+        </a:spcBef>
+        <a:spcAft>
+          <a:spcPts val="600"/>
+        </a:spcAft>
+        <a:buClr>
+          <a:schemeClr val="tx1"/>
+        </a:buClr>
+        <a:buSzPct val="80000"/>
+        <a:buFont typeface="Wingdings 3" panose="05040102010807070707" pitchFamily="18" charset="2"/>
+        <a:buChar char=""/>
+        <a:defRPr sz="1400" kern="1200" cap="none">
+          <a:solidFill>
+            <a:schemeClr val="bg2">
+              <a:lumMod val="75000"/>
+            </a:schemeClr>
+          </a:solidFill>
+          <a:effectLst/>
+          <a:latin typeface="+mn-lt"/>
+          <a:ea typeface="+mn-ea"/>
+          <a:cs typeface="+mn-cs"/>
+        </a:defRPr>
+      </a:lvl9pPr>
+    </p:bodyStyle>
+    <p:otherStyle>
+      <a:defPPr>
+        <a:defRPr lang="en-US"/>
+      </a:defPPr>
+      <a:lvl1pPr marL="0" algn="l" defTabSz="457200" rtl="0" eaLnBrk="1" latinLnBrk="0" hangingPunct="1">
+        <a:defRPr sz="1800" kern="1200">
           <a:solidFill>
             <a:schemeClr val="tx1"/>
           </a:solidFill>
@@ -3076,16 +5277,8 @@
           <a:cs typeface="+mn-cs"/>
         </a:defRPr>
       </a:lvl1pPr>
-      <a:lvl2pPr marL="685800" indent="-228600" algn="l" defTabSz="914400" rtl="0" eaLnBrk="1" latinLnBrk="0" hangingPunct="1">
-        <a:lnSpc>
-          <a:spcPct val="90000"/>
-        </a:lnSpc>
-        <a:spcBef>
-          <a:spcPts val="500"/>
-        </a:spcBef>
-        <a:buFont typeface="Arial" panose="020B0604020202020204" pitchFamily="34" charset="0"/>
-        <a:buChar char="•"/>
-        <a:defRPr sz="2400" kern="1200">
+      <a:lvl2pPr marL="457200" algn="l" defTabSz="457200" rtl="0" eaLnBrk="1" latinLnBrk="0" hangingPunct="1">
+        <a:defRPr sz="1800" kern="1200">
           <a:solidFill>
             <a:schemeClr val="tx1"/>
           </a:solidFill>
@@ -3094,16 +5287,8 @@
           <a:cs typeface="+mn-cs"/>
         </a:defRPr>
       </a:lvl2pPr>
-      <a:lvl3pPr marL="1143000" indent="-228600" algn="l" defTabSz="914400" rtl="0" eaLnBrk="1" latinLnBrk="0" hangingPunct="1">
-        <a:lnSpc>
-          <a:spcPct val="90000"/>
-        </a:lnSpc>
-        <a:spcBef>
-          <a:spcPts val="500"/>
-        </a:spcBef>
-        <a:buFont typeface="Arial" panose="020B0604020202020204" pitchFamily="34" charset="0"/>
-        <a:buChar char="•"/>
-        <a:defRPr sz="2000" kern="1200">
+      <a:lvl3pPr marL="914400" algn="l" defTabSz="457200" rtl="0" eaLnBrk="1" latinLnBrk="0" hangingPunct="1">
+        <a:defRPr sz="1800" kern="1200">
           <a:solidFill>
             <a:schemeClr val="tx1"/>
           </a:solidFill>
@@ -3112,15 +5297,7 @@
           <a:cs typeface="+mn-cs"/>
         </a:defRPr>
       </a:lvl3pPr>
-      <a:lvl4pPr marL="1600200" indent="-228600" algn="l" defTabSz="914400" rtl="0" eaLnBrk="1" latinLnBrk="0" hangingPunct="1">
-        <a:lnSpc>
-          <a:spcPct val="90000"/>
-        </a:lnSpc>
-        <a:spcBef>
-          <a:spcPts val="500"/>
-        </a:spcBef>
-        <a:buFont typeface="Arial" panose="020B0604020202020204" pitchFamily="34" charset="0"/>
-        <a:buChar char="•"/>
+      <a:lvl4pPr marL="1371600" algn="l" defTabSz="457200" rtl="0" eaLnBrk="1" latinLnBrk="0" hangingPunct="1">
         <a:defRPr sz="1800" kern="1200">
           <a:solidFill>
             <a:schemeClr val="tx1"/>
@@ -3130,15 +5307,7 @@
           <a:cs typeface="+mn-cs"/>
         </a:defRPr>
       </a:lvl4pPr>
-      <a:lvl5pPr marL="2057400" indent="-228600" algn="l" defTabSz="914400" rtl="0" eaLnBrk="1" latinLnBrk="0" hangingPunct="1">
-        <a:lnSpc>
-          <a:spcPct val="90000"/>
-        </a:lnSpc>
-        <a:spcBef>
-          <a:spcPts val="500"/>
-        </a:spcBef>
-        <a:buFont typeface="Arial" panose="020B0604020202020204" pitchFamily="34" charset="0"/>
-        <a:buChar char="•"/>
+      <a:lvl5pPr marL="1828800" algn="l" defTabSz="457200" rtl="0" eaLnBrk="1" latinLnBrk="0" hangingPunct="1">
         <a:defRPr sz="1800" kern="1200">
           <a:solidFill>
             <a:schemeClr val="tx1"/>
@@ -3148,15 +5317,7 @@
           <a:cs typeface="+mn-cs"/>
         </a:defRPr>
       </a:lvl5pPr>
-      <a:lvl6pPr marL="2514600" indent="-228600" algn="l" defTabSz="914400" rtl="0" eaLnBrk="1" latinLnBrk="0" hangingPunct="1">
-        <a:lnSpc>
-          <a:spcPct val="90000"/>
-        </a:lnSpc>
-        <a:spcBef>
-          <a:spcPts val="500"/>
-        </a:spcBef>
-        <a:buFont typeface="Arial" panose="020B0604020202020204" pitchFamily="34" charset="0"/>
-        <a:buChar char="•"/>
+      <a:lvl6pPr marL="2286000" algn="l" defTabSz="457200" rtl="0" eaLnBrk="1" latinLnBrk="0" hangingPunct="1">
         <a:defRPr sz="1800" kern="1200">
           <a:solidFill>
             <a:schemeClr val="tx1"/>
@@ -3166,15 +5327,7 @@
           <a:cs typeface="+mn-cs"/>
         </a:defRPr>
       </a:lvl6pPr>
-      <a:lvl7pPr marL="2971800" indent="-228600" algn="l" defTabSz="914400" rtl="0" eaLnBrk="1" latinLnBrk="0" hangingPunct="1">
-        <a:lnSpc>
-          <a:spcPct val="90000"/>
-        </a:lnSpc>
-        <a:spcBef>
-          <a:spcPts val="500"/>
-        </a:spcBef>
-        <a:buFont typeface="Arial" panose="020B0604020202020204" pitchFamily="34" charset="0"/>
-        <a:buChar char="•"/>
+      <a:lvl7pPr marL="2743200" algn="l" defTabSz="457200" rtl="0" eaLnBrk="1" latinLnBrk="0" hangingPunct="1">
         <a:defRPr sz="1800" kern="1200">
           <a:solidFill>
             <a:schemeClr val="tx1"/>
@@ -3184,15 +5337,7 @@
           <a:cs typeface="+mn-cs"/>
         </a:defRPr>
       </a:lvl7pPr>
-      <a:lvl8pPr marL="3429000" indent="-228600" algn="l" defTabSz="914400" rtl="0" eaLnBrk="1" latinLnBrk="0" hangingPunct="1">
-        <a:lnSpc>
-          <a:spcPct val="90000"/>
-        </a:lnSpc>
-        <a:spcBef>
-          <a:spcPts val="500"/>
-        </a:spcBef>
-        <a:buFont typeface="Arial" panose="020B0604020202020204" pitchFamily="34" charset="0"/>
-        <a:buChar char="•"/>
+      <a:lvl8pPr marL="3200400" algn="l" defTabSz="457200" rtl="0" eaLnBrk="1" latinLnBrk="0" hangingPunct="1">
         <a:defRPr sz="1800" kern="1200">
           <a:solidFill>
             <a:schemeClr val="tx1"/>
@@ -3202,110 +5347,7 @@
           <a:cs typeface="+mn-cs"/>
         </a:defRPr>
       </a:lvl8pPr>
-      <a:lvl9pPr marL="3886200" indent="-228600" algn="l" defTabSz="914400" rtl="0" eaLnBrk="1" latinLnBrk="0" hangingPunct="1">
-        <a:lnSpc>
-          <a:spcPct val="90000"/>
-        </a:lnSpc>
-        <a:spcBef>
-          <a:spcPts val="500"/>
-        </a:spcBef>
-        <a:buFont typeface="Arial" panose="020B0604020202020204" pitchFamily="34" charset="0"/>
-        <a:buChar char="•"/>
-        <a:defRPr sz="1800" kern="1200">
-          <a:solidFill>
-            <a:schemeClr val="tx1"/>
-          </a:solidFill>
-          <a:latin typeface="+mn-lt"/>
-          <a:ea typeface="+mn-ea"/>
-          <a:cs typeface="+mn-cs"/>
-        </a:defRPr>
-      </a:lvl9pPr>
-    </p:bodyStyle>
-    <p:otherStyle>
-      <a:defPPr>
-        <a:defRPr lang="hu-HU"/>
-      </a:defPPr>
-      <a:lvl1pPr marL="0" algn="l" defTabSz="914400" rtl="0" eaLnBrk="1" latinLnBrk="0" hangingPunct="1">
-        <a:defRPr sz="1800" kern="1200">
-          <a:solidFill>
-            <a:schemeClr val="tx1"/>
-          </a:solidFill>
-          <a:latin typeface="+mn-lt"/>
-          <a:ea typeface="+mn-ea"/>
-          <a:cs typeface="+mn-cs"/>
-        </a:defRPr>
-      </a:lvl1pPr>
-      <a:lvl2pPr marL="457200" algn="l" defTabSz="914400" rtl="0" eaLnBrk="1" latinLnBrk="0" hangingPunct="1">
-        <a:defRPr sz="1800" kern="1200">
-          <a:solidFill>
-            <a:schemeClr val="tx1"/>
-          </a:solidFill>
-          <a:latin typeface="+mn-lt"/>
-          <a:ea typeface="+mn-ea"/>
-          <a:cs typeface="+mn-cs"/>
-        </a:defRPr>
-      </a:lvl2pPr>
-      <a:lvl3pPr marL="914400" algn="l" defTabSz="914400" rtl="0" eaLnBrk="1" latinLnBrk="0" hangingPunct="1">
-        <a:defRPr sz="1800" kern="1200">
-          <a:solidFill>
-            <a:schemeClr val="tx1"/>
-          </a:solidFill>
-          <a:latin typeface="+mn-lt"/>
-          <a:ea typeface="+mn-ea"/>
-          <a:cs typeface="+mn-cs"/>
-        </a:defRPr>
-      </a:lvl3pPr>
-      <a:lvl4pPr marL="1371600" algn="l" defTabSz="914400" rtl="0" eaLnBrk="1" latinLnBrk="0" hangingPunct="1">
-        <a:defRPr sz="1800" kern="1200">
-          <a:solidFill>
-            <a:schemeClr val="tx1"/>
-          </a:solidFill>
-          <a:latin typeface="+mn-lt"/>
-          <a:ea typeface="+mn-ea"/>
-          <a:cs typeface="+mn-cs"/>
-        </a:defRPr>
-      </a:lvl4pPr>
-      <a:lvl5pPr marL="1828800" algn="l" defTabSz="914400" rtl="0" eaLnBrk="1" latinLnBrk="0" hangingPunct="1">
-        <a:defRPr sz="1800" kern="1200">
-          <a:solidFill>
-            <a:schemeClr val="tx1"/>
-          </a:solidFill>
-          <a:latin typeface="+mn-lt"/>
-          <a:ea typeface="+mn-ea"/>
-          <a:cs typeface="+mn-cs"/>
-        </a:defRPr>
-      </a:lvl5pPr>
-      <a:lvl6pPr marL="2286000" algn="l" defTabSz="914400" rtl="0" eaLnBrk="1" latinLnBrk="0" hangingPunct="1">
-        <a:defRPr sz="1800" kern="1200">
-          <a:solidFill>
-            <a:schemeClr val="tx1"/>
-          </a:solidFill>
-          <a:latin typeface="+mn-lt"/>
-          <a:ea typeface="+mn-ea"/>
-          <a:cs typeface="+mn-cs"/>
-        </a:defRPr>
-      </a:lvl6pPr>
-      <a:lvl7pPr marL="2743200" algn="l" defTabSz="914400" rtl="0" eaLnBrk="1" latinLnBrk="0" hangingPunct="1">
-        <a:defRPr sz="1800" kern="1200">
-          <a:solidFill>
-            <a:schemeClr val="tx1"/>
-          </a:solidFill>
-          <a:latin typeface="+mn-lt"/>
-          <a:ea typeface="+mn-ea"/>
-          <a:cs typeface="+mn-cs"/>
-        </a:defRPr>
-      </a:lvl7pPr>
-      <a:lvl8pPr marL="3200400" algn="l" defTabSz="914400" rtl="0" eaLnBrk="1" latinLnBrk="0" hangingPunct="1">
-        <a:defRPr sz="1800" kern="1200">
-          <a:solidFill>
-            <a:schemeClr val="tx1"/>
-          </a:solidFill>
-          <a:latin typeface="+mn-lt"/>
-          <a:ea typeface="+mn-ea"/>
-          <a:cs typeface="+mn-cs"/>
-        </a:defRPr>
-      </a:lvl8pPr>
-      <a:lvl9pPr marL="3657600" algn="l" defTabSz="914400" rtl="0" eaLnBrk="1" latinLnBrk="0" hangingPunct="1">
+      <a:lvl9pPr marL="3657600" algn="l" defTabSz="457200" rtl="0" eaLnBrk="1" latinLnBrk="0" hangingPunct="1">
         <a:defRPr sz="1800" kern="1200">
           <a:solidFill>
             <a:schemeClr val="tx1"/>
@@ -3465,7 +5507,12 @@
             <p:ph type="title"/>
           </p:nvPr>
         </p:nvSpPr>
-        <p:spPr/>
+        <p:spPr>
+          <a:xfrm>
+            <a:off x="1148880" y="276059"/>
+            <a:ext cx="8534400" cy="1507067"/>
+          </a:xfrm>
+        </p:spPr>
         <p:txBody>
           <a:bodyPr/>
           <a:lstStyle/>
@@ -3473,11 +5520,11 @@
             <a:pPr algn="ctr"/>
             <a:r>
               <a:rPr lang="hu-HU" b="1" dirty="0"/>
-              <a:t>Picture </a:t>
+              <a:t>Picture of </a:t>
             </a:r>
             <a:r>
               <a:rPr lang="hu-HU" b="1" dirty="0" err="1"/>
-              <a:t>from</a:t>
+              <a:t>the</a:t>
             </a:r>
             <a:r>
               <a:rPr lang="hu-HU" b="1" dirty="0"/>
@@ -3485,20 +5532,42 @@
             </a:r>
             <a:r>
               <a:rPr lang="hu-HU" b="1" dirty="0" err="1"/>
-              <a:t>the</a:t>
-            </a:r>
-            <a:r>
-              <a:rPr lang="hu-HU" b="1" dirty="0"/>
-              <a:t> </a:t>
-            </a:r>
-            <a:r>
-              <a:rPr lang="hu-HU" b="1" dirty="0" err="1"/>
               <a:t>page</a:t>
             </a:r>
             <a:endParaRPr lang="hu-HU" b="1" dirty="0"/>
           </a:p>
         </p:txBody>
       </p:sp>
+      <p:pic>
+        <p:nvPicPr>
+          <p:cNvPr id="3" name="Kép 2">
+            <a:extLst>
+              <a:ext uri="{FF2B5EF4-FFF2-40B4-BE49-F238E27FC236}">
+                <a16:creationId xmlns:a16="http://schemas.microsoft.com/office/drawing/2014/main" id="{5762D232-8FAA-4F98-A702-C75037D8412F}"/>
+              </a:ext>
+            </a:extLst>
+          </p:cNvPr>
+          <p:cNvPicPr>
+            <a:picLocks noChangeAspect="1"/>
+          </p:cNvPicPr>
+          <p:nvPr/>
+        </p:nvPicPr>
+        <p:blipFill>
+          <a:blip r:embed="rId2"/>
+          <a:stretch>
+            <a:fillRect/>
+          </a:stretch>
+        </p:blipFill>
+        <p:spPr>
+          <a:xfrm>
+            <a:off x="2508720" y="1783126"/>
+            <a:ext cx="6788665" cy="2975698"/>
+          </a:xfrm>
+          <a:prstGeom prst="rect">
+            <a:avLst/>
+          </a:prstGeom>
+        </p:spPr>
+      </p:pic>
     </p:spTree>
     <p:extLst>
       <p:ext uri="{BB962C8B-B14F-4D97-AF65-F5344CB8AC3E}">
@@ -3545,7 +5614,12 @@
             <p:ph type="title"/>
           </p:nvPr>
         </p:nvSpPr>
-        <p:spPr/>
+        <p:spPr>
+          <a:xfrm>
+            <a:off x="1828800" y="0"/>
+            <a:ext cx="8534400" cy="1507067"/>
+          </a:xfrm>
+        </p:spPr>
         <p:txBody>
           <a:bodyPr/>
           <a:lstStyle/>
@@ -3553,11 +5627,11 @@
             <a:pPr algn="ctr"/>
             <a:r>
               <a:rPr lang="hu-HU" b="1" dirty="0"/>
-              <a:t>Picture </a:t>
+              <a:t>Picture of </a:t>
             </a:r>
             <a:r>
               <a:rPr lang="hu-HU" b="1" dirty="0" err="1"/>
-              <a:t>from</a:t>
+              <a:t>the</a:t>
             </a:r>
             <a:r>
               <a:rPr lang="hu-HU" b="1" dirty="0"/>
@@ -3565,20 +5639,42 @@
             </a:r>
             <a:r>
               <a:rPr lang="hu-HU" b="1" dirty="0" err="1"/>
-              <a:t>the</a:t>
-            </a:r>
-            <a:r>
-              <a:rPr lang="hu-HU" b="1" dirty="0"/>
-              <a:t> </a:t>
-            </a:r>
-            <a:r>
-              <a:rPr lang="hu-HU" b="1" dirty="0" err="1"/>
               <a:t>page</a:t>
             </a:r>
             <a:endParaRPr lang="hu-HU" dirty="0"/>
           </a:p>
         </p:txBody>
       </p:sp>
+      <p:pic>
+        <p:nvPicPr>
+          <p:cNvPr id="3" name="Kép 2">
+            <a:extLst>
+              <a:ext uri="{FF2B5EF4-FFF2-40B4-BE49-F238E27FC236}">
+                <a16:creationId xmlns:a16="http://schemas.microsoft.com/office/drawing/2014/main" id="{4893B364-19C9-47AE-9A9A-4DCE8659D27F}"/>
+              </a:ext>
+            </a:extLst>
+          </p:cNvPr>
+          <p:cNvPicPr>
+            <a:picLocks noChangeAspect="1"/>
+          </p:cNvPicPr>
+          <p:nvPr/>
+        </p:nvPicPr>
+        <p:blipFill>
+          <a:blip r:embed="rId2"/>
+          <a:stretch>
+            <a:fillRect/>
+          </a:stretch>
+        </p:blipFill>
+        <p:spPr>
+          <a:xfrm>
+            <a:off x="2843140" y="2013795"/>
+            <a:ext cx="6505719" cy="2830410"/>
+          </a:xfrm>
+          <a:prstGeom prst="rect">
+            <a:avLst/>
+          </a:prstGeom>
+        </p:spPr>
+      </p:pic>
     </p:spTree>
     <p:extLst>
       <p:ext uri="{BB962C8B-B14F-4D97-AF65-F5344CB8AC3E}">
@@ -3639,11 +5735,11 @@
           <a:p>
             <a:pPr algn="ctr"/>
             <a:r>
-              <a:rPr lang="en-US" sz="15000" b="1" dirty="0"/>
+              <a:rPr lang="en-US" sz="7200" b="1" dirty="0"/>
               <a:t>Thank you for your attention</a:t>
             </a:r>
             <a:r>
-              <a:rPr lang="hu-HU" sz="15000" b="1" dirty="0"/>
+              <a:rPr lang="hu-HU" sz="7200" b="1" dirty="0"/>
               <a:t>!</a:t>
             </a:r>
           </a:p>
@@ -3695,7 +5791,12 @@
             <p:ph type="title"/>
           </p:nvPr>
         </p:nvSpPr>
-        <p:spPr/>
+        <p:spPr>
+          <a:xfrm>
+            <a:off x="684212" y="0"/>
+            <a:ext cx="8534400" cy="1507067"/>
+          </a:xfrm>
+        </p:spPr>
         <p:txBody>
           <a:bodyPr/>
           <a:lstStyle/>
@@ -3732,7 +5833,12 @@
             <p:ph idx="1"/>
           </p:nvPr>
         </p:nvSpPr>
-        <p:spPr/>
+        <p:spPr>
+          <a:xfrm>
+            <a:off x="684212" y="1927371"/>
+            <a:ext cx="8534400" cy="3615267"/>
+          </a:xfrm>
+        </p:spPr>
         <p:txBody>
           <a:bodyPr>
             <a:normAutofit/>
@@ -3743,10 +5849,18 @@
               <a:buNone/>
             </a:pPr>
             <a:r>
-              <a:rPr lang="en-US" sz="3600" dirty="0"/>
+              <a:rPr lang="en-US" sz="3600" dirty="0">
+                <a:solidFill>
+                  <a:schemeClr val="tx1"/>
+                </a:solidFill>
+              </a:rPr>
               <a:t>The client wanted us to make a game, and the theme and structure of the game was left to the team to decide. The basic requirement was that the game had to be functional.</a:t>
             </a:r>
-            <a:endParaRPr lang="hu-HU" sz="3600" dirty="0"/>
+            <a:endParaRPr lang="hu-HU" sz="3600" dirty="0">
+              <a:solidFill>
+                <a:schemeClr val="tx1"/>
+              </a:solidFill>
+            </a:endParaRPr>
           </a:p>
         </p:txBody>
       </p:sp>
@@ -3796,7 +5910,12 @@
             <p:ph type="title"/>
           </p:nvPr>
         </p:nvSpPr>
-        <p:spPr/>
+        <p:spPr>
+          <a:xfrm>
+            <a:off x="684212" y="586451"/>
+            <a:ext cx="8534400" cy="1507067"/>
+          </a:xfrm>
+        </p:spPr>
         <p:txBody>
           <a:bodyPr/>
           <a:lstStyle/>
@@ -3841,7 +5960,12 @@
             <p:ph idx="1"/>
           </p:nvPr>
         </p:nvSpPr>
-        <p:spPr/>
+        <p:spPr>
+          <a:xfrm>
+            <a:off x="684212" y="2522989"/>
+            <a:ext cx="8534400" cy="3615267"/>
+          </a:xfrm>
+        </p:spPr>
         <p:txBody>
           <a:bodyPr/>
           <a:lstStyle/>
@@ -3850,7 +5974,11 @@
               <a:buNone/>
             </a:pPr>
             <a:r>
-              <a:rPr lang="hu-HU" dirty="0"/>
+              <a:rPr lang="hu-HU" dirty="0">
+                <a:solidFill>
+                  <a:schemeClr val="tx1"/>
+                </a:solidFill>
+              </a:rPr>
               <a:t>Zsiros Máté Ferenc:</a:t>
             </a:r>
           </a:p>
@@ -3860,19 +5988,35 @@
               <a:buChar char="Ø"/>
             </a:pPr>
             <a:r>
-              <a:rPr lang="hu-HU" dirty="0" err="1"/>
+              <a:rPr lang="hu-HU" dirty="0" err="1">
+                <a:solidFill>
+                  <a:schemeClr val="tx1"/>
+                </a:solidFill>
+              </a:rPr>
               <a:t>Place</a:t>
             </a:r>
             <a:r>
-              <a:rPr lang="hu-HU" dirty="0"/>
+              <a:rPr lang="hu-HU" dirty="0">
+                <a:solidFill>
+                  <a:schemeClr val="tx1"/>
+                </a:solidFill>
+              </a:rPr>
               <a:t> of </a:t>
             </a:r>
             <a:r>
-              <a:rPr lang="hu-HU" dirty="0" err="1"/>
+              <a:rPr lang="hu-HU" dirty="0" err="1">
+                <a:solidFill>
+                  <a:schemeClr val="tx1"/>
+                </a:solidFill>
+              </a:rPr>
               <a:t>birth</a:t>
             </a:r>
             <a:r>
-              <a:rPr lang="hu-HU" dirty="0"/>
+              <a:rPr lang="hu-HU" dirty="0">
+                <a:solidFill>
+                  <a:schemeClr val="tx1"/>
+                </a:solidFill>
+              </a:rPr>
               <a:t>: Barcelona</a:t>
             </a:r>
           </a:p>
@@ -3882,19 +6026,35 @@
               <a:buChar char="Ø"/>
             </a:pPr>
             <a:r>
-              <a:rPr lang="hu-HU" dirty="0" err="1"/>
+              <a:rPr lang="hu-HU" dirty="0" err="1">
+                <a:solidFill>
+                  <a:schemeClr val="tx1"/>
+                </a:solidFill>
+              </a:rPr>
               <a:t>Place</a:t>
             </a:r>
             <a:r>
-              <a:rPr lang="hu-HU" dirty="0"/>
+              <a:rPr lang="hu-HU" dirty="0">
+                <a:solidFill>
+                  <a:schemeClr val="tx1"/>
+                </a:solidFill>
+              </a:rPr>
               <a:t> of </a:t>
             </a:r>
             <a:r>
-              <a:rPr lang="hu-HU" dirty="0" err="1"/>
+              <a:rPr lang="hu-HU" dirty="0" err="1">
+                <a:solidFill>
+                  <a:schemeClr val="tx1"/>
+                </a:solidFill>
+              </a:rPr>
               <a:t>residence</a:t>
             </a:r>
             <a:r>
-              <a:rPr lang="hu-HU" dirty="0"/>
+              <a:rPr lang="hu-HU" dirty="0">
+                <a:solidFill>
+                  <a:schemeClr val="tx1"/>
+                </a:solidFill>
+              </a:rPr>
               <a:t>: Palotás</a:t>
             </a:r>
           </a:p>
@@ -3904,19 +6064,35 @@
               <a:buChar char="Ø"/>
             </a:pPr>
             <a:r>
-              <a:rPr lang="hu-HU" dirty="0" err="1"/>
+              <a:rPr lang="hu-HU" dirty="0" err="1">
+                <a:solidFill>
+                  <a:schemeClr val="tx1"/>
+                </a:solidFill>
+              </a:rPr>
               <a:t>Date</a:t>
             </a:r>
             <a:r>
-              <a:rPr lang="hu-HU" dirty="0"/>
+              <a:rPr lang="hu-HU" dirty="0">
+                <a:solidFill>
+                  <a:schemeClr val="tx1"/>
+                </a:solidFill>
+              </a:rPr>
               <a:t> of </a:t>
             </a:r>
             <a:r>
-              <a:rPr lang="hu-HU" dirty="0" err="1"/>
+              <a:rPr lang="hu-HU" dirty="0" err="1">
+                <a:solidFill>
+                  <a:schemeClr val="tx1"/>
+                </a:solidFill>
+              </a:rPr>
               <a:t>birth</a:t>
             </a:r>
             <a:r>
-              <a:rPr lang="hu-HU" dirty="0"/>
+              <a:rPr lang="hu-HU" dirty="0">
+                <a:solidFill>
+                  <a:schemeClr val="tx1"/>
+                </a:solidFill>
+              </a:rPr>
               <a:t>: 2005. 05. 15.</a:t>
             </a:r>
           </a:p>
@@ -3926,19 +6102,35 @@
               <a:buChar char="Ø"/>
             </a:pPr>
             <a:r>
-              <a:rPr lang="hu-HU" dirty="0" err="1"/>
+              <a:rPr lang="hu-HU" dirty="0" err="1">
+                <a:solidFill>
+                  <a:schemeClr val="tx1"/>
+                </a:solidFill>
+              </a:rPr>
               <a:t>Phone</a:t>
             </a:r>
             <a:r>
-              <a:rPr lang="hu-HU" dirty="0"/>
+              <a:rPr lang="hu-HU" dirty="0">
+                <a:solidFill>
+                  <a:schemeClr val="tx1"/>
+                </a:solidFill>
+              </a:rPr>
               <a:t> </a:t>
             </a:r>
             <a:r>
-              <a:rPr lang="hu-HU" dirty="0" err="1"/>
+              <a:rPr lang="hu-HU" dirty="0" err="1">
+                <a:solidFill>
+                  <a:schemeClr val="tx1"/>
+                </a:solidFill>
+              </a:rPr>
               <a:t>number</a:t>
             </a:r>
             <a:r>
-              <a:rPr lang="hu-HU" dirty="0"/>
+              <a:rPr lang="hu-HU" dirty="0">
+                <a:solidFill>
+                  <a:schemeClr val="tx1"/>
+                </a:solidFill>
+              </a:rPr>
               <a:t>: 06-30-723-5679</a:t>
             </a:r>
           </a:p>
@@ -3948,32 +6140,60 @@
               <a:buChar char="Ø"/>
             </a:pPr>
             <a:r>
-              <a:rPr lang="hu-HU" dirty="0" err="1"/>
+              <a:rPr lang="hu-HU" dirty="0" err="1">
+                <a:solidFill>
+                  <a:schemeClr val="tx1"/>
+                </a:solidFill>
+              </a:rPr>
               <a:t>Positions</a:t>
             </a:r>
             <a:r>
-              <a:rPr lang="hu-HU" dirty="0"/>
+              <a:rPr lang="hu-HU" dirty="0">
+                <a:solidFill>
+                  <a:schemeClr val="tx1"/>
+                </a:solidFill>
+              </a:rPr>
               <a:t>: </a:t>
             </a:r>
             <a:r>
-              <a:rPr lang="hu-HU" dirty="0" err="1"/>
+              <a:rPr lang="hu-HU" dirty="0" err="1">
+                <a:solidFill>
+                  <a:schemeClr val="tx1"/>
+                </a:solidFill>
+              </a:rPr>
               <a:t>programmer</a:t>
             </a:r>
             <a:r>
-              <a:rPr lang="hu-HU" dirty="0"/>
+              <a:rPr lang="hu-HU" dirty="0">
+                <a:solidFill>
+                  <a:schemeClr val="tx1"/>
+                </a:solidFill>
+              </a:rPr>
               <a:t>, </a:t>
             </a:r>
             <a:r>
-              <a:rPr lang="hu-HU" dirty="0" err="1"/>
+              <a:rPr lang="hu-HU" dirty="0" err="1">
+                <a:solidFill>
+                  <a:schemeClr val="tx1"/>
+                </a:solidFill>
+              </a:rPr>
               <a:t>manager</a:t>
             </a:r>
-            <a:endParaRPr lang="hu-HU" dirty="0"/>
+            <a:endParaRPr lang="hu-HU" dirty="0">
+              <a:solidFill>
+                <a:schemeClr val="tx1"/>
+              </a:solidFill>
+            </a:endParaRPr>
           </a:p>
           <a:p>
             <a:pPr marL="0" indent="0">
               <a:buNone/>
             </a:pPr>
-            <a:endParaRPr lang="hu-HU" dirty="0"/>
+            <a:endParaRPr lang="hu-HU" dirty="0">
+              <a:solidFill>
+                <a:schemeClr val="tx1"/>
+              </a:solidFill>
+            </a:endParaRPr>
           </a:p>
         </p:txBody>
       </p:sp>
@@ -4023,7 +6243,12 @@
             <p:ph type="title"/>
           </p:nvPr>
         </p:nvSpPr>
-        <p:spPr/>
+        <p:spPr>
+          <a:xfrm>
+            <a:off x="684212" y="552895"/>
+            <a:ext cx="8534400" cy="1507067"/>
+          </a:xfrm>
+        </p:spPr>
         <p:txBody>
           <a:bodyPr/>
           <a:lstStyle/>
@@ -4068,7 +6293,12 @@
             <p:ph idx="1"/>
           </p:nvPr>
         </p:nvSpPr>
-        <p:spPr/>
+        <p:spPr>
+          <a:xfrm>
+            <a:off x="684212" y="2506211"/>
+            <a:ext cx="8534400" cy="3615267"/>
+          </a:xfrm>
+        </p:spPr>
         <p:txBody>
           <a:bodyPr/>
           <a:lstStyle/>
@@ -4077,7 +6307,11 @@
               <a:buNone/>
             </a:pPr>
             <a:r>
-              <a:rPr lang="hu-HU" dirty="0"/>
+              <a:rPr lang="hu-HU" dirty="0">
+                <a:solidFill>
+                  <a:schemeClr val="tx1"/>
+                </a:solidFill>
+              </a:rPr>
               <a:t>Tóth Bence:</a:t>
             </a:r>
           </a:p>
@@ -4087,19 +6321,35 @@
               <a:buChar char="Ø"/>
             </a:pPr>
             <a:r>
-              <a:rPr lang="hu-HU" dirty="0" err="1"/>
+              <a:rPr lang="hu-HU" dirty="0" err="1">
+                <a:solidFill>
+                  <a:schemeClr val="tx1"/>
+                </a:solidFill>
+              </a:rPr>
               <a:t>Place</a:t>
             </a:r>
             <a:r>
-              <a:rPr lang="hu-HU" dirty="0"/>
+              <a:rPr lang="hu-HU" dirty="0">
+                <a:solidFill>
+                  <a:schemeClr val="tx1"/>
+                </a:solidFill>
+              </a:rPr>
               <a:t> of </a:t>
             </a:r>
             <a:r>
-              <a:rPr lang="hu-HU" dirty="0" err="1"/>
+              <a:rPr lang="hu-HU" dirty="0" err="1">
+                <a:solidFill>
+                  <a:schemeClr val="tx1"/>
+                </a:solidFill>
+              </a:rPr>
               <a:t>birth</a:t>
             </a:r>
             <a:r>
-              <a:rPr lang="hu-HU" dirty="0"/>
+              <a:rPr lang="hu-HU" dirty="0">
+                <a:solidFill>
+                  <a:schemeClr val="tx1"/>
+                </a:solidFill>
+              </a:rPr>
               <a:t>: Tahitótfalu</a:t>
             </a:r>
           </a:p>
@@ -4109,19 +6359,35 @@
               <a:buChar char="Ø"/>
             </a:pPr>
             <a:r>
-              <a:rPr lang="hu-HU" dirty="0" err="1"/>
+              <a:rPr lang="hu-HU" dirty="0" err="1">
+                <a:solidFill>
+                  <a:schemeClr val="tx1"/>
+                </a:solidFill>
+              </a:rPr>
               <a:t>Place</a:t>
             </a:r>
             <a:r>
-              <a:rPr lang="hu-HU" dirty="0"/>
+              <a:rPr lang="hu-HU" dirty="0">
+                <a:solidFill>
+                  <a:schemeClr val="tx1"/>
+                </a:solidFill>
+              </a:rPr>
               <a:t> of </a:t>
             </a:r>
             <a:r>
-              <a:rPr lang="hu-HU" dirty="0" err="1"/>
+              <a:rPr lang="hu-HU" dirty="0" err="1">
+                <a:solidFill>
+                  <a:schemeClr val="tx1"/>
+                </a:solidFill>
+              </a:rPr>
               <a:t>residence</a:t>
             </a:r>
             <a:r>
-              <a:rPr lang="hu-HU" dirty="0"/>
+              <a:rPr lang="hu-HU" dirty="0">
+                <a:solidFill>
+                  <a:schemeClr val="tx1"/>
+                </a:solidFill>
+              </a:rPr>
               <a:t>: Budapest</a:t>
             </a:r>
           </a:p>
@@ -4131,19 +6397,35 @@
               <a:buChar char="Ø"/>
             </a:pPr>
             <a:r>
-              <a:rPr lang="hu-HU" dirty="0" err="1"/>
+              <a:rPr lang="hu-HU" dirty="0" err="1">
+                <a:solidFill>
+                  <a:schemeClr val="tx1"/>
+                </a:solidFill>
+              </a:rPr>
               <a:t>Date</a:t>
             </a:r>
             <a:r>
-              <a:rPr lang="hu-HU" dirty="0"/>
+              <a:rPr lang="hu-HU" dirty="0">
+                <a:solidFill>
+                  <a:schemeClr val="tx1"/>
+                </a:solidFill>
+              </a:rPr>
               <a:t> of </a:t>
             </a:r>
             <a:r>
-              <a:rPr lang="hu-HU" dirty="0" err="1"/>
+              <a:rPr lang="hu-HU" dirty="0" err="1">
+                <a:solidFill>
+                  <a:schemeClr val="tx1"/>
+                </a:solidFill>
+              </a:rPr>
               <a:t>birth</a:t>
             </a:r>
             <a:r>
-              <a:rPr lang="hu-HU" dirty="0"/>
+              <a:rPr lang="hu-HU" dirty="0">
+                <a:solidFill>
+                  <a:schemeClr val="tx1"/>
+                </a:solidFill>
+              </a:rPr>
               <a:t>: 2003. 06. 25.</a:t>
             </a:r>
           </a:p>
@@ -4153,19 +6435,35 @@
               <a:buChar char="Ø"/>
             </a:pPr>
             <a:r>
-              <a:rPr lang="hu-HU" dirty="0" err="1"/>
+              <a:rPr lang="hu-HU" dirty="0" err="1">
+                <a:solidFill>
+                  <a:schemeClr val="tx1"/>
+                </a:solidFill>
+              </a:rPr>
               <a:t>Phone</a:t>
             </a:r>
             <a:r>
-              <a:rPr lang="hu-HU" dirty="0"/>
+              <a:rPr lang="hu-HU" dirty="0">
+                <a:solidFill>
+                  <a:schemeClr val="tx1"/>
+                </a:solidFill>
+              </a:rPr>
               <a:t> </a:t>
             </a:r>
             <a:r>
-              <a:rPr lang="hu-HU" dirty="0" err="1"/>
+              <a:rPr lang="hu-HU" dirty="0" err="1">
+                <a:solidFill>
+                  <a:schemeClr val="tx1"/>
+                </a:solidFill>
+              </a:rPr>
               <a:t>number</a:t>
             </a:r>
             <a:r>
-              <a:rPr lang="hu-HU" dirty="0"/>
+              <a:rPr lang="hu-HU" dirty="0">
+                <a:solidFill>
+                  <a:schemeClr val="tx1"/>
+                </a:solidFill>
+              </a:rPr>
               <a:t>: 06-70-256-4173</a:t>
             </a:r>
           </a:p>
@@ -4175,32 +6473,60 @@
               <a:buChar char="Ø"/>
             </a:pPr>
             <a:r>
-              <a:rPr lang="hu-HU" dirty="0" err="1"/>
+              <a:rPr lang="hu-HU" dirty="0" err="1">
+                <a:solidFill>
+                  <a:schemeClr val="tx1"/>
+                </a:solidFill>
+              </a:rPr>
               <a:t>Positions</a:t>
             </a:r>
             <a:r>
-              <a:rPr lang="hu-HU" dirty="0"/>
+              <a:rPr lang="hu-HU" dirty="0">
+                <a:solidFill>
+                  <a:schemeClr val="tx1"/>
+                </a:solidFill>
+              </a:rPr>
               <a:t>: </a:t>
             </a:r>
             <a:r>
-              <a:rPr lang="hu-HU" dirty="0" err="1"/>
+              <a:rPr lang="hu-HU" dirty="0" err="1">
+                <a:solidFill>
+                  <a:schemeClr val="tx1"/>
+                </a:solidFill>
+              </a:rPr>
               <a:t>programmer</a:t>
             </a:r>
             <a:r>
-              <a:rPr lang="hu-HU" dirty="0"/>
+              <a:rPr lang="hu-HU" dirty="0">
+                <a:solidFill>
+                  <a:schemeClr val="tx1"/>
+                </a:solidFill>
+              </a:rPr>
               <a:t>, </a:t>
             </a:r>
             <a:r>
-              <a:rPr lang="hu-HU" dirty="0" err="1"/>
+              <a:rPr lang="hu-HU" dirty="0" err="1">
+                <a:solidFill>
+                  <a:schemeClr val="tx1"/>
+                </a:solidFill>
+              </a:rPr>
               <a:t>presenter</a:t>
             </a:r>
-            <a:endParaRPr lang="hu-HU" dirty="0"/>
+            <a:endParaRPr lang="hu-HU" dirty="0">
+              <a:solidFill>
+                <a:schemeClr val="tx1"/>
+              </a:solidFill>
+            </a:endParaRPr>
           </a:p>
           <a:p>
             <a:pPr marL="0" indent="0">
               <a:buNone/>
             </a:pPr>
-            <a:endParaRPr lang="hu-HU" dirty="0"/>
+            <a:endParaRPr lang="hu-HU" dirty="0">
+              <a:solidFill>
+                <a:schemeClr val="tx1"/>
+              </a:solidFill>
+            </a:endParaRPr>
           </a:p>
         </p:txBody>
       </p:sp>
@@ -4250,7 +6576,12 @@
             <p:ph type="title"/>
           </p:nvPr>
         </p:nvSpPr>
-        <p:spPr/>
+        <p:spPr>
+          <a:xfrm>
+            <a:off x="684212" y="158613"/>
+            <a:ext cx="8534400" cy="1507067"/>
+          </a:xfrm>
+        </p:spPr>
         <p:txBody>
           <a:bodyPr/>
           <a:lstStyle/>
@@ -4295,7 +6626,12 @@
             <p:ph idx="1"/>
           </p:nvPr>
         </p:nvSpPr>
-        <p:spPr/>
+        <p:spPr>
+          <a:xfrm>
+            <a:off x="684212" y="2086762"/>
+            <a:ext cx="8534400" cy="3615267"/>
+          </a:xfrm>
+        </p:spPr>
         <p:txBody>
           <a:bodyPr/>
           <a:lstStyle/>
@@ -4304,7 +6640,11 @@
               <a:buNone/>
             </a:pPr>
             <a:r>
-              <a:rPr lang="hu-HU" dirty="0"/>
+              <a:rPr lang="hu-HU" dirty="0">
+                <a:solidFill>
+                  <a:schemeClr val="tx1"/>
+                </a:solidFill>
+              </a:rPr>
               <a:t>Kovács Zétény:</a:t>
             </a:r>
           </a:p>
@@ -4314,19 +6654,35 @@
               <a:buChar char="Ø"/>
             </a:pPr>
             <a:r>
-              <a:rPr lang="hu-HU" dirty="0" err="1"/>
+              <a:rPr lang="hu-HU" dirty="0" err="1">
+                <a:solidFill>
+                  <a:schemeClr val="tx1"/>
+                </a:solidFill>
+              </a:rPr>
               <a:t>Place</a:t>
             </a:r>
             <a:r>
-              <a:rPr lang="hu-HU" dirty="0"/>
+              <a:rPr lang="hu-HU" dirty="0">
+                <a:solidFill>
+                  <a:schemeClr val="tx1"/>
+                </a:solidFill>
+              </a:rPr>
               <a:t> of </a:t>
             </a:r>
             <a:r>
-              <a:rPr lang="hu-HU" dirty="0" err="1"/>
+              <a:rPr lang="hu-HU" dirty="0" err="1">
+                <a:solidFill>
+                  <a:schemeClr val="tx1"/>
+                </a:solidFill>
+              </a:rPr>
               <a:t>birth</a:t>
             </a:r>
             <a:r>
-              <a:rPr lang="hu-HU" dirty="0"/>
+              <a:rPr lang="hu-HU" dirty="0">
+                <a:solidFill>
+                  <a:schemeClr val="tx1"/>
+                </a:solidFill>
+              </a:rPr>
               <a:t>: Budapest</a:t>
             </a:r>
           </a:p>
@@ -4336,19 +6692,35 @@
               <a:buChar char="Ø"/>
             </a:pPr>
             <a:r>
-              <a:rPr lang="hu-HU" dirty="0" err="1"/>
+              <a:rPr lang="hu-HU" dirty="0" err="1">
+                <a:solidFill>
+                  <a:schemeClr val="tx1"/>
+                </a:solidFill>
+              </a:rPr>
               <a:t>Place</a:t>
             </a:r>
             <a:r>
-              <a:rPr lang="hu-HU" dirty="0"/>
+              <a:rPr lang="hu-HU" dirty="0">
+                <a:solidFill>
+                  <a:schemeClr val="tx1"/>
+                </a:solidFill>
+              </a:rPr>
               <a:t> of </a:t>
             </a:r>
             <a:r>
-              <a:rPr lang="hu-HU" dirty="0" err="1"/>
+              <a:rPr lang="hu-HU" dirty="0" err="1">
+                <a:solidFill>
+                  <a:schemeClr val="tx1"/>
+                </a:solidFill>
+              </a:rPr>
               <a:t>residence</a:t>
             </a:r>
             <a:r>
-              <a:rPr lang="hu-HU" dirty="0"/>
+              <a:rPr lang="hu-HU" dirty="0">
+                <a:solidFill>
+                  <a:schemeClr val="tx1"/>
+                </a:solidFill>
+              </a:rPr>
               <a:t>: Budapest</a:t>
             </a:r>
           </a:p>
@@ -4358,19 +6730,35 @@
               <a:buChar char="Ø"/>
             </a:pPr>
             <a:r>
-              <a:rPr lang="hu-HU" dirty="0" err="1"/>
+              <a:rPr lang="hu-HU" dirty="0" err="1">
+                <a:solidFill>
+                  <a:schemeClr val="tx1"/>
+                </a:solidFill>
+              </a:rPr>
               <a:t>Date</a:t>
             </a:r>
             <a:r>
-              <a:rPr lang="hu-HU" dirty="0"/>
+              <a:rPr lang="hu-HU" dirty="0">
+                <a:solidFill>
+                  <a:schemeClr val="tx1"/>
+                </a:solidFill>
+              </a:rPr>
               <a:t> of </a:t>
             </a:r>
             <a:r>
-              <a:rPr lang="hu-HU" dirty="0" err="1"/>
+              <a:rPr lang="hu-HU" dirty="0" err="1">
+                <a:solidFill>
+                  <a:schemeClr val="tx1"/>
+                </a:solidFill>
+              </a:rPr>
               <a:t>birth</a:t>
             </a:r>
             <a:r>
-              <a:rPr lang="hu-HU" dirty="0"/>
+              <a:rPr lang="hu-HU" dirty="0">
+                <a:solidFill>
+                  <a:schemeClr val="tx1"/>
+                </a:solidFill>
+              </a:rPr>
               <a:t>: 2004. 07. 08.</a:t>
             </a:r>
           </a:p>
@@ -4380,19 +6768,35 @@
               <a:buChar char="Ø"/>
             </a:pPr>
             <a:r>
-              <a:rPr lang="hu-HU" dirty="0" err="1"/>
+              <a:rPr lang="hu-HU" dirty="0" err="1">
+                <a:solidFill>
+                  <a:schemeClr val="tx1"/>
+                </a:solidFill>
+              </a:rPr>
               <a:t>Phone</a:t>
             </a:r>
             <a:r>
-              <a:rPr lang="hu-HU" dirty="0"/>
+              <a:rPr lang="hu-HU" dirty="0">
+                <a:solidFill>
+                  <a:schemeClr val="tx1"/>
+                </a:solidFill>
+              </a:rPr>
               <a:t> </a:t>
             </a:r>
             <a:r>
-              <a:rPr lang="hu-HU" dirty="0" err="1"/>
+              <a:rPr lang="hu-HU" dirty="0" err="1">
+                <a:solidFill>
+                  <a:schemeClr val="tx1"/>
+                </a:solidFill>
+              </a:rPr>
               <a:t>number</a:t>
             </a:r>
             <a:r>
-              <a:rPr lang="hu-HU" dirty="0"/>
+              <a:rPr lang="hu-HU" dirty="0">
+                <a:solidFill>
+                  <a:schemeClr val="tx1"/>
+                </a:solidFill>
+              </a:rPr>
               <a:t>: 06-30-150-7069</a:t>
             </a:r>
           </a:p>
@@ -4402,48 +6806,66 @@
               <a:buChar char="Ø"/>
             </a:pPr>
             <a:r>
-              <a:rPr lang="hu-HU" dirty="0" err="1"/>
+              <a:rPr lang="hu-HU" dirty="0" err="1">
+                <a:solidFill>
+                  <a:schemeClr val="tx1"/>
+                </a:solidFill>
+              </a:rPr>
               <a:t>Positions</a:t>
             </a:r>
             <a:r>
-              <a:rPr lang="hu-HU" dirty="0"/>
+              <a:rPr lang="hu-HU" dirty="0">
+                <a:solidFill>
+                  <a:schemeClr val="tx1"/>
+                </a:solidFill>
+              </a:rPr>
               <a:t>: </a:t>
             </a:r>
             <a:r>
-              <a:rPr lang="hu-HU" dirty="0" err="1"/>
+              <a:rPr lang="hu-HU" dirty="0" err="1">
+                <a:solidFill>
+                  <a:schemeClr val="tx1"/>
+                </a:solidFill>
+              </a:rPr>
               <a:t>programmer</a:t>
             </a:r>
             <a:r>
-              <a:rPr lang="hu-HU" dirty="0"/>
+              <a:rPr lang="hu-HU" dirty="0">
+                <a:solidFill>
+                  <a:schemeClr val="tx1"/>
+                </a:solidFill>
+              </a:rPr>
               <a:t>, English-</a:t>
             </a:r>
             <a:r>
-              <a:rPr lang="hu-HU" dirty="0" err="1"/>
+              <a:rPr lang="hu-HU" dirty="0" err="1">
+                <a:solidFill>
+                  <a:schemeClr val="tx1"/>
+                </a:solidFill>
+              </a:rPr>
               <a:t>speaking</a:t>
             </a:r>
             <a:r>
-              <a:rPr lang="hu-HU" dirty="0"/>
+              <a:rPr lang="hu-HU" dirty="0">
+                <a:solidFill>
+                  <a:schemeClr val="tx1"/>
+                </a:solidFill>
+              </a:rPr>
               <a:t> </a:t>
             </a:r>
             <a:r>
-              <a:rPr lang="hu-HU" dirty="0" err="1"/>
+              <a:rPr lang="hu-HU" dirty="0" err="1">
+                <a:solidFill>
+                  <a:schemeClr val="tx1"/>
+                </a:solidFill>
+              </a:rPr>
               <a:t>presenter</a:t>
             </a:r>
-            <a:endParaRPr lang="hu-HU" dirty="0"/>
-          </a:p>
-          <a:p>
-            <a:pPr>
-              <a:buFont typeface="Wingdings" panose="05000000000000000000" pitchFamily="2" charset="2"/>
-              <a:buChar char="Ø"/>
-            </a:pPr>
-            <a:endParaRPr lang="hu-HU" dirty="0"/>
-          </a:p>
-          <a:p>
-            <a:pPr>
-              <a:buFont typeface="Wingdings" panose="05000000000000000000" pitchFamily="2" charset="2"/>
-              <a:buChar char="Ø"/>
-            </a:pPr>
-            <a:endParaRPr lang="hu-HU" dirty="0"/>
+            <a:endParaRPr lang="hu-HU" dirty="0">
+              <a:solidFill>
+                <a:schemeClr val="tx1"/>
+              </a:solidFill>
+            </a:endParaRPr>
           </a:p>
         </p:txBody>
       </p:sp>
@@ -4493,7 +6915,12 @@
             <p:ph type="title"/>
           </p:nvPr>
         </p:nvSpPr>
-        <p:spPr/>
+        <p:spPr>
+          <a:xfrm>
+            <a:off x="684212" y="569673"/>
+            <a:ext cx="8534400" cy="1507067"/>
+          </a:xfrm>
+        </p:spPr>
         <p:txBody>
           <a:bodyPr/>
           <a:lstStyle/>
@@ -4538,7 +6965,12 @@
             <p:ph idx="1"/>
           </p:nvPr>
         </p:nvSpPr>
-        <p:spPr/>
+        <p:spPr>
+          <a:xfrm>
+            <a:off x="684212" y="2195819"/>
+            <a:ext cx="8534400" cy="3615267"/>
+          </a:xfrm>
+        </p:spPr>
         <p:txBody>
           <a:bodyPr/>
           <a:lstStyle/>
@@ -4547,7 +6979,11 @@
               <a:buNone/>
             </a:pPr>
             <a:r>
-              <a:rPr lang="hu-HU" dirty="0"/>
+              <a:rPr lang="hu-HU" dirty="0">
+                <a:solidFill>
+                  <a:schemeClr val="tx1"/>
+                </a:solidFill>
+              </a:rPr>
               <a:t>Kiss Benedek:</a:t>
             </a:r>
           </a:p>
@@ -4557,19 +6993,35 @@
               <a:buChar char="Ø"/>
             </a:pPr>
             <a:r>
-              <a:rPr lang="hu-HU" dirty="0" err="1"/>
+              <a:rPr lang="hu-HU" dirty="0" err="1">
+                <a:solidFill>
+                  <a:schemeClr val="tx1"/>
+                </a:solidFill>
+              </a:rPr>
               <a:t>Place</a:t>
             </a:r>
             <a:r>
-              <a:rPr lang="hu-HU" dirty="0"/>
+              <a:rPr lang="hu-HU" dirty="0">
+                <a:solidFill>
+                  <a:schemeClr val="tx1"/>
+                </a:solidFill>
+              </a:rPr>
               <a:t> of </a:t>
             </a:r>
             <a:r>
-              <a:rPr lang="hu-HU" dirty="0" err="1"/>
+              <a:rPr lang="hu-HU" dirty="0" err="1">
+                <a:solidFill>
+                  <a:schemeClr val="tx1"/>
+                </a:solidFill>
+              </a:rPr>
               <a:t>birth</a:t>
             </a:r>
             <a:r>
-              <a:rPr lang="hu-HU" dirty="0"/>
+              <a:rPr lang="hu-HU" dirty="0">
+                <a:solidFill>
+                  <a:schemeClr val="tx1"/>
+                </a:solidFill>
+              </a:rPr>
               <a:t>: Budapest</a:t>
             </a:r>
           </a:p>
@@ -4579,19 +7031,35 @@
               <a:buChar char="Ø"/>
             </a:pPr>
             <a:r>
-              <a:rPr lang="hu-HU" dirty="0" err="1"/>
+              <a:rPr lang="hu-HU" dirty="0" err="1">
+                <a:solidFill>
+                  <a:schemeClr val="tx1"/>
+                </a:solidFill>
+              </a:rPr>
               <a:t>Place</a:t>
             </a:r>
             <a:r>
-              <a:rPr lang="hu-HU" dirty="0"/>
+              <a:rPr lang="hu-HU" dirty="0">
+                <a:solidFill>
+                  <a:schemeClr val="tx1"/>
+                </a:solidFill>
+              </a:rPr>
               <a:t> of </a:t>
             </a:r>
             <a:r>
-              <a:rPr lang="hu-HU" dirty="0" err="1"/>
+              <a:rPr lang="hu-HU" dirty="0" err="1">
+                <a:solidFill>
+                  <a:schemeClr val="tx1"/>
+                </a:solidFill>
+              </a:rPr>
               <a:t>residence</a:t>
             </a:r>
             <a:r>
-              <a:rPr lang="hu-HU" dirty="0"/>
+              <a:rPr lang="hu-HU" dirty="0">
+                <a:solidFill>
+                  <a:schemeClr val="tx1"/>
+                </a:solidFill>
+              </a:rPr>
               <a:t>: Budapest</a:t>
             </a:r>
           </a:p>
@@ -4601,19 +7069,35 @@
               <a:buChar char="Ø"/>
             </a:pPr>
             <a:r>
-              <a:rPr lang="hu-HU" dirty="0" err="1"/>
+              <a:rPr lang="hu-HU" dirty="0" err="1">
+                <a:solidFill>
+                  <a:schemeClr val="tx1"/>
+                </a:solidFill>
+              </a:rPr>
               <a:t>Date</a:t>
             </a:r>
             <a:r>
-              <a:rPr lang="hu-HU" dirty="0"/>
+              <a:rPr lang="hu-HU" dirty="0">
+                <a:solidFill>
+                  <a:schemeClr val="tx1"/>
+                </a:solidFill>
+              </a:rPr>
               <a:t> of </a:t>
             </a:r>
             <a:r>
-              <a:rPr lang="hu-HU" dirty="0" err="1"/>
+              <a:rPr lang="hu-HU" dirty="0" err="1">
+                <a:solidFill>
+                  <a:schemeClr val="tx1"/>
+                </a:solidFill>
+              </a:rPr>
               <a:t>birth</a:t>
             </a:r>
             <a:r>
-              <a:rPr lang="hu-HU" dirty="0"/>
+              <a:rPr lang="hu-HU" dirty="0">
+                <a:solidFill>
+                  <a:schemeClr val="tx1"/>
+                </a:solidFill>
+              </a:rPr>
               <a:t>: 2004. 09. 06.</a:t>
             </a:r>
           </a:p>
@@ -4623,19 +7107,35 @@
               <a:buChar char="Ø"/>
             </a:pPr>
             <a:r>
-              <a:rPr lang="hu-HU" dirty="0" err="1"/>
+              <a:rPr lang="hu-HU" dirty="0" err="1">
+                <a:solidFill>
+                  <a:schemeClr val="tx1"/>
+                </a:solidFill>
+              </a:rPr>
               <a:t>Phone</a:t>
             </a:r>
             <a:r>
-              <a:rPr lang="hu-HU" dirty="0"/>
+              <a:rPr lang="hu-HU" dirty="0">
+                <a:solidFill>
+                  <a:schemeClr val="tx1"/>
+                </a:solidFill>
+              </a:rPr>
               <a:t> </a:t>
             </a:r>
             <a:r>
-              <a:rPr lang="hu-HU" dirty="0" err="1"/>
+              <a:rPr lang="hu-HU" dirty="0" err="1">
+                <a:solidFill>
+                  <a:schemeClr val="tx1"/>
+                </a:solidFill>
+              </a:rPr>
               <a:t>number</a:t>
             </a:r>
             <a:r>
-              <a:rPr lang="hu-HU" dirty="0"/>
+              <a:rPr lang="hu-HU" dirty="0">
+                <a:solidFill>
+                  <a:schemeClr val="tx1"/>
+                </a:solidFill>
+              </a:rPr>
               <a:t>: +7 495 697-03-49</a:t>
             </a:r>
           </a:p>
@@ -4645,41 +7145,61 @@
               <a:buChar char="Ø"/>
             </a:pPr>
             <a:r>
-              <a:rPr lang="hu-HU" dirty="0" err="1"/>
+              <a:rPr lang="hu-HU" dirty="0" err="1">
+                <a:solidFill>
+                  <a:schemeClr val="tx1"/>
+                </a:solidFill>
+              </a:rPr>
               <a:t>Positions</a:t>
             </a:r>
             <a:r>
-              <a:rPr lang="hu-HU" dirty="0"/>
+              <a:rPr lang="hu-HU" dirty="0">
+                <a:solidFill>
+                  <a:schemeClr val="tx1"/>
+                </a:solidFill>
+              </a:rPr>
               <a:t>: </a:t>
             </a:r>
             <a:r>
-              <a:rPr lang="hu-HU" dirty="0" err="1"/>
+              <a:rPr lang="hu-HU" dirty="0" err="1">
+                <a:solidFill>
+                  <a:schemeClr val="tx1"/>
+                </a:solidFill>
+              </a:rPr>
               <a:t>programmer</a:t>
             </a:r>
             <a:r>
-              <a:rPr lang="hu-HU" dirty="0"/>
+              <a:rPr lang="hu-HU" dirty="0">
+                <a:solidFill>
+                  <a:schemeClr val="tx1"/>
+                </a:solidFill>
+              </a:rPr>
               <a:t>, </a:t>
             </a:r>
             <a:r>
-              <a:rPr lang="hu-HU" dirty="0" err="1"/>
-              <a:t>wing</a:t>
-            </a:r>
-            <a:r>
-              <a:rPr lang="hu-HU" dirty="0"/>
-              <a:t> </a:t>
-            </a:r>
-            <a:r>
-              <a:rPr lang="hu-HU" dirty="0" err="1"/>
-              <a:t>assistant</a:t>
-            </a:r>
-            <a:endParaRPr lang="hu-HU" dirty="0"/>
+              <a:rPr lang="hu-HU" dirty="0" err="1">
+                <a:solidFill>
+                  <a:schemeClr val="tx1"/>
+                </a:solidFill>
+              </a:rPr>
+              <a:t>wingman</a:t>
+            </a:r>
+            <a:endParaRPr lang="hu-HU" dirty="0">
+              <a:solidFill>
+                <a:schemeClr val="tx1"/>
+              </a:solidFill>
+            </a:endParaRPr>
           </a:p>
           <a:p>
             <a:pPr>
               <a:buFont typeface="Wingdings" panose="05000000000000000000" pitchFamily="2" charset="2"/>
               <a:buChar char="Ø"/>
             </a:pPr>
-            <a:endParaRPr lang="hu-HU" dirty="0"/>
+            <a:endParaRPr lang="hu-HU" dirty="0">
+              <a:solidFill>
+                <a:schemeClr val="tx1"/>
+              </a:solidFill>
+            </a:endParaRPr>
           </a:p>
         </p:txBody>
       </p:sp>
@@ -4731,8 +7251,8 @@
         </p:nvSpPr>
         <p:spPr>
           <a:xfrm>
-            <a:off x="838200" y="365125"/>
-            <a:ext cx="2509007" cy="1325563"/>
+            <a:off x="503340" y="365125"/>
+            <a:ext cx="2843868" cy="1325563"/>
           </a:xfrm>
         </p:spPr>
         <p:txBody>
@@ -4777,11 +7297,19 @@
               <a:buNone/>
             </a:pPr>
             <a:r>
-              <a:rPr lang="hu-HU" dirty="0" err="1"/>
+              <a:rPr lang="hu-HU" dirty="0" err="1">
+                <a:solidFill>
+                  <a:schemeClr val="tx1"/>
+                </a:solidFill>
+              </a:rPr>
               <a:t>Trello</a:t>
             </a:r>
             <a:r>
-              <a:rPr lang="hu-HU" dirty="0"/>
+              <a:rPr lang="hu-HU" dirty="0">
+                <a:solidFill>
+                  <a:schemeClr val="tx1"/>
+                </a:solidFill>
+              </a:rPr>
               <a:t>:</a:t>
             </a:r>
           </a:p>
@@ -4790,10 +7318,18 @@
               <a:buNone/>
             </a:pPr>
             <a:r>
-              <a:rPr lang="en-US" dirty="0"/>
+              <a:rPr lang="en-US" dirty="0">
+                <a:solidFill>
+                  <a:schemeClr val="tx1"/>
+                </a:solidFill>
+              </a:rPr>
               <a:t>In the Trello interface, we have divided the tasks and whether each task is in progress or finished. </a:t>
             </a:r>
-            <a:endParaRPr lang="hu-HU" dirty="0"/>
+            <a:endParaRPr lang="hu-HU" dirty="0">
+              <a:solidFill>
+                <a:schemeClr val="tx1"/>
+              </a:solidFill>
+            </a:endParaRPr>
           </a:p>
         </p:txBody>
       </p:sp>
@@ -4886,7 +7422,9 @@
           </a:xfrm>
         </p:spPr>
         <p:txBody>
-          <a:bodyPr/>
+          <a:bodyPr>
+            <a:normAutofit fontScale="90000"/>
+          </a:bodyPr>
           <a:lstStyle/>
           <a:p>
             <a:r>
@@ -4929,11 +7467,19 @@
               <a:buNone/>
             </a:pPr>
             <a:r>
-              <a:rPr lang="hu-HU" dirty="0" err="1"/>
+              <a:rPr lang="hu-HU" dirty="0" err="1">
+                <a:solidFill>
+                  <a:schemeClr val="tx1"/>
+                </a:solidFill>
+              </a:rPr>
               <a:t>Figma</a:t>
             </a:r>
             <a:r>
-              <a:rPr lang="hu-HU" dirty="0"/>
+              <a:rPr lang="hu-HU" dirty="0">
+                <a:solidFill>
+                  <a:schemeClr val="tx1"/>
+                </a:solidFill>
+              </a:rPr>
               <a:t>:</a:t>
             </a:r>
           </a:p>
@@ -4942,27 +7488,91 @@
               <a:buNone/>
             </a:pPr>
             <a:r>
-              <a:rPr lang="en-US" dirty="0"/>
+              <a:rPr lang="en-US" dirty="0">
+                <a:solidFill>
+                  <a:schemeClr val="tx1"/>
+                </a:solidFill>
+              </a:rPr>
               <a:t>We designed the prototype and its wireframe on the </a:t>
             </a:r>
             <a:r>
-              <a:rPr lang="en-US" dirty="0" err="1"/>
+              <a:rPr lang="en-US" dirty="0" err="1">
+                <a:solidFill>
+                  <a:schemeClr val="tx1"/>
+                </a:solidFill>
+              </a:rPr>
               <a:t>Figma</a:t>
             </a:r>
             <a:r>
-              <a:rPr lang="en-US" dirty="0"/>
+              <a:rPr lang="en-US" dirty="0">
+                <a:solidFill>
+                  <a:schemeClr val="tx1"/>
+                </a:solidFill>
+              </a:rPr>
               <a:t> site. Several people can work on this interface at the same time.</a:t>
             </a:r>
-            <a:endParaRPr lang="hu-HU" dirty="0"/>
+            <a:endParaRPr lang="hu-HU" dirty="0">
+              <a:solidFill>
+                <a:schemeClr val="tx1"/>
+              </a:solidFill>
+            </a:endParaRPr>
+          </a:p>
+        </p:txBody>
+      </p:sp>
+      <p:sp>
+        <p:nvSpPr>
+          <p:cNvPr id="5" name="Szövegdoboz 4">
+            <a:extLst>
+              <a:ext uri="{FF2B5EF4-FFF2-40B4-BE49-F238E27FC236}">
+                <a16:creationId xmlns:a16="http://schemas.microsoft.com/office/drawing/2014/main" id="{7ABC6743-ABAA-4A78-909C-303B5FDA8B68}"/>
+              </a:ext>
+            </a:extLst>
+          </p:cNvPr>
+          <p:cNvSpPr txBox="1"/>
+          <p:nvPr/>
+        </p:nvSpPr>
+        <p:spPr>
+          <a:xfrm>
+            <a:off x="4983061" y="444617"/>
+            <a:ext cx="5964572" cy="769441"/>
+          </a:xfrm>
+          <a:prstGeom prst="rect">
+            <a:avLst/>
+          </a:prstGeom>
+          <a:noFill/>
+        </p:spPr>
+        <p:txBody>
+          <a:bodyPr wrap="square" rtlCol="0">
+            <a:spAutoFit/>
+          </a:bodyPr>
+          <a:lstStyle/>
+          <a:p>
+            <a:r>
+              <a:rPr lang="hu-HU" sz="4400" b="1" dirty="0"/>
+              <a:t>Picture of </a:t>
+            </a:r>
+            <a:r>
+              <a:rPr lang="hu-HU" sz="4400" b="1" dirty="0" err="1"/>
+              <a:t>the</a:t>
+            </a:r>
+            <a:r>
+              <a:rPr lang="hu-HU" sz="4400" b="1" dirty="0"/>
+              <a:t> </a:t>
+            </a:r>
+            <a:r>
+              <a:rPr lang="hu-HU" sz="4400" b="1" dirty="0" err="1"/>
+              <a:t>wireframe</a:t>
+            </a:r>
+            <a:endParaRPr lang="hu-HU" sz="4400" b="1" dirty="0"/>
           </a:p>
         </p:txBody>
       </p:sp>
       <p:pic>
         <p:nvPicPr>
-          <p:cNvPr id="4" name="Kép 3">
+          <p:cNvPr id="6" name="Kép 5">
             <a:extLst>
               <a:ext uri="{FF2B5EF4-FFF2-40B4-BE49-F238E27FC236}">
-                <a16:creationId xmlns:a16="http://schemas.microsoft.com/office/drawing/2014/main" id="{EF5A0EA0-CE1A-41F7-892E-D512C67C58B1}"/>
+                <a16:creationId xmlns:a16="http://schemas.microsoft.com/office/drawing/2014/main" id="{550E8796-9A51-4923-B809-7721701691F3}"/>
               </a:ext>
             </a:extLst>
           </p:cNvPr>
@@ -4972,75 +7582,51 @@
           <p:nvPr/>
         </p:nvPicPr>
         <p:blipFill>
-          <a:blip r:embed="rId2">
-            <a:extLst>
-              <a:ext uri="{28A0092B-C50C-407E-A947-70E740481C1C}">
-                <a14:useLocalDpi xmlns:a14="http://schemas.microsoft.com/office/drawing/2010/main" val="0"/>
-              </a:ext>
-            </a:extLst>
-          </a:blip>
+          <a:blip r:embed="rId2"/>
           <a:stretch>
             <a:fillRect/>
           </a:stretch>
         </p:blipFill>
         <p:spPr>
           <a:xfrm>
-            <a:off x="3057048" y="1825624"/>
-            <a:ext cx="9134952" cy="3167650"/>
+            <a:off x="3129792" y="2158478"/>
+            <a:ext cx="4953000" cy="3590925"/>
           </a:xfrm>
           <a:prstGeom prst="rect">
             <a:avLst/>
           </a:prstGeom>
         </p:spPr>
       </p:pic>
-      <p:sp>
-        <p:nvSpPr>
-          <p:cNvPr id="5" name="Szövegdoboz 4">
+      <p:pic>
+        <p:nvPicPr>
+          <p:cNvPr id="7" name="Kép 6">
             <a:extLst>
               <a:ext uri="{FF2B5EF4-FFF2-40B4-BE49-F238E27FC236}">
-                <a16:creationId xmlns:a16="http://schemas.microsoft.com/office/drawing/2014/main" id="{7ABC6743-ABAA-4A78-909C-303B5FDA8B68}"/>
+                <a16:creationId xmlns:a16="http://schemas.microsoft.com/office/drawing/2014/main" id="{C5008208-683A-401D-8C0E-13C3BAC3AF9F}"/>
               </a:ext>
             </a:extLst>
           </p:cNvPr>
-          <p:cNvSpPr txBox="1"/>
+          <p:cNvPicPr>
+            <a:picLocks noChangeAspect="1"/>
+          </p:cNvPicPr>
           <p:nvPr/>
-        </p:nvSpPr>
+        </p:nvPicPr>
+        <p:blipFill>
+          <a:blip r:embed="rId3"/>
+          <a:stretch>
+            <a:fillRect/>
+          </a:stretch>
+        </p:blipFill>
         <p:spPr>
           <a:xfrm>
-            <a:off x="5025006" y="615692"/>
-            <a:ext cx="5964572" cy="769441"/>
+            <a:off x="7313083" y="3610966"/>
+            <a:ext cx="4878917" cy="3305073"/>
           </a:xfrm>
           <a:prstGeom prst="rect">
             <a:avLst/>
           </a:prstGeom>
-          <a:noFill/>
         </p:spPr>
-        <p:txBody>
-          <a:bodyPr wrap="square" rtlCol="0">
-            <a:spAutoFit/>
-          </a:bodyPr>
-          <a:lstStyle/>
-          <a:p>
-            <a:r>
-              <a:rPr lang="hu-HU" sz="4400" b="1" dirty="0"/>
-              <a:t>Picture of </a:t>
-            </a:r>
-            <a:r>
-              <a:rPr lang="hu-HU" sz="4400" b="1" dirty="0" err="1"/>
-              <a:t>the</a:t>
-            </a:r>
-            <a:r>
-              <a:rPr lang="hu-HU" sz="4400" b="1" dirty="0"/>
-              <a:t> </a:t>
-            </a:r>
-            <a:r>
-              <a:rPr lang="hu-HU" sz="4400" b="1" dirty="0" err="1"/>
-              <a:t>wireframe</a:t>
-            </a:r>
-            <a:endParaRPr lang="hu-HU" sz="4400" b="1" dirty="0"/>
-          </a:p>
-        </p:txBody>
-      </p:sp>
+      </p:pic>
     </p:spTree>
     <p:extLst>
       <p:ext uri="{BB962C8B-B14F-4D97-AF65-F5344CB8AC3E}">
@@ -5087,7 +7673,12 @@
             <p:ph type="title"/>
           </p:nvPr>
         </p:nvSpPr>
-        <p:spPr/>
+        <p:spPr>
+          <a:xfrm>
+            <a:off x="787866" y="291915"/>
+            <a:ext cx="8534400" cy="1507067"/>
+          </a:xfrm>
+        </p:spPr>
         <p:txBody>
           <a:bodyPr/>
           <a:lstStyle/>
@@ -5118,7 +7709,7 @@
         </p:nvSpPr>
         <p:spPr>
           <a:xfrm>
-            <a:off x="838200" y="1825625"/>
+            <a:off x="787866" y="1045449"/>
             <a:ext cx="2089558" cy="4351338"/>
           </a:xfrm>
         </p:spPr>
@@ -5130,18 +7721,34 @@
               <a:buNone/>
             </a:pPr>
             <a:r>
-              <a:rPr lang="en-US" dirty="0"/>
+              <a:rPr lang="en-US" dirty="0">
+                <a:solidFill>
+                  <a:schemeClr val="tx1"/>
+                </a:solidFill>
+              </a:rPr>
               <a:t>We shared the files on </a:t>
             </a:r>
             <a:r>
-              <a:rPr lang="en-US" dirty="0" err="1"/>
+              <a:rPr lang="en-US" dirty="0" err="1">
+                <a:solidFill>
+                  <a:schemeClr val="tx1"/>
+                </a:solidFill>
+              </a:rPr>
               <a:t>Github</a:t>
             </a:r>
             <a:r>
-              <a:rPr lang="en-US" dirty="0"/>
+              <a:rPr lang="en-US" dirty="0">
+                <a:solidFill>
+                  <a:schemeClr val="tx1"/>
+                </a:solidFill>
+              </a:rPr>
               <a:t>. If the situation requires that someone is absent, you can share important things from home.</a:t>
             </a:r>
-            <a:endParaRPr lang="hu-HU" dirty="0"/>
+            <a:endParaRPr lang="hu-HU" dirty="0">
+              <a:solidFill>
+                <a:schemeClr val="tx1"/>
+              </a:solidFill>
+            </a:endParaRPr>
           </a:p>
         </p:txBody>
       </p:sp>
@@ -5195,9 +7802,9 @@
 </file>
 
 <file path=ppt/theme/theme1.xml><?xml version="1.0" encoding="utf-8"?>
-<a:theme xmlns:a="http://schemas.openxmlformats.org/drawingml/2006/main" name="Office-téma">
+<a:theme xmlns:a="http://schemas.openxmlformats.org/drawingml/2006/main" name="Szelet">
   <a:themeElements>
-    <a:clrScheme name="Office">
+    <a:clrScheme name="Szelet">
       <a:dk1>
         <a:sysClr val="windowText" lastClr="000000"/>
       </a:dk1>
@@ -5205,100 +7812,48 @@
         <a:sysClr val="window" lastClr="FFFFFF"/>
       </a:lt1>
       <a:dk2>
-        <a:srgbClr val="44546A"/>
+        <a:srgbClr val="146194"/>
       </a:dk2>
       <a:lt2>
-        <a:srgbClr val="E7E6E6"/>
+        <a:srgbClr val="76DBF4"/>
       </a:lt2>
       <a:accent1>
-        <a:srgbClr val="4472C4"/>
+        <a:srgbClr val="052F61"/>
       </a:accent1>
       <a:accent2>
-        <a:srgbClr val="ED7D31"/>
+        <a:srgbClr val="A50E82"/>
       </a:accent2>
       <a:accent3>
-        <a:srgbClr val="A5A5A5"/>
+        <a:srgbClr val="14967C"/>
       </a:accent3>
       <a:accent4>
-        <a:srgbClr val="FFC000"/>
+        <a:srgbClr val="6A9E1F"/>
       </a:accent4>
       <a:accent5>
-        <a:srgbClr val="5B9BD5"/>
+        <a:srgbClr val="E87D37"/>
       </a:accent5>
       <a:accent6>
-        <a:srgbClr val="70AD47"/>
+        <a:srgbClr val="C62324"/>
       </a:accent6>
       <a:hlink>
-        <a:srgbClr val="0563C1"/>
+        <a:srgbClr val="0D2E46"/>
       </a:hlink>
       <a:folHlink>
-        <a:srgbClr val="954F72"/>
+        <a:srgbClr val="356A95"/>
       </a:folHlink>
     </a:clrScheme>
-    <a:fontScheme name="Office">
+    <a:fontScheme name="Szelet">
       <a:majorFont>
-        <a:latin typeface="Calibri Light" panose="020F0302020204030204"/>
+        <a:latin typeface="Century Gothic" panose="020B0502020202020204"/>
         <a:ea typeface=""/>
         <a:cs typeface=""/>
-        <a:font script="Jpan" typeface="游ゴシック Light"/>
-        <a:font script="Hang" typeface="맑은 고딕"/>
-        <a:font script="Hans" typeface="等线 Light"/>
-        <a:font script="Hant" typeface="新細明體"/>
-        <a:font script="Arab" typeface="Times New Roman"/>
-        <a:font script="Hebr" typeface="Times New Roman"/>
-        <a:font script="Thai" typeface="Angsana New"/>
-        <a:font script="Ethi" typeface="Nyala"/>
-        <a:font script="Beng" typeface="Vrinda"/>
-        <a:font script="Gujr" typeface="Shruti"/>
-        <a:font script="Khmr" typeface="MoolBoran"/>
-        <a:font script="Knda" typeface="Tunga"/>
-        <a:font script="Guru" typeface="Raavi"/>
-        <a:font script="Cans" typeface="Euphemia"/>
-        <a:font script="Cher" typeface="Plantagenet Cherokee"/>
-        <a:font script="Yiii" typeface="Microsoft Yi Baiti"/>
-        <a:font script="Tibt" typeface="Microsoft Himalaya"/>
-        <a:font script="Thaa" typeface="MV Boli"/>
-        <a:font script="Deva" typeface="Mangal"/>
-        <a:font script="Telu" typeface="Gautami"/>
-        <a:font script="Taml" typeface="Latha"/>
-        <a:font script="Syrc" typeface="Estrangelo Edessa"/>
-        <a:font script="Orya" typeface="Kalinga"/>
-        <a:font script="Mlym" typeface="Kartika"/>
-        <a:font script="Laoo" typeface="DokChampa"/>
-        <a:font script="Sinh" typeface="Iskoola Pota"/>
-        <a:font script="Mong" typeface="Mongolian Baiti"/>
-        <a:font script="Viet" typeface="Times New Roman"/>
-        <a:font script="Uigh" typeface="Microsoft Uighur"/>
-        <a:font script="Geor" typeface="Sylfaen"/>
-        <a:font script="Armn" typeface="Arial"/>
-        <a:font script="Bugi" typeface="Leelawadee UI"/>
-        <a:font script="Bopo" typeface="Microsoft JhengHei"/>
-        <a:font script="Java" typeface="Javanese Text"/>
-        <a:font script="Lisu" typeface="Segoe UI"/>
-        <a:font script="Mymr" typeface="Myanmar Text"/>
-        <a:font script="Nkoo" typeface="Ebrima"/>
-        <a:font script="Olck" typeface="Nirmala UI"/>
-        <a:font script="Osma" typeface="Ebrima"/>
-        <a:font script="Phag" typeface="Phagspa"/>
-        <a:font script="Syrn" typeface="Estrangelo Edessa"/>
-        <a:font script="Syrj" typeface="Estrangelo Edessa"/>
-        <a:font script="Syre" typeface="Estrangelo Edessa"/>
-        <a:font script="Sora" typeface="Nirmala UI"/>
-        <a:font script="Tale" typeface="Microsoft Tai Le"/>
-        <a:font script="Talu" typeface="Microsoft New Tai Lue"/>
-        <a:font script="Tfng" typeface="Ebrima"/>
-      </a:majorFont>
-      <a:minorFont>
-        <a:latin typeface="Calibri" panose="020F0502020204030204"/>
-        <a:ea typeface=""/>
-        <a:cs typeface=""/>
-        <a:font script="Jpan" typeface="游ゴシック"/>
-        <a:font script="Hang" typeface="맑은 고딕"/>
-        <a:font script="Hans" typeface="等线"/>
-        <a:font script="Hant" typeface="新細明體"/>
-        <a:font script="Arab" typeface="Arial"/>
-        <a:font script="Hebr" typeface="Arial"/>
-        <a:font script="Thai" typeface="Cordia New"/>
+        <a:font script="Jpan" typeface="メイリオ"/>
+        <a:font script="Hang" typeface="HY중고딕"/>
+        <a:font script="Hans" typeface="幼圆"/>
+        <a:font script="Hant" typeface="微軟正黑體"/>
+        <a:font script="Arab" typeface="Tahoma"/>
+        <a:font script="Hebr" typeface="Gisha"/>
+        <a:font script="Thai" typeface="DilleniaUPC"/>
         <a:font script="Ethi" typeface="Nyala"/>
         <a:font script="Beng" typeface="Vrinda"/>
         <a:font script="Gujr" typeface="Shruti"/>
@@ -5319,29 +7874,47 @@
         <a:font script="Laoo" typeface="DokChampa"/>
         <a:font script="Sinh" typeface="Iskoola Pota"/>
         <a:font script="Mong" typeface="Mongolian Baiti"/>
-        <a:font script="Viet" typeface="Arial"/>
+        <a:font script="Viet" typeface="Tahoma"/>
         <a:font script="Uigh" typeface="Microsoft Uighur"/>
         <a:font script="Geor" typeface="Sylfaen"/>
-        <a:font script="Armn" typeface="Arial"/>
-        <a:font script="Bugi" typeface="Leelawadee UI"/>
-        <a:font script="Bopo" typeface="Microsoft JhengHei"/>
-        <a:font script="Java" typeface="Javanese Text"/>
-        <a:font script="Lisu" typeface="Segoe UI"/>
-        <a:font script="Mymr" typeface="Myanmar Text"/>
-        <a:font script="Nkoo" typeface="Ebrima"/>
-        <a:font script="Olck" typeface="Nirmala UI"/>
-        <a:font script="Osma" typeface="Ebrima"/>
-        <a:font script="Phag" typeface="Phagspa"/>
-        <a:font script="Syrn" typeface="Estrangelo Edessa"/>
-        <a:font script="Syrj" typeface="Estrangelo Edessa"/>
-        <a:font script="Syre" typeface="Estrangelo Edessa"/>
-        <a:font script="Sora" typeface="Nirmala UI"/>
-        <a:font script="Tale" typeface="Microsoft Tai Le"/>
-        <a:font script="Talu" typeface="Microsoft New Tai Lue"/>
-        <a:font script="Tfng" typeface="Ebrima"/>
+      </a:majorFont>
+      <a:minorFont>
+        <a:latin typeface="Century Gothic" panose="020B0502020202020204"/>
+        <a:ea typeface=""/>
+        <a:cs typeface=""/>
+        <a:font script="Jpan" typeface="メイリオ"/>
+        <a:font script="Hang" typeface="HY중고딕"/>
+        <a:font script="Hans" typeface="幼圆"/>
+        <a:font script="Hant" typeface="微軟正黑體"/>
+        <a:font script="Arab" typeface="Tahoma"/>
+        <a:font script="Hebr" typeface="Gisha"/>
+        <a:font script="Thai" typeface="DilleniaUPC"/>
+        <a:font script="Ethi" typeface="Nyala"/>
+        <a:font script="Beng" typeface="Vrinda"/>
+        <a:font script="Gujr" typeface="Shruti"/>
+        <a:font script="Khmr" typeface="DaunPenh"/>
+        <a:font script="Knda" typeface="Tunga"/>
+        <a:font script="Guru" typeface="Raavi"/>
+        <a:font script="Cans" typeface="Euphemia"/>
+        <a:font script="Cher" typeface="Plantagenet Cherokee"/>
+        <a:font script="Yiii" typeface="Microsoft Yi Baiti"/>
+        <a:font script="Tibt" typeface="Microsoft Himalaya"/>
+        <a:font script="Thaa" typeface="MV Boli"/>
+        <a:font script="Deva" typeface="Mangal"/>
+        <a:font script="Telu" typeface="Gautami"/>
+        <a:font script="Taml" typeface="Latha"/>
+        <a:font script="Syrc" typeface="Estrangelo Edessa"/>
+        <a:font script="Orya" typeface="Kalinga"/>
+        <a:font script="Mlym" typeface="Kartika"/>
+        <a:font script="Laoo" typeface="DokChampa"/>
+        <a:font script="Sinh" typeface="Iskoola Pota"/>
+        <a:font script="Mong" typeface="Mongolian Baiti"/>
+        <a:font script="Viet" typeface="Tahoma"/>
+        <a:font script="Uigh" typeface="Microsoft Uighur"/>
+        <a:font script="Geor" typeface="Sylfaen"/>
       </a:minorFont>
     </a:fontScheme>
-    <a:fmtScheme name="Office">
+    <a:fmtScheme name="Szelet">
       <a:fillStyleLst>
         <a:solidFill>
           <a:schemeClr val="phClr"/>
@@ -5350,23 +7923,16 @@
           <a:gsLst>
             <a:gs pos="0">
               <a:schemeClr val="phClr">
+                <a:tint val="62000"/>
+                <a:hueMod val="94000"/>
+                <a:satMod val="140000"/>
                 <a:lumMod val="110000"/>
-                <a:satMod val="105000"/>
-                <a:tint val="67000"/>
-              </a:schemeClr>
-            </a:gs>
-            <a:gs pos="50000">
-              <a:schemeClr val="phClr">
-                <a:lumMod val="105000"/>
-                <a:satMod val="103000"/>
-                <a:tint val="73000"/>
               </a:schemeClr>
             </a:gs>
             <a:gs pos="100000">
               <a:schemeClr val="phClr">
-                <a:lumMod val="105000"/>
-                <a:satMod val="109000"/>
-                <a:tint val="81000"/>
+                <a:tint val="84000"/>
+                <a:satMod val="160000"/>
               </a:schemeClr>
             </a:gs>
           </a:gsLst>
@@ -5376,23 +7942,16 @@
           <a:gsLst>
             <a:gs pos="0">
               <a:schemeClr val="phClr">
-                <a:satMod val="103000"/>
-                <a:lumMod val="102000"/>
-                <a:tint val="94000"/>
-              </a:schemeClr>
-            </a:gs>
-            <a:gs pos="50000">
-              <a:schemeClr val="phClr">
-                <a:satMod val="110000"/>
-                <a:lumMod val="100000"/>
-                <a:shade val="100000"/>
+                <a:tint val="98000"/>
+                <a:hueMod val="94000"/>
+                <a:satMod val="130000"/>
+                <a:lumMod val="128000"/>
               </a:schemeClr>
             </a:gs>
             <a:gs pos="100000">
               <a:schemeClr val="phClr">
-                <a:lumMod val="99000"/>
-                <a:satMod val="120000"/>
-                <a:shade val="78000"/>
+                <a:shade val="94000"/>
+                <a:lumMod val="88000"/>
               </a:schemeClr>
             </a:gs>
           </a:gsLst>
@@ -5400,26 +7959,29 @@
         </a:gradFill>
       </a:fillStyleLst>
       <a:lnStyleLst>
-        <a:ln w="6350" cap="flat" cmpd="sng" algn="ctr">
+        <a:ln w="9525" cap="rnd" cmpd="sng" algn="ctr">
+          <a:solidFill>
+            <a:schemeClr val="phClr">
+              <a:tint val="76000"/>
+              <a:alpha val="60000"/>
+              <a:hueMod val="94000"/>
+            </a:schemeClr>
+          </a:solidFill>
+          <a:prstDash val="solid"/>
+        </a:ln>
+        <a:ln w="15875" cap="rnd" cmpd="sng" algn="ctr">
+          <a:solidFill>
+            <a:schemeClr val="phClr">
+              <a:hueMod val="94000"/>
+            </a:schemeClr>
+          </a:solidFill>
+          <a:prstDash val="solid"/>
+        </a:ln>
+        <a:ln w="28575" cap="rnd" cmpd="sng" algn="ctr">
           <a:solidFill>
             <a:schemeClr val="phClr"/>
           </a:solidFill>
           <a:prstDash val="solid"/>
-          <a:miter lim="800000"/>
-        </a:ln>
-        <a:ln w="12700" cap="flat" cmpd="sng" algn="ctr">
-          <a:solidFill>
-            <a:schemeClr val="phClr"/>
-          </a:solidFill>
-          <a:prstDash val="solid"/>
-          <a:miter lim="800000"/>
-        </a:ln>
-        <a:ln w="19050" cap="flat" cmpd="sng" algn="ctr">
-          <a:solidFill>
-            <a:schemeClr val="phClr"/>
-          </a:solidFill>
-          <a:prstDash val="solid"/>
-          <a:miter lim="800000"/>
         </a:ln>
       </a:lnStyleLst>
       <a:effectStyleLst>
@@ -5427,54 +7989,78 @@
           <a:effectLst/>
         </a:effectStyle>
         <a:effectStyle>
-          <a:effectLst/>
+          <a:effectLst>
+            <a:innerShdw blurRad="25400" dist="12700" dir="13500000">
+              <a:srgbClr val="000000">
+                <a:alpha val="45000"/>
+              </a:srgbClr>
+            </a:innerShdw>
+          </a:effectLst>
         </a:effectStyle>
         <a:effectStyle>
           <a:effectLst>
-            <a:outerShdw blurRad="57150" dist="19050" dir="5400000" algn="ctr" rotWithShape="0">
+            <a:outerShdw blurRad="50800" dist="38100" dir="5400000" rotWithShape="0">
               <a:srgbClr val="000000">
-                <a:alpha val="63000"/>
+                <a:alpha val="46000"/>
               </a:srgbClr>
             </a:outerShdw>
           </a:effectLst>
+          <a:scene3d>
+            <a:camera prst="orthographicFront">
+              <a:rot lat="0" lon="0" rev="0"/>
+            </a:camera>
+            <a:lightRig rig="threePt" dir="t"/>
+          </a:scene3d>
+          <a:sp3d prstMaterial="plastic">
+            <a:bevelT w="25400" h="25400"/>
+          </a:sp3d>
         </a:effectStyle>
       </a:effectStyleLst>
       <a:bgFillStyleLst>
         <a:solidFill>
           <a:schemeClr val="phClr"/>
         </a:solidFill>
-        <a:solidFill>
-          <a:schemeClr val="phClr">
-            <a:tint val="95000"/>
-            <a:satMod val="170000"/>
-          </a:schemeClr>
-        </a:solidFill>
+        <a:gradFill rotWithShape="1">
+          <a:gsLst>
+            <a:gs pos="10000">
+              <a:schemeClr val="phClr">
+                <a:tint val="97000"/>
+                <a:hueMod val="92000"/>
+                <a:satMod val="169000"/>
+                <a:lumMod val="164000"/>
+              </a:schemeClr>
+            </a:gs>
+            <a:gs pos="100000">
+              <a:schemeClr val="phClr">
+                <a:shade val="96000"/>
+                <a:satMod val="120000"/>
+                <a:lumMod val="90000"/>
+              </a:schemeClr>
+            </a:gs>
+          </a:gsLst>
+          <a:lin ang="6120000" scaled="1"/>
+        </a:gradFill>
         <a:gradFill rotWithShape="1">
           <a:gsLst>
             <a:gs pos="0">
               <a:schemeClr val="phClr">
-                <a:tint val="93000"/>
-                <a:satMod val="150000"/>
-                <a:shade val="98000"/>
-                <a:lumMod val="102000"/>
-              </a:schemeClr>
-            </a:gs>
-            <a:gs pos="50000">
-              <a:schemeClr val="phClr">
-                <a:tint val="98000"/>
-                <a:satMod val="130000"/>
-                <a:shade val="90000"/>
-                <a:lumMod val="103000"/>
+                <a:tint val="97000"/>
+                <a:hueMod val="92000"/>
+                <a:satMod val="169000"/>
+                <a:lumMod val="164000"/>
               </a:schemeClr>
             </a:gs>
             <a:gs pos="100000">
               <a:schemeClr val="phClr">
-                <a:shade val="63000"/>
+                <a:shade val="96000"/>
                 <a:satMod val="120000"/>
+                <a:lumMod val="90000"/>
               </a:schemeClr>
             </a:gs>
           </a:gsLst>
-          <a:lin ang="5400000" scaled="0"/>
+          <a:path path="circle">
+            <a:fillToRect b="100000"/>
+          </a:path>
         </a:gradFill>
       </a:bgFillStyleLst>
     </a:fmtScheme>
@@ -5483,7 +8069,7 @@
   <a:extraClrSchemeLst/>
   <a:extLst>
     <a:ext uri="{05A4C25C-085E-4340-85A3-A5531E510DB2}">
-      <thm15:themeFamily xmlns:thm15="http://schemas.microsoft.com/office/thememl/2012/main" name="Office Theme" id="{62F939B6-93AF-4DB8-9C6B-D6C7DFDC589F}" vid="{4A3C46E8-61CC-4603-A589-7422A47A8E4A}"/>
+      <thm15:themeFamily xmlns:thm15="http://schemas.microsoft.com/office/thememl/2012/main" name="Slice" id="{0507925B-6AC9-4358-8E18-C330545D08F8}" vid="{13FEC7C6-62A9-40C4-99D2-581AACACAA2F}"/>
     </a:ext>
   </a:extLst>
 </a:theme>
